--- a/Trabalho prático.pptx
+++ b/Trabalho prático.pptx
@@ -5,10 +5,10 @@
     <p:sldMasterId id="2147483744" r:id="rId4"/>
   </p:sldMasterIdLst>
   <p:notesMasterIdLst>
-    <p:notesMasterId r:id="rId15"/>
+    <p:notesMasterId r:id="rId13"/>
   </p:notesMasterIdLst>
   <p:handoutMasterIdLst>
-    <p:handoutMasterId r:id="rId16"/>
+    <p:handoutMasterId r:id="rId14"/>
   </p:handoutMasterIdLst>
   <p:sldIdLst>
     <p:sldId id="256" r:id="rId5"/>
@@ -16,11 +16,9 @@
     <p:sldId id="276" r:id="rId7"/>
     <p:sldId id="279" r:id="rId8"/>
     <p:sldId id="280" r:id="rId9"/>
-    <p:sldId id="277" r:id="rId10"/>
-    <p:sldId id="281" r:id="rId11"/>
-    <p:sldId id="258" r:id="rId12"/>
-    <p:sldId id="278" r:id="rId13"/>
-    <p:sldId id="274" r:id="rId14"/>
+    <p:sldId id="258" r:id="rId10"/>
+    <p:sldId id="278" r:id="rId11"/>
+    <p:sldId id="274" r:id="rId12"/>
   </p:sldIdLst>
   <p:sldSz cx="12192000" cy="6858000"/>
   <p:notesSz cx="6858000" cy="9144000"/>
@@ -3286,7 +3284,7 @@
             <a:pPr rtl="0"/>
             <a:fld id="{4F0CA431-7F0F-451E-87BF-573BA966B2C1}" type="datetime1">
               <a:rPr lang="pt-PT" smtClean="0"/>
-              <a:t>20/03/2022</a:t>
+              <a:t>22/03/2022</a:t>
             </a:fld>
             <a:endParaRPr lang="pt-PT" dirty="0"/>
           </a:p>
@@ -3468,7 +3466,7 @@
             <a:fld id="{DD843740-0000-40E5-8C98-29C8101FFDB8}" type="datetime1">
               <a:rPr lang="pt-PT" smtClean="0"/>
               <a:pPr/>
-              <a:t>20/03/2022</a:t>
+              <a:t>22/03/2022</a:t>
             </a:fld>
             <a:endParaRPr lang="pt-PT" dirty="0"/>
           </a:p>
@@ -3892,7 +3890,7 @@
             <a:pPr rtl="0"/>
             <a:fld id="{F3544625-0ADF-4414-89A2-9E135F0C849F}" type="slidenum">
               <a:rPr lang="pt-PT" smtClean="0"/>
-              <a:t>8</a:t>
+              <a:t>6</a:t>
             </a:fld>
             <a:endParaRPr lang="pt-PT"/>
           </a:p>
@@ -3978,7 +3976,7 @@
             <a:pPr rtl="0"/>
             <a:fld id="{F3544625-0ADF-4414-89A2-9E135F0C849F}" type="slidenum">
               <a:rPr lang="pt-PT" smtClean="0"/>
-              <a:t>10</a:t>
+              <a:t>8</a:t>
             </a:fld>
             <a:endParaRPr lang="pt-PT"/>
           </a:p>
@@ -4227,7 +4225,7 @@
             <a:pPr rtl="0"/>
             <a:fld id="{629A61C5-9472-4BE4-BF9D-AAD79B0164EF}" type="datetime1">
               <a:rPr lang="pt-PT" noProof="0" smtClean="0"/>
-              <a:t>20/03/2022</a:t>
+              <a:t>22/03/2022</a:t>
             </a:fld>
             <a:endParaRPr lang="pt-PT" noProof="0"/>
           </a:p>
@@ -4565,7 +4563,7 @@
             <a:pPr rtl="0"/>
             <a:fld id="{11ED9F09-46FA-44E8-B897-84EA63CBD209}" type="datetime1">
               <a:rPr lang="pt-PT" noProof="0" smtClean="0"/>
-              <a:t>20/03/2022</a:t>
+              <a:t>22/03/2022</a:t>
             </a:fld>
             <a:endParaRPr lang="pt-PT" noProof="0"/>
           </a:p>
@@ -4847,7 +4845,7 @@
             <a:pPr rtl="0"/>
             <a:fld id="{B30FD4AA-7DE7-4151-8F4D-91AF9EF87CA6}" type="datetime1">
               <a:rPr lang="pt-PT" noProof="0" smtClean="0"/>
-              <a:t>20/03/2022</a:t>
+              <a:t>22/03/2022</a:t>
             </a:fld>
             <a:endParaRPr lang="pt-PT" noProof="0"/>
           </a:p>
@@ -5419,7 +5417,7 @@
             <a:pPr rtl="0"/>
             <a:fld id="{73C912A5-E42D-4FA6-8374-37272029EF41}" type="datetime1">
               <a:rPr lang="pt-PT" noProof="0" smtClean="0"/>
-              <a:t>20/03/2022</a:t>
+              <a:t>22/03/2022</a:t>
             </a:fld>
             <a:endParaRPr lang="pt-PT" noProof="0"/>
           </a:p>
@@ -5701,7 +5699,7 @@
             <a:pPr rtl="0"/>
             <a:fld id="{E0EF203A-6E22-485D-AA90-7BDFC2DD93F6}" type="datetime1">
               <a:rPr lang="pt-PT" noProof="0" smtClean="0"/>
-              <a:t>20/03/2022</a:t>
+              <a:t>22/03/2022</a:t>
             </a:fld>
             <a:endParaRPr lang="pt-PT" noProof="0"/>
           </a:p>
@@ -6267,7 +6265,7 @@
             <a:pPr rtl="0"/>
             <a:fld id="{318D837C-E9F2-4574-8202-B239DC4D3ADB}" type="datetime1">
               <a:rPr lang="pt-PT" noProof="0" smtClean="0"/>
-              <a:t>20/03/2022</a:t>
+              <a:t>22/03/2022</a:t>
             </a:fld>
             <a:endParaRPr lang="pt-PT" noProof="0"/>
           </a:p>
@@ -6597,7 +6595,7 @@
             <a:pPr rtl="0"/>
             <a:fld id="{88B3D4A5-BBB7-4963-A327-84B3D0C26BA9}" type="datetime1">
               <a:rPr lang="pt-PT" noProof="0" smtClean="0"/>
-              <a:t>20/03/2022</a:t>
+              <a:t>22/03/2022</a:t>
             </a:fld>
             <a:endParaRPr lang="pt-PT" noProof="0"/>
           </a:p>
@@ -6805,7 +6803,7 @@
             <a:pPr rtl="0"/>
             <a:fld id="{ED4FF7F9-1D88-4D9C-8A1B-0C70CFA11635}" type="datetime1">
               <a:rPr lang="pt-PT" noProof="0" smtClean="0"/>
-              <a:t>20/03/2022</a:t>
+              <a:t>22/03/2022</a:t>
             </a:fld>
             <a:endParaRPr lang="pt-PT" noProof="0"/>
           </a:p>
@@ -7017,7 +7015,7 @@
             <a:pPr rtl="0"/>
             <a:fld id="{C1824A14-7316-4607-93C8-7624B6795711}" type="datetime1">
               <a:rPr lang="pt-PT" noProof="0" smtClean="0"/>
-              <a:t>20/03/2022</a:t>
+              <a:t>22/03/2022</a:t>
             </a:fld>
             <a:endParaRPr lang="pt-PT" noProof="0"/>
           </a:p>
@@ -7219,7 +7217,7 @@
             <a:pPr rtl="0"/>
             <a:fld id="{36142FC6-D8E8-4706-AF05-EF6079BBA0F4}" type="datetime1">
               <a:rPr lang="pt-PT" noProof="0" smtClean="0"/>
-              <a:t>20/03/2022</a:t>
+              <a:t>22/03/2022</a:t>
             </a:fld>
             <a:endParaRPr lang="pt-PT" noProof="0"/>
           </a:p>
@@ -7498,7 +7496,7 @@
             <a:pPr rtl="0"/>
             <a:fld id="{CC8DEDDD-06E2-46A0-B2C3-B5671A13AA3E}" type="datetime1">
               <a:rPr lang="pt-PT" noProof="0" smtClean="0"/>
-              <a:t>20/03/2022</a:t>
+              <a:t>22/03/2022</a:t>
             </a:fld>
             <a:endParaRPr lang="pt-PT" noProof="0"/>
           </a:p>
@@ -7766,7 +7764,7 @@
             <a:pPr rtl="0"/>
             <a:fld id="{FB0DCCDA-DBFB-4682-9796-AA2FEB075073}" type="datetime1">
               <a:rPr lang="pt-PT" noProof="0" smtClean="0"/>
-              <a:t>20/03/2022</a:t>
+              <a:t>22/03/2022</a:t>
             </a:fld>
             <a:endParaRPr lang="pt-PT" noProof="0"/>
           </a:p>
@@ -8141,7 +8139,7 @@
             <a:pPr rtl="0"/>
             <a:fld id="{C14C8A9B-DB4A-423D-8951-131D49731D01}" type="datetime1">
               <a:rPr lang="pt-PT" noProof="0" smtClean="0"/>
-              <a:t>20/03/2022</a:t>
+              <a:t>22/03/2022</a:t>
             </a:fld>
             <a:endParaRPr lang="pt-PT" noProof="0"/>
           </a:p>
@@ -8292,7 +8290,7 @@
             <a:pPr rtl="0"/>
             <a:fld id="{87389B67-3430-4A0A-A0B8-5B15F1047E1F}" type="datetime1">
               <a:rPr lang="pt-PT" noProof="0" smtClean="0"/>
-              <a:t>20/03/2022</a:t>
+              <a:t>22/03/2022</a:t>
             </a:fld>
             <a:endParaRPr lang="pt-PT" noProof="0"/>
           </a:p>
@@ -8420,7 +8418,7 @@
             <a:pPr rtl="0"/>
             <a:fld id="{E5C803D9-758B-4736-8B16-02F78FEDE812}" type="datetime1">
               <a:rPr lang="pt-PT" noProof="0" smtClean="0"/>
-              <a:t>20/03/2022</a:t>
+              <a:t>22/03/2022</a:t>
             </a:fld>
             <a:endParaRPr lang="pt-PT" noProof="0"/>
           </a:p>
@@ -8707,7 +8705,7 @@
             <a:pPr rtl="0"/>
             <a:fld id="{B2C05C71-5A01-4F58-A5E6-03FF61EF34BC}" type="datetime1">
               <a:rPr lang="pt-PT" noProof="0" smtClean="0"/>
-              <a:t>20/03/2022</a:t>
+              <a:t>22/03/2022</a:t>
             </a:fld>
             <a:endParaRPr lang="pt-PT" noProof="0"/>
           </a:p>
@@ -9035,7 +9033,7 @@
             <a:pPr rtl="0"/>
             <a:fld id="{65CA4D21-4D48-4BAD-8558-79A5A4794CEA}" type="datetime1">
               <a:rPr lang="pt-PT" noProof="0" smtClean="0"/>
-              <a:t>20/03/2022</a:t>
+              <a:t>22/03/2022</a:t>
             </a:fld>
             <a:endParaRPr lang="pt-PT" noProof="0"/>
           </a:p>
@@ -9252,7 +9250,7 @@
             <a:pPr rtl="0"/>
             <a:fld id="{8D66683A-CCB2-465E-B82E-D9D6CB145A16}" type="datetime1">
               <a:rPr lang="pt-PT" noProof="0" smtClean="0"/>
-              <a:t>20/03/2022</a:t>
+              <a:t>22/03/2022</a:t>
             </a:fld>
             <a:endParaRPr lang="pt-PT" noProof="0"/>
           </a:p>
@@ -9913,7 +9911,7 @@
                   </a:schemeClr>
                 </a:solidFill>
               </a:rPr>
-              <a:t>- </a:t>
+              <a:t> </a:t>
             </a:r>
           </a:p>
         </p:txBody>
@@ -9922,151 +9920,6 @@
     <p:extLst>
       <p:ext uri="{BB962C8B-B14F-4D97-AF65-F5344CB8AC3E}">
         <p14:creationId xmlns:p14="http://schemas.microsoft.com/office/powerpoint/2010/main" val="3417721485"/>
-      </p:ext>
-    </p:extLst>
-  </p:cSld>
-  <p:clrMapOvr>
-    <a:masterClrMapping/>
-  </p:clrMapOvr>
-</p:sld>
-</file>
-
-<file path=ppt/slides/slide10.xml><?xml version="1.0" encoding="utf-8"?>
-<p:sld xmlns:a="http://schemas.openxmlformats.org/drawingml/2006/main" xmlns:r="http://schemas.openxmlformats.org/officeDocument/2006/relationships" xmlns:p="http://schemas.openxmlformats.org/presentationml/2006/main">
-  <p:cSld>
-    <p:spTree>
-      <p:nvGrpSpPr>
-        <p:cNvPr id="1" name=""/>
-        <p:cNvGrpSpPr/>
-        <p:nvPr/>
-      </p:nvGrpSpPr>
-      <p:grpSpPr>
-        <a:xfrm>
-          <a:off x="0" y="0"/>
-          <a:ext cx="0" cy="0"/>
-          <a:chOff x="0" y="0"/>
-          <a:chExt cx="0" cy="0"/>
-        </a:xfrm>
-      </p:grpSpPr>
-      <p:pic>
-        <p:nvPicPr>
-          <p:cNvPr id="5" name="Imagem 4" descr="pontos de luz">
-            <a:extLst>
-              <a:ext uri="{FF2B5EF4-FFF2-40B4-BE49-F238E27FC236}">
-                <a16:creationId xmlns:a16="http://schemas.microsoft.com/office/drawing/2014/main" id="{20A520D0-11CF-4639-8537-F56A8A2FDCFD}"/>
-              </a:ext>
-            </a:extLst>
-          </p:cNvPr>
-          <p:cNvPicPr>
-            <a:picLocks noChangeAspect="1"/>
-          </p:cNvPicPr>
-          <p:nvPr/>
-        </p:nvPicPr>
-        <p:blipFill rotWithShape="1">
-          <a:blip r:embed="rId3">
-            <a:alphaModFix amt="20000"/>
-            <a:extLst>
-              <a:ext uri="{28A0092B-C50C-407E-A947-70E740481C1C}">
-                <a14:useLocalDpi xmlns:a14="http://schemas.microsoft.com/office/drawing/2010/main"/>
-              </a:ext>
-            </a:extLst>
-          </a:blip>
-          <a:srcRect/>
-          <a:stretch/>
-        </p:blipFill>
-        <p:spPr>
-          <a:xfrm>
-            <a:off x="20" y="10"/>
-            <a:ext cx="12191980" cy="6857990"/>
-          </a:xfrm>
-          <a:prstGeom prst="rect">
-            <a:avLst/>
-          </a:prstGeom>
-        </p:spPr>
-      </p:pic>
-      <p:sp>
-        <p:nvSpPr>
-          <p:cNvPr id="2" name="Título 1">
-            <a:extLst>
-              <a:ext uri="{FF2B5EF4-FFF2-40B4-BE49-F238E27FC236}">
-                <a16:creationId xmlns:a16="http://schemas.microsoft.com/office/drawing/2014/main" id="{D44BCB7C-A6FC-4118-9027-468ECFDE6455}"/>
-              </a:ext>
-            </a:extLst>
-          </p:cNvPr>
-          <p:cNvSpPr>
-            <a:spLocks noGrp="1"/>
-          </p:cNvSpPr>
-          <p:nvPr>
-            <p:ph type="ctrTitle"/>
-          </p:nvPr>
-        </p:nvSpPr>
-        <p:spPr>
-          <a:xfrm>
-            <a:off x="3962399" y="2573867"/>
-            <a:ext cx="7197726" cy="2421464"/>
-          </a:xfrm>
-        </p:spPr>
-        <p:txBody>
-          <a:bodyPr rtlCol="0">
-            <a:normAutofit/>
-          </a:bodyPr>
-          <a:lstStyle/>
-          <a:p>
-            <a:pPr rtl="0"/>
-            <a:r>
-              <a:rPr lang="pt-PT" dirty="0"/>
-              <a:t>Obrigado!</a:t>
-            </a:r>
-          </a:p>
-        </p:txBody>
-      </p:sp>
-      <p:sp>
-        <p:nvSpPr>
-          <p:cNvPr id="3" name="Subtítulo 2">
-            <a:extLst>
-              <a:ext uri="{FF2B5EF4-FFF2-40B4-BE49-F238E27FC236}">
-                <a16:creationId xmlns:a16="http://schemas.microsoft.com/office/drawing/2014/main" id="{4B64FA72-B055-4AE3-A6FD-8071BD687CBE}"/>
-              </a:ext>
-            </a:extLst>
-          </p:cNvPr>
-          <p:cNvSpPr>
-            <a:spLocks noGrp="1"/>
-          </p:cNvSpPr>
-          <p:nvPr>
-            <p:ph type="subTitle" idx="1"/>
-          </p:nvPr>
-        </p:nvSpPr>
-        <p:spPr>
-          <a:xfrm>
-            <a:off x="3962399" y="4995332"/>
-            <a:ext cx="7197726" cy="1405467"/>
-          </a:xfrm>
-        </p:spPr>
-        <p:txBody>
-          <a:bodyPr rtlCol="0">
-            <a:normAutofit/>
-          </a:bodyPr>
-          <a:lstStyle/>
-          <a:p>
-            <a:pPr rtl="0"/>
-            <a:r>
-              <a:rPr lang="pt-PT" dirty="0">
-                <a:solidFill>
-                  <a:schemeClr val="accent1">
-                    <a:lumMod val="40000"/>
-                    <a:lumOff val="60000"/>
-                  </a:schemeClr>
-                </a:solidFill>
-              </a:rPr>
-              <a:t>EDUARDONUNES@GMAIL.com</a:t>
-            </a:r>
-          </a:p>
-        </p:txBody>
-      </p:sp>
-    </p:spTree>
-    <p:extLst>
-      <p:ext uri="{BB962C8B-B14F-4D97-AF65-F5344CB8AC3E}">
-        <p14:creationId xmlns:p14="http://schemas.microsoft.com/office/powerpoint/2010/main" val="2939930866"/>
       </p:ext>
     </p:extLst>
   </p:cSld>
@@ -10467,9 +10320,16 @@
             <p:ph type="title"/>
           </p:nvPr>
         </p:nvSpPr>
-        <p:spPr/>
+        <p:spPr>
+          <a:xfrm>
+            <a:off x="685801" y="609600"/>
+            <a:ext cx="10131425" cy="1456267"/>
+          </a:xfrm>
+        </p:spPr>
         <p:txBody>
-          <a:bodyPr/>
+          <a:bodyPr anchor="ctr">
+            <a:normAutofit/>
+          </a:bodyPr>
           <a:lstStyle/>
           <a:p>
             <a:r>
@@ -10479,6 +10339,37 @@
           </a:p>
         </p:txBody>
       </p:sp>
+      <p:pic>
+        <p:nvPicPr>
+          <p:cNvPr id="8" name="Imagem 7">
+            <a:extLst>
+              <a:ext uri="{FF2B5EF4-FFF2-40B4-BE49-F238E27FC236}">
+                <a16:creationId xmlns:a16="http://schemas.microsoft.com/office/drawing/2014/main" id="{7AA42E9E-0BBE-45BE-84BE-FCDA0C1DC451}"/>
+              </a:ext>
+            </a:extLst>
+          </p:cNvPr>
+          <p:cNvPicPr>
+            <a:picLocks noChangeAspect="1"/>
+          </p:cNvPicPr>
+          <p:nvPr/>
+        </p:nvPicPr>
+        <p:blipFill>
+          <a:blip r:embed="rId2"/>
+          <a:stretch>
+            <a:fillRect/>
+          </a:stretch>
+        </p:blipFill>
+        <p:spPr>
+          <a:xfrm>
+            <a:off x="288887" y="2678546"/>
+            <a:ext cx="5392249" cy="2399550"/>
+          </a:xfrm>
+          <a:prstGeom prst="rect">
+            <a:avLst/>
+          </a:prstGeom>
+          <a:noFill/>
+        </p:spPr>
+      </p:pic>
       <p:sp>
         <p:nvSpPr>
           <p:cNvPr id="3" name="Marcador de Posição de Conteúdo 2">
@@ -10492,71 +10383,77 @@
             <a:spLocks noGrp="1"/>
           </p:cNvSpPr>
           <p:nvPr>
-            <p:ph idx="1"/>
+            <p:ph sz="half" idx="2"/>
           </p:nvPr>
         </p:nvSpPr>
-        <p:spPr/>
+        <p:spPr>
+          <a:xfrm>
+            <a:off x="5821895" y="2142067"/>
+            <a:ext cx="4995332" cy="3649133"/>
+          </a:xfrm>
+        </p:spPr>
         <p:txBody>
-          <a:bodyPr/>
+          <a:bodyPr anchor="ctr">
+            <a:normAutofit/>
+          </a:bodyPr>
           <a:lstStyle/>
           <a:p>
             <a:pPr marL="0" indent="0">
               <a:buNone/>
             </a:pPr>
             <a:r>
-              <a:rPr lang="pt-PT" dirty="0"/>
+              <a:rPr lang="pt-PT" sz="1700"/>
               <a:t>Com isto, apercebemo-nos que de acordo com os requisitos postos achamos pertinente dividir a estrutura de dados em cinco pilares principais que acabam por se ligar formando assim a “estrutura geral” </a:t>
             </a:r>
             <a:r>
-              <a:rPr lang="pt-PT" i="1" dirty="0" err="1"/>
+              <a:rPr lang="pt-PT" sz="1700" i="1" err="1"/>
               <a:t>database</a:t>
             </a:r>
             <a:r>
-              <a:rPr lang="pt-PT" dirty="0"/>
+              <a:rPr lang="pt-PT" sz="1700"/>
               <a:t>:</a:t>
             </a:r>
           </a:p>
           <a:p>
             <a:pPr lvl="1"/>
             <a:r>
-              <a:rPr lang="pt-PT" dirty="0"/>
+              <a:rPr lang="pt-PT" sz="1700"/>
               <a:t>Utilizadores (permissões)</a:t>
             </a:r>
           </a:p>
           <a:p>
             <a:pPr lvl="1"/>
             <a:r>
-              <a:rPr lang="pt-PT" dirty="0"/>
+              <a:rPr lang="pt-PT" sz="1700"/>
               <a:t>Produtos (especificações, empresas, histórico)</a:t>
             </a:r>
           </a:p>
           <a:p>
             <a:pPr lvl="1"/>
             <a:r>
-              <a:rPr lang="pt-PT" dirty="0"/>
-              <a:t>Pedidos de Produtos (feito por utilizadores)</a:t>
+              <a:rPr lang="pt-PT" sz="1700"/>
+              <a:t>Pedidos de Produtos e Rating (feito por utilizadores)</a:t>
             </a:r>
           </a:p>
           <a:p>
             <a:pPr lvl="1"/>
             <a:r>
-              <a:rPr lang="pt-PT" i="1" dirty="0" err="1"/>
+              <a:rPr lang="pt-PT" sz="1700" i="1" err="1"/>
               <a:t>Threads</a:t>
             </a:r>
             <a:r>
-              <a:rPr lang="pt-PT" dirty="0"/>
-              <a:t> (perguntas e respostas)</a:t>
+              <a:rPr lang="pt-PT" sz="1700"/>
+              <a:t> (perguntas e respostas) e Notificações</a:t>
             </a:r>
           </a:p>
           <a:p>
-            <a:pPr lvl="1"/>
-            <a:r>
-              <a:rPr lang="pt-PT" dirty="0"/>
-              <a:t>Notificações (para utilizadores)</a:t>
-            </a:r>
+            <a:pPr marL="457200" lvl="1" indent="0">
+              <a:buNone/>
+            </a:pPr>
+            <a:endParaRPr lang="pt-PT" sz="1700"/>
           </a:p>
           <a:p>
-            <a:endParaRPr lang="pt-PT" dirty="0"/>
+            <a:endParaRPr lang="pt-PT" sz="1700"/>
           </a:p>
         </p:txBody>
       </p:sp>
@@ -10606,7 +10503,12 @@
             <p:ph type="title"/>
           </p:nvPr>
         </p:nvSpPr>
-        <p:spPr/>
+        <p:spPr>
+          <a:xfrm>
+            <a:off x="685801" y="250676"/>
+            <a:ext cx="10131425" cy="1456267"/>
+          </a:xfrm>
+        </p:spPr>
         <p:txBody>
           <a:bodyPr/>
           <a:lstStyle/>
@@ -10639,7 +10541,48 @@
           <a:bodyPr/>
           <a:lstStyle/>
           <a:p>
-            <a:endParaRPr lang="pt-PT"/>
+            <a:pPr marL="0" indent="0">
+              <a:buNone/>
+            </a:pPr>
+            <a:r>
+              <a:rPr lang="pt-PT" dirty="0"/>
+              <a:t>A </a:t>
+            </a:r>
+          </a:p>
+        </p:txBody>
+      </p:sp>
+      <p:sp>
+        <p:nvSpPr>
+          <p:cNvPr id="4" name="CaixaDeTexto 3">
+            <a:extLst>
+              <a:ext uri="{FF2B5EF4-FFF2-40B4-BE49-F238E27FC236}">
+                <a16:creationId xmlns:a16="http://schemas.microsoft.com/office/drawing/2014/main" id="{3D8D5A72-74BD-4A21-9983-8DA8308B9D80}"/>
+              </a:ext>
+            </a:extLst>
+          </p:cNvPr>
+          <p:cNvSpPr txBox="1"/>
+          <p:nvPr/>
+        </p:nvSpPr>
+        <p:spPr>
+          <a:xfrm>
+            <a:off x="685801" y="1245278"/>
+            <a:ext cx="5938982" cy="461665"/>
+          </a:xfrm>
+          <a:prstGeom prst="rect">
+            <a:avLst/>
+          </a:prstGeom>
+          <a:noFill/>
+        </p:spPr>
+        <p:txBody>
+          <a:bodyPr wrap="square" rtlCol="0">
+            <a:spAutoFit/>
+          </a:bodyPr>
+          <a:lstStyle/>
+          <a:p>
+            <a:r>
+              <a:rPr lang="pt-PT" sz="2400" dirty="0"/>
+              <a:t>Utilizadores</a:t>
+            </a:r>
           </a:p>
         </p:txBody>
       </p:sp>
@@ -10657,203 +10600,6 @@
 </file>
 
 <file path=ppt/slides/slide6.xml><?xml version="1.0" encoding="utf-8"?>
-<p:sld xmlns:a="http://schemas.openxmlformats.org/drawingml/2006/main" xmlns:r="http://schemas.openxmlformats.org/officeDocument/2006/relationships" xmlns:p="http://schemas.openxmlformats.org/presentationml/2006/main">
-  <p:cSld>
-    <p:spTree>
-      <p:nvGrpSpPr>
-        <p:cNvPr id="1" name=""/>
-        <p:cNvGrpSpPr/>
-        <p:nvPr/>
-      </p:nvGrpSpPr>
-      <p:grpSpPr>
-        <a:xfrm>
-          <a:off x="0" y="0"/>
-          <a:ext cx="0" cy="0"/>
-          <a:chOff x="0" y="0"/>
-          <a:chExt cx="0" cy="0"/>
-        </a:xfrm>
-      </p:grpSpPr>
-      <p:pic>
-        <p:nvPicPr>
-          <p:cNvPr id="5" name="Marcador de Posição de Conteúdo 4">
-            <a:extLst>
-              <a:ext uri="{FF2B5EF4-FFF2-40B4-BE49-F238E27FC236}">
-                <a16:creationId xmlns:a16="http://schemas.microsoft.com/office/drawing/2014/main" id="{CBF64E2B-2DE2-45FF-A0BB-248AB0EA2ED7}"/>
-              </a:ext>
-            </a:extLst>
-          </p:cNvPr>
-          <p:cNvPicPr>
-            <a:picLocks noGrp="1" noChangeAspect="1"/>
-          </p:cNvPicPr>
-          <p:nvPr>
-            <p:ph idx="1"/>
-          </p:nvPr>
-        </p:nvPicPr>
-        <p:blipFill>
-          <a:blip r:embed="rId2"/>
-          <a:stretch>
-            <a:fillRect/>
-          </a:stretch>
-        </p:blipFill>
-        <p:spPr>
-          <a:xfrm>
-            <a:off x="94466" y="996779"/>
-            <a:ext cx="12003068" cy="4143632"/>
-          </a:xfrm>
-        </p:spPr>
-      </p:pic>
-      <p:sp>
-        <p:nvSpPr>
-          <p:cNvPr id="2" name="Título 1">
-            <a:extLst>
-              <a:ext uri="{FF2B5EF4-FFF2-40B4-BE49-F238E27FC236}">
-                <a16:creationId xmlns:a16="http://schemas.microsoft.com/office/drawing/2014/main" id="{861FFC3A-AA22-49A7-A40F-FC22318DF3CF}"/>
-              </a:ext>
-            </a:extLst>
-          </p:cNvPr>
-          <p:cNvSpPr>
-            <a:spLocks noGrp="1"/>
-          </p:cNvSpPr>
-          <p:nvPr>
-            <p:ph type="title"/>
-          </p:nvPr>
-        </p:nvSpPr>
-        <p:spPr>
-          <a:xfrm>
-            <a:off x="1871643" y="4909751"/>
-            <a:ext cx="10131425" cy="1456267"/>
-          </a:xfrm>
-        </p:spPr>
-        <p:txBody>
-          <a:bodyPr/>
-          <a:lstStyle/>
-          <a:p>
-            <a:pPr algn="r"/>
-            <a:r>
-              <a:rPr lang="pt-PT" dirty="0"/>
-              <a:t>	Modelo </a:t>
-            </a:r>
-            <a:r>
-              <a:rPr lang="pt-PT" dirty="0" err="1"/>
-              <a:t>er</a:t>
-            </a:r>
-            <a:r>
-              <a:rPr lang="pt-PT" dirty="0"/>
-              <a:t> da base de dados</a:t>
-            </a:r>
-          </a:p>
-        </p:txBody>
-      </p:sp>
-    </p:spTree>
-    <p:extLst>
-      <p:ext uri="{BB962C8B-B14F-4D97-AF65-F5344CB8AC3E}">
-        <p14:creationId xmlns:p14="http://schemas.microsoft.com/office/powerpoint/2010/main" val="589733537"/>
-      </p:ext>
-    </p:extLst>
-  </p:cSld>
-  <p:clrMapOvr>
-    <a:masterClrMapping/>
-  </p:clrMapOvr>
-</p:sld>
-</file>
-
-<file path=ppt/slides/slide7.xml><?xml version="1.0" encoding="utf-8"?>
-<p:sld xmlns:a="http://schemas.openxmlformats.org/drawingml/2006/main" xmlns:r="http://schemas.openxmlformats.org/officeDocument/2006/relationships" xmlns:p="http://schemas.openxmlformats.org/presentationml/2006/main">
-  <p:cSld>
-    <p:spTree>
-      <p:nvGrpSpPr>
-        <p:cNvPr id="1" name=""/>
-        <p:cNvGrpSpPr/>
-        <p:nvPr/>
-      </p:nvGrpSpPr>
-      <p:grpSpPr>
-        <a:xfrm>
-          <a:off x="0" y="0"/>
-          <a:ext cx="0" cy="0"/>
-          <a:chOff x="0" y="0"/>
-          <a:chExt cx="0" cy="0"/>
-        </a:xfrm>
-      </p:grpSpPr>
-      <p:sp>
-        <p:nvSpPr>
-          <p:cNvPr id="2" name="Título 1">
-            <a:extLst>
-              <a:ext uri="{FF2B5EF4-FFF2-40B4-BE49-F238E27FC236}">
-                <a16:creationId xmlns:a16="http://schemas.microsoft.com/office/drawing/2014/main" id="{BA71248A-2CAB-4168-AB06-A82450D88645}"/>
-              </a:ext>
-            </a:extLst>
-          </p:cNvPr>
-          <p:cNvSpPr>
-            <a:spLocks noGrp="1"/>
-          </p:cNvSpPr>
-          <p:nvPr>
-            <p:ph type="title"/>
-          </p:nvPr>
-        </p:nvSpPr>
-        <p:spPr/>
-        <p:txBody>
-          <a:bodyPr/>
-          <a:lstStyle/>
-          <a:p>
-            <a:r>
-              <a:rPr lang="pt-PT" dirty="0" err="1"/>
-              <a:t>api</a:t>
-            </a:r>
-            <a:endParaRPr lang="pt-PT" dirty="0"/>
-          </a:p>
-        </p:txBody>
-      </p:sp>
-      <p:sp>
-        <p:nvSpPr>
-          <p:cNvPr id="3" name="Marcador de Posição de Conteúdo 2">
-            <a:extLst>
-              <a:ext uri="{FF2B5EF4-FFF2-40B4-BE49-F238E27FC236}">
-                <a16:creationId xmlns:a16="http://schemas.microsoft.com/office/drawing/2014/main" id="{9EE459E6-D6B2-4C31-A758-AF951BC51697}"/>
-              </a:ext>
-            </a:extLst>
-          </p:cNvPr>
-          <p:cNvSpPr>
-            <a:spLocks noGrp="1"/>
-          </p:cNvSpPr>
-          <p:nvPr>
-            <p:ph idx="1"/>
-          </p:nvPr>
-        </p:nvSpPr>
-        <p:spPr/>
-        <p:txBody>
-          <a:bodyPr/>
-          <a:lstStyle/>
-          <a:p>
-            <a:r>
-              <a:rPr lang="pt-PT" dirty="0"/>
-              <a:t>ROTAS</a:t>
-            </a:r>
-          </a:p>
-          <a:p>
-            <a:r>
-              <a:rPr lang="pt-PT" dirty="0"/>
-              <a:t>DOCUMENTATION</a:t>
-            </a:r>
-          </a:p>
-          <a:p>
-            <a:endParaRPr lang="pt-PT" dirty="0"/>
-          </a:p>
-        </p:txBody>
-      </p:sp>
-    </p:spTree>
-    <p:extLst>
-      <p:ext uri="{BB962C8B-B14F-4D97-AF65-F5344CB8AC3E}">
-        <p14:creationId xmlns:p14="http://schemas.microsoft.com/office/powerpoint/2010/main" val="2652042655"/>
-      </p:ext>
-    </p:extLst>
-  </p:cSld>
-  <p:clrMapOvr>
-    <a:masterClrMapping/>
-  </p:clrMapOvr>
-</p:sld>
-</file>
-
-<file path=ppt/slides/slide8.xml><?xml version="1.0" encoding="utf-8"?>
 <p:sld xmlns:a="http://schemas.openxmlformats.org/drawingml/2006/main" xmlns:r="http://schemas.openxmlformats.org/officeDocument/2006/relationships" xmlns:p="http://schemas.openxmlformats.org/presentationml/2006/main">
   <p:cSld>
     <p:bg>
@@ -19656,8 +19402,8 @@
         </p:blipFill>
         <p:spPr bwMode="auto">
           <a:xfrm>
-            <a:off x="6962421" y="80976"/>
-            <a:ext cx="6434522" cy="3041785"/>
+            <a:off x="6497107" y="266235"/>
+            <a:ext cx="5157970" cy="2438322"/>
           </a:xfrm>
           <a:prstGeom prst="rect">
             <a:avLst/>
@@ -19812,7 +19558,7 @@
         </p:blipFill>
         <p:spPr bwMode="auto">
           <a:xfrm>
-            <a:off x="7441679" y="4063197"/>
+            <a:off x="5563266" y="3149020"/>
             <a:ext cx="6477000" cy="4076700"/>
           </a:xfrm>
           <a:prstGeom prst="rect">
@@ -19883,7 +19629,7 @@
 </p:sld>
 </file>
 
-<file path=ppt/slides/slide9.xml><?xml version="1.0" encoding="utf-8"?>
+<file path=ppt/slides/slide7.xml><?xml version="1.0" encoding="utf-8"?>
 <p:sld xmlns:a="http://schemas.openxmlformats.org/drawingml/2006/main" xmlns:r="http://schemas.openxmlformats.org/officeDocument/2006/relationships" xmlns:p="http://schemas.openxmlformats.org/presentationml/2006/main">
   <p:cSld>
     <p:spTree>
@@ -19916,7 +19662,12 @@
             <p:ph type="title"/>
           </p:nvPr>
         </p:nvSpPr>
-        <p:spPr/>
+        <p:spPr>
+          <a:xfrm>
+            <a:off x="623843" y="216492"/>
+            <a:ext cx="10131425" cy="885914"/>
+          </a:xfrm>
+        </p:spPr>
         <p:txBody>
           <a:bodyPr/>
           <a:lstStyle/>
@@ -19953,27 +19704,241 @@
             <p:ph idx="1"/>
           </p:nvPr>
         </p:nvSpPr>
-        <p:spPr/>
+        <p:spPr>
+          <a:xfrm>
+            <a:off x="685802" y="1324597"/>
+            <a:ext cx="10882356" cy="5050565"/>
+          </a:xfrm>
+        </p:spPr>
         <p:txBody>
-          <a:bodyPr/>
+          <a:bodyPr>
+            <a:normAutofit/>
+          </a:bodyPr>
+          <a:lstStyle/>
+          <a:p>
+            <a:pPr marL="0" indent="0">
+              <a:buNone/>
+            </a:pPr>
+            <a:r>
+              <a:rPr lang="pt-PT" sz="2200" dirty="0"/>
+              <a:t>Os nossos objetivos consistem em</a:t>
+            </a:r>
+            <a:r>
+              <a:rPr lang="pt-PT" dirty="0"/>
+              <a:t>:</a:t>
+            </a:r>
+          </a:p>
+          <a:p>
+            <a:pPr marL="800100" lvl="1" indent="-342900">
+              <a:buFont typeface="+mj-lt"/>
+              <a:buAutoNum type="arabicPeriod"/>
+            </a:pPr>
+            <a:r>
+              <a:rPr lang="pt-PT" dirty="0"/>
+              <a:t>Implementar a base de dados (de modo a conseguirmos fazer </a:t>
+            </a:r>
+            <a:r>
+              <a:rPr lang="pt-PT" i="1" dirty="0" err="1"/>
+              <a:t>queries</a:t>
+            </a:r>
+            <a:r>
+              <a:rPr lang="pt-PT" i="1" dirty="0"/>
+              <a:t> </a:t>
+            </a:r>
+            <a:r>
+              <a:rPr lang="pt-PT" dirty="0"/>
+              <a:t>em </a:t>
+            </a:r>
+            <a:r>
+              <a:rPr lang="pt-PT" i="1" dirty="0" err="1"/>
+              <a:t>Postgresql</a:t>
+            </a:r>
+            <a:r>
+              <a:rPr lang="pt-PT" dirty="0"/>
+              <a:t>)</a:t>
+            </a:r>
+          </a:p>
+          <a:p>
+            <a:pPr marL="800100" lvl="1" indent="-342900">
+              <a:buFont typeface="+mj-lt"/>
+              <a:buAutoNum type="arabicPeriod"/>
+            </a:pPr>
+            <a:r>
+              <a:rPr lang="pt-PT" dirty="0"/>
+              <a:t>Criar a API com as rotas necessárias de modo a possibilitar a conexão entre o servidor e a base de dados</a:t>
+            </a:r>
+          </a:p>
+          <a:p>
+            <a:pPr marL="1257300" lvl="2" indent="-342900">
+              <a:buFont typeface="+mj-lt"/>
+              <a:buAutoNum type="arabicPeriod"/>
+            </a:pPr>
+            <a:r>
+              <a:rPr lang="pt-PT" sz="1200" dirty="0"/>
+              <a:t>Autenticação</a:t>
+            </a:r>
+          </a:p>
+          <a:p>
+            <a:pPr marL="1257300" lvl="2" indent="-342900">
+              <a:buFont typeface="+mj-lt"/>
+              <a:buAutoNum type="arabicPeriod"/>
+            </a:pPr>
+            <a:r>
+              <a:rPr lang="pt-PT" sz="1200" dirty="0"/>
+              <a:t>Registo de produtos e utilizadores</a:t>
+            </a:r>
+          </a:p>
+          <a:p>
+            <a:pPr marL="1257300" lvl="2" indent="-342900">
+              <a:buFont typeface="+mj-lt"/>
+              <a:buAutoNum type="arabicPeriod"/>
+            </a:pPr>
+            <a:r>
+              <a:rPr lang="pt-PT" sz="1200" dirty="0"/>
+              <a:t>Atualizar produtos</a:t>
+            </a:r>
+          </a:p>
+          <a:p>
+            <a:pPr marL="1257300" lvl="2" indent="-342900">
+              <a:buFont typeface="+mj-lt"/>
+              <a:buAutoNum type="arabicPeriod"/>
+            </a:pPr>
+            <a:r>
+              <a:rPr lang="pt-PT" sz="1200" dirty="0"/>
+              <a:t>Efetuar Compras</a:t>
+            </a:r>
+          </a:p>
+          <a:p>
+            <a:pPr marL="1257300" lvl="2" indent="-342900">
+              <a:buFont typeface="+mj-lt"/>
+              <a:buAutoNum type="arabicPeriod"/>
+            </a:pPr>
+            <a:r>
+              <a:rPr lang="pt-PT" sz="1200" dirty="0"/>
+              <a:t>Deixar perguntas e </a:t>
+            </a:r>
+            <a:r>
+              <a:rPr lang="pt-PT" sz="1200" i="1" dirty="0"/>
+              <a:t>ratings</a:t>
+            </a:r>
+          </a:p>
+          <a:p>
+            <a:pPr marL="1257300" lvl="2" indent="-342900">
+              <a:buFont typeface="+mj-lt"/>
+              <a:buAutoNum type="arabicPeriod"/>
+            </a:pPr>
+            <a:r>
+              <a:rPr lang="pt-PT" sz="1200" dirty="0"/>
+              <a:t>Consultar informações dos produtos</a:t>
+            </a:r>
+          </a:p>
+          <a:p>
+            <a:pPr marL="1257300" lvl="2" indent="-342900">
+              <a:buFont typeface="+mj-lt"/>
+              <a:buAutoNum type="arabicPeriod"/>
+            </a:pPr>
+            <a:r>
+              <a:rPr lang="pt-PT" sz="1200" dirty="0"/>
+              <a:t>Obter estatísticas</a:t>
+            </a:r>
+          </a:p>
+          <a:p>
+            <a:pPr marL="800100" lvl="1" indent="-342900">
+              <a:buFont typeface="+mj-lt"/>
+              <a:buAutoNum type="arabicPeriod"/>
+            </a:pPr>
+            <a:r>
+              <a:rPr lang="pt-PT" dirty="0"/>
+              <a:t>Depois disto, pensamos implementar um pequeno website (</a:t>
+            </a:r>
+            <a:r>
+              <a:rPr lang="pt-PT" dirty="0" err="1"/>
+              <a:t>front-end</a:t>
+            </a:r>
+            <a:r>
+              <a:rPr lang="pt-PT" dirty="0"/>
+              <a:t>) muito simbólico em </a:t>
+            </a:r>
+            <a:r>
+              <a:rPr lang="pt-PT" i="1" dirty="0" err="1"/>
+              <a:t>React</a:t>
+            </a:r>
+            <a:r>
+              <a:rPr lang="pt-PT" dirty="0"/>
+              <a:t> para simular uma app real.</a:t>
+            </a:r>
+          </a:p>
+          <a:p>
+            <a:pPr marL="800100" lvl="1" indent="-342900">
+              <a:buFont typeface="+mj-lt"/>
+              <a:buAutoNum type="arabicPeriod"/>
+            </a:pPr>
+            <a:r>
+              <a:rPr lang="pt-PT" i="1" dirty="0"/>
+              <a:t>Tentar adquirir um </a:t>
+            </a:r>
+            <a:r>
+              <a:rPr lang="pt-PT" i="1" dirty="0" err="1"/>
+              <a:t>host</a:t>
+            </a:r>
+            <a:r>
+              <a:rPr lang="pt-PT" i="1" dirty="0"/>
+              <a:t> temporário para simular uma aplicação real </a:t>
+            </a:r>
+            <a:r>
+              <a:rPr lang="pt-PT" dirty="0"/>
+              <a:t>– Estamos a pensar levar este projeto para outro nível e, se o tempo permitir (ou seja, se chover muito na queima) adquirir servidores (para a </a:t>
+            </a:r>
+            <a:r>
+              <a:rPr lang="pt-PT" i="1" dirty="0" err="1"/>
+              <a:t>back-end</a:t>
+            </a:r>
+            <a:r>
+              <a:rPr lang="pt-PT" i="1" dirty="0"/>
+              <a:t> </a:t>
+            </a:r>
+            <a:r>
+              <a:rPr lang="pt-PT" dirty="0"/>
+              <a:t>e base de dados) juntamente com um domínio e lançar esta aplicação para produção.</a:t>
+            </a:r>
+          </a:p>
+        </p:txBody>
+      </p:sp>
+      <p:sp>
+        <p:nvSpPr>
+          <p:cNvPr id="4" name="CaixaDeTexto 3">
+            <a:extLst>
+              <a:ext uri="{FF2B5EF4-FFF2-40B4-BE49-F238E27FC236}">
+                <a16:creationId xmlns:a16="http://schemas.microsoft.com/office/drawing/2014/main" id="{107C631D-FC6F-439D-A3F2-61C41D7C3C33}"/>
+              </a:ext>
+            </a:extLst>
+          </p:cNvPr>
+          <p:cNvSpPr txBox="1"/>
+          <p:nvPr/>
+        </p:nvSpPr>
+        <p:spPr>
+          <a:xfrm>
+            <a:off x="623843" y="880218"/>
+            <a:ext cx="5831080" cy="646331"/>
+          </a:xfrm>
+          <a:prstGeom prst="rect">
+            <a:avLst/>
+          </a:prstGeom>
+          <a:noFill/>
+        </p:spPr>
+        <p:txBody>
+          <a:bodyPr wrap="square" rtlCol="0">
+            <a:spAutoFit/>
+          </a:bodyPr>
           <a:lstStyle/>
           <a:p>
             <a:r>
               <a:rPr lang="pt-PT" dirty="0"/>
-              <a:t>TIMELINE</a:t>
+              <a:t>ROADMAP E DIVISÃO DE TRABALHO</a:t>
             </a:r>
           </a:p>
           <a:p>
-            <a:r>
-              <a:rPr lang="pt-PT" dirty="0"/>
-              <a:t>DIVISÃO DE TRABALHO</a:t>
-            </a:r>
-          </a:p>
-          <a:p>
-            <a:r>
-              <a:rPr lang="pt-PT" dirty="0"/>
-              <a:t>ROADMAP</a:t>
-            </a:r>
+            <a:endParaRPr lang="pt-PT" dirty="0"/>
           </a:p>
         </p:txBody>
       </p:sp>
@@ -19981,6 +19946,227 @@
     <p:extLst>
       <p:ext uri="{BB962C8B-B14F-4D97-AF65-F5344CB8AC3E}">
         <p14:creationId xmlns:p14="http://schemas.microsoft.com/office/powerpoint/2010/main" val="3531818791"/>
+      </p:ext>
+    </p:extLst>
+  </p:cSld>
+  <p:clrMapOvr>
+    <a:masterClrMapping/>
+  </p:clrMapOvr>
+</p:sld>
+</file>
+
+<file path=ppt/slides/slide8.xml><?xml version="1.0" encoding="utf-8"?>
+<p:sld xmlns:a="http://schemas.openxmlformats.org/drawingml/2006/main" xmlns:r="http://schemas.openxmlformats.org/officeDocument/2006/relationships" xmlns:p="http://schemas.openxmlformats.org/presentationml/2006/main">
+  <p:cSld>
+    <p:spTree>
+      <p:nvGrpSpPr>
+        <p:cNvPr id="1" name=""/>
+        <p:cNvGrpSpPr/>
+        <p:nvPr/>
+      </p:nvGrpSpPr>
+      <p:grpSpPr>
+        <a:xfrm>
+          <a:off x="0" y="0"/>
+          <a:ext cx="0" cy="0"/>
+          <a:chOff x="0" y="0"/>
+          <a:chExt cx="0" cy="0"/>
+        </a:xfrm>
+      </p:grpSpPr>
+      <p:pic>
+        <p:nvPicPr>
+          <p:cNvPr id="5" name="Imagem 4" descr="pontos de luz">
+            <a:extLst>
+              <a:ext uri="{FF2B5EF4-FFF2-40B4-BE49-F238E27FC236}">
+                <a16:creationId xmlns:a16="http://schemas.microsoft.com/office/drawing/2014/main" id="{20A520D0-11CF-4639-8537-F56A8A2FDCFD}"/>
+              </a:ext>
+            </a:extLst>
+          </p:cNvPr>
+          <p:cNvPicPr>
+            <a:picLocks noChangeAspect="1"/>
+          </p:cNvPicPr>
+          <p:nvPr/>
+        </p:nvPicPr>
+        <p:blipFill rotWithShape="1">
+          <a:blip r:embed="rId3">
+            <a:alphaModFix amt="20000"/>
+            <a:extLst>
+              <a:ext uri="{28A0092B-C50C-407E-A947-70E740481C1C}">
+                <a14:useLocalDpi xmlns:a14="http://schemas.microsoft.com/office/drawing/2010/main"/>
+              </a:ext>
+            </a:extLst>
+          </a:blip>
+          <a:srcRect/>
+          <a:stretch/>
+        </p:blipFill>
+        <p:spPr>
+          <a:xfrm>
+            <a:off x="20" y="10"/>
+            <a:ext cx="12191980" cy="6857990"/>
+          </a:xfrm>
+          <a:prstGeom prst="rect">
+            <a:avLst/>
+          </a:prstGeom>
+        </p:spPr>
+      </p:pic>
+      <p:sp>
+        <p:nvSpPr>
+          <p:cNvPr id="2" name="Título 1">
+            <a:extLst>
+              <a:ext uri="{FF2B5EF4-FFF2-40B4-BE49-F238E27FC236}">
+                <a16:creationId xmlns:a16="http://schemas.microsoft.com/office/drawing/2014/main" id="{D44BCB7C-A6FC-4118-9027-468ECFDE6455}"/>
+              </a:ext>
+            </a:extLst>
+          </p:cNvPr>
+          <p:cNvSpPr>
+            <a:spLocks noGrp="1"/>
+          </p:cNvSpPr>
+          <p:nvPr>
+            <p:ph type="ctrTitle"/>
+          </p:nvPr>
+        </p:nvSpPr>
+        <p:spPr>
+          <a:xfrm>
+            <a:off x="3962399" y="2573867"/>
+            <a:ext cx="7197726" cy="2421464"/>
+          </a:xfrm>
+        </p:spPr>
+        <p:txBody>
+          <a:bodyPr rtlCol="0">
+            <a:normAutofit/>
+          </a:bodyPr>
+          <a:lstStyle/>
+          <a:p>
+            <a:pPr rtl="0"/>
+            <a:r>
+              <a:rPr lang="pt-PT" dirty="0"/>
+              <a:t>Obrigado!</a:t>
+            </a:r>
+          </a:p>
+        </p:txBody>
+      </p:sp>
+      <p:sp>
+        <p:nvSpPr>
+          <p:cNvPr id="3" name="Subtítulo 2">
+            <a:extLst>
+              <a:ext uri="{FF2B5EF4-FFF2-40B4-BE49-F238E27FC236}">
+                <a16:creationId xmlns:a16="http://schemas.microsoft.com/office/drawing/2014/main" id="{4B64FA72-B055-4AE3-A6FD-8071BD687CBE}"/>
+              </a:ext>
+            </a:extLst>
+          </p:cNvPr>
+          <p:cNvSpPr>
+            <a:spLocks noGrp="1"/>
+          </p:cNvSpPr>
+          <p:nvPr>
+            <p:ph type="subTitle" idx="1"/>
+          </p:nvPr>
+        </p:nvSpPr>
+        <p:spPr>
+          <a:xfrm>
+            <a:off x="3962399" y="4995332"/>
+            <a:ext cx="7197726" cy="1405467"/>
+          </a:xfrm>
+        </p:spPr>
+        <p:txBody>
+          <a:bodyPr rtlCol="0">
+            <a:normAutofit/>
+          </a:bodyPr>
+          <a:lstStyle/>
+          <a:p>
+            <a:pPr rtl="0"/>
+            <a:r>
+              <a:rPr lang="pt-PT" dirty="0">
+                <a:solidFill>
+                  <a:schemeClr val="accent1">
+                    <a:lumMod val="40000"/>
+                    <a:lumOff val="60000"/>
+                  </a:schemeClr>
+                </a:solidFill>
+                <a:hlinkClick r:id="rId4"/>
+              </a:rPr>
+              <a:t>uc2020217675@student.uc.pt</a:t>
+            </a:r>
+            <a:r>
+              <a:rPr lang="pt-PT" dirty="0">
+                <a:solidFill>
+                  <a:schemeClr val="accent1">
+                    <a:lumMod val="40000"/>
+                    <a:lumOff val="60000"/>
+                  </a:schemeClr>
+                </a:solidFill>
+              </a:rPr>
+              <a:t> - </a:t>
+            </a:r>
+            <a:r>
+              <a:rPr lang="pt-PT" dirty="0" err="1">
+                <a:solidFill>
+                  <a:schemeClr val="accent1">
+                    <a:lumMod val="40000"/>
+                    <a:lumOff val="60000"/>
+                  </a:schemeClr>
+                </a:solidFill>
+              </a:rPr>
+              <a:t>eDUARDO</a:t>
+            </a:r>
+            <a:endParaRPr lang="pt-PT" dirty="0">
+              <a:solidFill>
+                <a:schemeClr val="accent1">
+                  <a:lumMod val="40000"/>
+                  <a:lumOff val="60000"/>
+                </a:schemeClr>
+              </a:solidFill>
+            </a:endParaRPr>
+          </a:p>
+          <a:p>
+            <a:pPr rtl="0"/>
+            <a:r>
+              <a:rPr lang="pt-PT" dirty="0">
+                <a:solidFill>
+                  <a:schemeClr val="accent1">
+                    <a:lumMod val="40000"/>
+                    <a:lumOff val="60000"/>
+                  </a:schemeClr>
+                </a:solidFill>
+                <a:hlinkClick r:id="rId5"/>
+              </a:rPr>
+              <a:t>uc202021@student.uc.pt</a:t>
+            </a:r>
+            <a:r>
+              <a:rPr lang="pt-PT" dirty="0">
+                <a:solidFill>
+                  <a:schemeClr val="accent1">
+                    <a:lumMod val="40000"/>
+                    <a:lumOff val="60000"/>
+                  </a:schemeClr>
+                </a:solidFill>
+              </a:rPr>
+              <a:t> - </a:t>
+            </a:r>
+            <a:r>
+              <a:rPr lang="pt-PT" dirty="0" err="1">
+                <a:solidFill>
+                  <a:schemeClr val="accent1">
+                    <a:lumMod val="40000"/>
+                    <a:lumOff val="60000"/>
+                  </a:schemeClr>
+                </a:solidFill>
+              </a:rPr>
+              <a:t>rOSENDO</a:t>
+            </a:r>
+            <a:endParaRPr lang="pt-PT" dirty="0">
+              <a:solidFill>
+                <a:schemeClr val="accent1">
+                  <a:lumMod val="40000"/>
+                  <a:lumOff val="60000"/>
+                </a:schemeClr>
+              </a:solidFill>
+            </a:endParaRPr>
+          </a:p>
+        </p:txBody>
+      </p:sp>
+    </p:spTree>
+    <p:extLst>
+      <p:ext uri="{BB962C8B-B14F-4D97-AF65-F5344CB8AC3E}">
+        <p14:creationId xmlns:p14="http://schemas.microsoft.com/office/powerpoint/2010/main" val="2939930866"/>
       </p:ext>
     </p:extLst>
   </p:cSld>
@@ -20830,20 +21016,20 @@
 </file>
 
 <file path=customXml/item1.xml><?xml version="1.0" encoding="utf-8"?>
-<p:properties xmlns:p="http://schemas.microsoft.com/office/2006/metadata/properties" xmlns:xsi="http://www.w3.org/2001/XMLSchema-instance" xmlns:pc="http://schemas.microsoft.com/office/infopath/2007/PartnerControls">
-  <documentManagement>
-    <MediaServiceKeyPoints xmlns="eadd18a0-b79f-4092-be33-0b324616ec8b" xsi:nil="true"/>
-  </documentManagement>
-</p:properties>
-</file>
-
-<file path=customXml/item2.xml><?xml version="1.0" encoding="utf-8"?>
 <?mso-contentType ?>
 <FormTemplates xmlns="http://schemas.microsoft.com/sharepoint/v3/contenttype/forms">
   <Display>DocumentLibraryForm</Display>
   <Edit>DocumentLibraryForm</Edit>
   <New>DocumentLibraryForm</New>
 </FormTemplates>
+</file>
+
+<file path=customXml/item2.xml><?xml version="1.0" encoding="utf-8"?>
+<p:properties xmlns:p="http://schemas.microsoft.com/office/2006/metadata/properties" xmlns:xsi="http://www.w3.org/2001/XMLSchema-instance" xmlns:pc="http://schemas.microsoft.com/office/infopath/2007/PartnerControls">
+  <documentManagement>
+    <MediaServiceKeyPoints xmlns="eadd18a0-b79f-4092-be33-0b324616ec8b" xsi:nil="true"/>
+  </documentManagement>
+</p:properties>
 </file>
 
 <file path=customXml/item3.xml><?xml version="1.0" encoding="utf-8"?>
@@ -21037,6 +21223,14 @@
 </file>
 
 <file path=customXml/itemProps1.xml><?xml version="1.0" encoding="utf-8"?>
+<ds:datastoreItem xmlns:ds="http://schemas.openxmlformats.org/officeDocument/2006/customXml" ds:itemID="{A0D51BCB-0419-432E-B7F1-25548446A625}">
+  <ds:schemaRefs>
+    <ds:schemaRef ds:uri="http://schemas.microsoft.com/sharepoint/v3/contenttype/forms"/>
+  </ds:schemaRefs>
+</ds:datastoreItem>
+</file>
+
+<file path=customXml/itemProps2.xml><?xml version="1.0" encoding="utf-8"?>
 <ds:datastoreItem xmlns:ds="http://schemas.openxmlformats.org/officeDocument/2006/customXml" ds:itemID="{1F08B90B-70ED-4539-9C14-FB2728D9064F}">
   <ds:schemaRefs>
     <ds:schemaRef ds:uri="http://purl.org/dc/terms/"/>
@@ -21048,14 +21242,6 @@
     <ds:schemaRef ds:uri="http://purl.org/dc/elements/1.1/"/>
     <ds:schemaRef ds:uri="http://schemas.microsoft.com/office/2006/metadata/properties"/>
     <ds:schemaRef ds:uri="http://www.w3.org/XML/1998/namespace"/>
-  </ds:schemaRefs>
-</ds:datastoreItem>
-</file>
-
-<file path=customXml/itemProps2.xml><?xml version="1.0" encoding="utf-8"?>
-<ds:datastoreItem xmlns:ds="http://schemas.openxmlformats.org/officeDocument/2006/customXml" ds:itemID="{A0D51BCB-0419-432E-B7F1-25548446A625}">
-  <ds:schemaRefs>
-    <ds:schemaRef ds:uri="http://schemas.microsoft.com/sharepoint/v3/contenttype/forms"/>
   </ds:schemaRefs>
 </ds:datastoreItem>
 </file>

--- a/Trabalho prático.pptx
+++ b/Trabalho prático.pptx
@@ -5,10 +5,10 @@
     <p:sldMasterId id="2147483744" r:id="rId4"/>
   </p:sldMasterIdLst>
   <p:notesMasterIdLst>
-    <p:notesMasterId r:id="rId13"/>
+    <p:notesMasterId r:id="rId18"/>
   </p:notesMasterIdLst>
   <p:handoutMasterIdLst>
-    <p:handoutMasterId r:id="rId14"/>
+    <p:handoutMasterId r:id="rId19"/>
   </p:handoutMasterIdLst>
   <p:sldIdLst>
     <p:sldId id="256" r:id="rId5"/>
@@ -16,9 +16,14 @@
     <p:sldId id="276" r:id="rId7"/>
     <p:sldId id="279" r:id="rId8"/>
     <p:sldId id="280" r:id="rId9"/>
-    <p:sldId id="258" r:id="rId10"/>
-    <p:sldId id="278" r:id="rId11"/>
-    <p:sldId id="274" r:id="rId12"/>
+    <p:sldId id="282" r:id="rId10"/>
+    <p:sldId id="286" r:id="rId11"/>
+    <p:sldId id="285" r:id="rId12"/>
+    <p:sldId id="287" r:id="rId13"/>
+    <p:sldId id="288" r:id="rId14"/>
+    <p:sldId id="258" r:id="rId15"/>
+    <p:sldId id="278" r:id="rId16"/>
+    <p:sldId id="274" r:id="rId17"/>
   </p:sldIdLst>
   <p:sldSz cx="12192000" cy="6858000"/>
   <p:notesSz cx="6858000" cy="9144000"/>
@@ -137,6 +142,12 @@
     </p:ext>
   </p:extLst>
 </p:presentation>
+</file>
+
+<file path=ppt/authors.xml><?xml version="1.0" encoding="utf-8"?>
+<p188:authorLst xmlns:a="http://schemas.openxmlformats.org/drawingml/2006/main" xmlns:r="http://schemas.openxmlformats.org/officeDocument/2006/relationships" xmlns:p188="http://schemas.microsoft.com/office/powerpoint/2018/8/main">
+  <p188:author id="{DA14D077-874D-D2EA-ED4C-ADF72C2AF4F7}" name="Francisco Rosendo" initials="FR" userId="42d978c97fa3666e" providerId="Windows Live"/>
+</p188:authorLst>
 </file>
 
 <file path=ppt/diagrams/colors1.xml><?xml version="1.0" encoding="utf-8"?>
@@ -933,7 +944,7 @@
         <a:lstStyle/>
         <a:p>
           <a:pPr rtl="0"/>
-          <a:endParaRPr lang="pt-PT" noProof="0" dirty="0"/>
+          <a:endParaRPr lang="pt-PT" noProof="0"/>
         </a:p>
       </dgm:t>
     </dgm:pt>
@@ -949,7 +960,7 @@
               <a:spcPct val="100000"/>
             </a:lnSpc>
           </a:pPr>
-          <a:endParaRPr lang="pt-PT" noProof="0" dirty="0"/>
+          <a:endParaRPr lang="pt-PT" noProof="0"/>
         </a:p>
       </dgm:t>
     </dgm:pt>
@@ -966,12 +977,12 @@
             </a:lnSpc>
           </a:pPr>
           <a:r>
-            <a:rPr lang="pt-PT" b="0" i="0" dirty="0">
+            <a:rPr lang="pt-PT" b="0" i="0">
               <a:hlinkClick xmlns:r="http://schemas.openxmlformats.org/officeDocument/2006/relationships" r:id="rId2"/>
             </a:rPr>
             <a:t>NODE.js</a:t>
           </a:r>
-          <a:endParaRPr lang="pt-PT" b="1" noProof="0" dirty="0"/>
+          <a:endParaRPr lang="pt-PT" b="1" noProof="0"/>
         </a:p>
       </dgm:t>
     </dgm:pt>
@@ -983,7 +994,7 @@
         <a:lstStyle/>
         <a:p>
           <a:pPr rtl="0"/>
-          <a:endParaRPr lang="pt-PT" noProof="0" dirty="0"/>
+          <a:endParaRPr lang="pt-PT" noProof="0"/>
         </a:p>
       </dgm:t>
     </dgm:pt>
@@ -999,7 +1010,7 @@
               <a:spcPct val="100000"/>
             </a:lnSpc>
           </a:pPr>
-          <a:endParaRPr lang="pt-PT" noProof="0" dirty="0"/>
+          <a:endParaRPr lang="pt-PT" noProof="0"/>
         </a:p>
       </dgm:t>
     </dgm:pt>
@@ -1015,7 +1026,7 @@
               <a:spcPct val="100000"/>
             </a:lnSpc>
           </a:pPr>
-          <a:endParaRPr lang="pt-PT" noProof="0" dirty="0"/>
+          <a:endParaRPr lang="pt-PT" noProof="0"/>
         </a:p>
       </dgm:t>
     </dgm:pt>
@@ -1027,7 +1038,7 @@
         <a:lstStyle/>
         <a:p>
           <a:pPr rtl="0"/>
-          <a:endParaRPr lang="pt-PT" noProof="0" dirty="0"/>
+          <a:endParaRPr lang="pt-PT" noProof="0"/>
         </a:p>
       </dgm:t>
     </dgm:pt>
@@ -1043,7 +1054,7 @@
               <a:spcPct val="100000"/>
             </a:lnSpc>
           </a:pPr>
-          <a:endParaRPr lang="pt-PT" noProof="0" dirty="0"/>
+          <a:endParaRPr lang="pt-PT" noProof="0"/>
         </a:p>
       </dgm:t>
     </dgm:pt>
@@ -1060,12 +1071,12 @@
             </a:lnSpc>
           </a:pPr>
           <a:r>
-            <a:rPr lang="pt-PT" b="0" i="0" dirty="0">
+            <a:rPr lang="pt-PT" b="0" i="0">
               <a:hlinkClick xmlns:r="http://schemas.openxmlformats.org/officeDocument/2006/relationships" r:id="rId3"/>
             </a:rPr>
             <a:t>REACT</a:t>
           </a:r>
-          <a:endParaRPr lang="pt-PT" noProof="0" dirty="0"/>
+          <a:endParaRPr lang="pt-PT" noProof="0"/>
         </a:p>
       </dgm:t>
     </dgm:pt>
@@ -1077,7 +1088,7 @@
         <a:lstStyle/>
         <a:p>
           <a:pPr rtl="0"/>
-          <a:endParaRPr lang="pt-PT" noProof="0" dirty="0"/>
+          <a:endParaRPr lang="pt-PT" noProof="0"/>
         </a:p>
       </dgm:t>
     </dgm:pt>
@@ -1089,7 +1100,7 @@
         <a:lstStyle/>
         <a:p>
           <a:pPr rtl="0"/>
-          <a:endParaRPr lang="pt-PT" noProof="0" dirty="0"/>
+          <a:endParaRPr lang="pt-PT" noProof="0"/>
         </a:p>
       </dgm:t>
     </dgm:pt>
@@ -1633,12 +1644,12 @@
             <a:buNone/>
           </a:pPr>
           <a:r>
-            <a:rPr lang="pt-PT" sz="2400" b="0" i="0" kern="1200" dirty="0">
+            <a:rPr lang="pt-PT" sz="2400" b="0" i="0" kern="1200">
               <a:hlinkClick xmlns:r="http://schemas.openxmlformats.org/officeDocument/2006/relationships" r:id="rId4"/>
             </a:rPr>
             <a:t>NODE.js</a:t>
           </a:r>
-          <a:endParaRPr lang="pt-PT" sz="2400" b="1" kern="1200" noProof="0" dirty="0"/>
+          <a:endParaRPr lang="pt-PT" sz="2400" b="1" kern="1200" noProof="0"/>
         </a:p>
       </dsp:txBody>
       <dsp:txXfrm>
@@ -1781,7 +1792,7 @@
             </a:spcAft>
             <a:buNone/>
           </a:pPr>
-          <a:endParaRPr lang="pt-PT" sz="2400" kern="1200" noProof="0" dirty="0"/>
+          <a:endParaRPr lang="pt-PT" sz="2400" kern="1200" noProof="0"/>
         </a:p>
       </dsp:txBody>
       <dsp:txXfrm>
@@ -1925,12 +1936,12 @@
             <a:buNone/>
           </a:pPr>
           <a:r>
-            <a:rPr lang="pt-PT" sz="2400" b="0" i="0" kern="1200" dirty="0">
+            <a:rPr lang="pt-PT" sz="2400" b="0" i="0" kern="1200">
               <a:hlinkClick xmlns:r="http://schemas.openxmlformats.org/officeDocument/2006/relationships" r:id="rId7"/>
             </a:rPr>
             <a:t>REACT</a:t>
           </a:r>
-          <a:endParaRPr lang="pt-PT" sz="2400" kern="1200" noProof="0" dirty="0"/>
+          <a:endParaRPr lang="pt-PT" sz="2400" kern="1200" noProof="0"/>
         </a:p>
       </dsp:txBody>
       <dsp:txXfrm>
@@ -3284,9 +3295,9 @@
             <a:pPr rtl="0"/>
             <a:fld id="{4F0CA431-7F0F-451E-87BF-573BA966B2C1}" type="datetime1">
               <a:rPr lang="pt-PT" smtClean="0"/>
-              <a:t>22/03/2022</a:t>
+              <a:t>23/03/2022</a:t>
             </a:fld>
-            <a:endParaRPr lang="pt-PT" dirty="0"/>
+            <a:endParaRPr lang="pt-PT"/>
           </a:p>
         </p:txBody>
       </p:sp>
@@ -3466,9 +3477,9 @@
             <a:fld id="{DD843740-0000-40E5-8C98-29C8101FFDB8}" type="datetime1">
               <a:rPr lang="pt-PT" smtClean="0"/>
               <a:pPr/>
-              <a:t>22/03/2022</a:t>
+              <a:t>23/03/2022</a:t>
             </a:fld>
-            <a:endParaRPr lang="pt-PT" dirty="0"/>
+            <a:endParaRPr lang="pt-PT"/>
           </a:p>
         </p:txBody>
       </p:sp>
@@ -3890,7 +3901,7 @@
             <a:pPr rtl="0"/>
             <a:fld id="{F3544625-0ADF-4414-89A2-9E135F0C849F}" type="slidenum">
               <a:rPr lang="pt-PT" smtClean="0"/>
-              <a:t>6</a:t>
+              <a:t>11</a:t>
             </a:fld>
             <a:endParaRPr lang="pt-PT"/>
           </a:p>
@@ -3976,7 +3987,7 @@
             <a:pPr rtl="0"/>
             <a:fld id="{F3544625-0ADF-4414-89A2-9E135F0C849F}" type="slidenum">
               <a:rPr lang="pt-PT" smtClean="0"/>
-              <a:t>8</a:t>
+              <a:t>13</a:t>
             </a:fld>
             <a:endParaRPr lang="pt-PT"/>
           </a:p>
@@ -4225,7 +4236,7 @@
             <a:pPr rtl="0"/>
             <a:fld id="{629A61C5-9472-4BE4-BF9D-AAD79B0164EF}" type="datetime1">
               <a:rPr lang="pt-PT" noProof="0" smtClean="0"/>
-              <a:t>22/03/2022</a:t>
+              <a:t>23/03/2022</a:t>
             </a:fld>
             <a:endParaRPr lang="pt-PT" noProof="0"/>
           </a:p>
@@ -4563,7 +4574,7 @@
             <a:pPr rtl="0"/>
             <a:fld id="{11ED9F09-46FA-44E8-B897-84EA63CBD209}" type="datetime1">
               <a:rPr lang="pt-PT" noProof="0" smtClean="0"/>
-              <a:t>22/03/2022</a:t>
+              <a:t>23/03/2022</a:t>
             </a:fld>
             <a:endParaRPr lang="pt-PT" noProof="0"/>
           </a:p>
@@ -4845,7 +4856,7 @@
             <a:pPr rtl="0"/>
             <a:fld id="{B30FD4AA-7DE7-4151-8F4D-91AF9EF87CA6}" type="datetime1">
               <a:rPr lang="pt-PT" noProof="0" smtClean="0"/>
-              <a:t>22/03/2022</a:t>
+              <a:t>23/03/2022</a:t>
             </a:fld>
             <a:endParaRPr lang="pt-PT" noProof="0"/>
           </a:p>
@@ -5417,7 +5428,7 @@
             <a:pPr rtl="0"/>
             <a:fld id="{73C912A5-E42D-4FA6-8374-37272029EF41}" type="datetime1">
               <a:rPr lang="pt-PT" noProof="0" smtClean="0"/>
-              <a:t>22/03/2022</a:t>
+              <a:t>23/03/2022</a:t>
             </a:fld>
             <a:endParaRPr lang="pt-PT" noProof="0"/>
           </a:p>
@@ -5699,7 +5710,7 @@
             <a:pPr rtl="0"/>
             <a:fld id="{E0EF203A-6E22-485D-AA90-7BDFC2DD93F6}" type="datetime1">
               <a:rPr lang="pt-PT" noProof="0" smtClean="0"/>
-              <a:t>22/03/2022</a:t>
+              <a:t>23/03/2022</a:t>
             </a:fld>
             <a:endParaRPr lang="pt-PT" noProof="0"/>
           </a:p>
@@ -6265,7 +6276,7 @@
             <a:pPr rtl="0"/>
             <a:fld id="{318D837C-E9F2-4574-8202-B239DC4D3ADB}" type="datetime1">
               <a:rPr lang="pt-PT" noProof="0" smtClean="0"/>
-              <a:t>22/03/2022</a:t>
+              <a:t>23/03/2022</a:t>
             </a:fld>
             <a:endParaRPr lang="pt-PT" noProof="0"/>
           </a:p>
@@ -6595,7 +6606,7 @@
             <a:pPr rtl="0"/>
             <a:fld id="{88B3D4A5-BBB7-4963-A327-84B3D0C26BA9}" type="datetime1">
               <a:rPr lang="pt-PT" noProof="0" smtClean="0"/>
-              <a:t>22/03/2022</a:t>
+              <a:t>23/03/2022</a:t>
             </a:fld>
             <a:endParaRPr lang="pt-PT" noProof="0"/>
           </a:p>
@@ -6803,7 +6814,7 @@
             <a:pPr rtl="0"/>
             <a:fld id="{ED4FF7F9-1D88-4D9C-8A1B-0C70CFA11635}" type="datetime1">
               <a:rPr lang="pt-PT" noProof="0" smtClean="0"/>
-              <a:t>22/03/2022</a:t>
+              <a:t>23/03/2022</a:t>
             </a:fld>
             <a:endParaRPr lang="pt-PT" noProof="0"/>
           </a:p>
@@ -7015,7 +7026,7 @@
             <a:pPr rtl="0"/>
             <a:fld id="{C1824A14-7316-4607-93C8-7624B6795711}" type="datetime1">
               <a:rPr lang="pt-PT" noProof="0" smtClean="0"/>
-              <a:t>22/03/2022</a:t>
+              <a:t>23/03/2022</a:t>
             </a:fld>
             <a:endParaRPr lang="pt-PT" noProof="0"/>
           </a:p>
@@ -7217,7 +7228,7 @@
             <a:pPr rtl="0"/>
             <a:fld id="{36142FC6-D8E8-4706-AF05-EF6079BBA0F4}" type="datetime1">
               <a:rPr lang="pt-PT" noProof="0" smtClean="0"/>
-              <a:t>22/03/2022</a:t>
+              <a:t>23/03/2022</a:t>
             </a:fld>
             <a:endParaRPr lang="pt-PT" noProof="0"/>
           </a:p>
@@ -7496,7 +7507,7 @@
             <a:pPr rtl="0"/>
             <a:fld id="{CC8DEDDD-06E2-46A0-B2C3-B5671A13AA3E}" type="datetime1">
               <a:rPr lang="pt-PT" noProof="0" smtClean="0"/>
-              <a:t>22/03/2022</a:t>
+              <a:t>23/03/2022</a:t>
             </a:fld>
             <a:endParaRPr lang="pt-PT" noProof="0"/>
           </a:p>
@@ -7764,7 +7775,7 @@
             <a:pPr rtl="0"/>
             <a:fld id="{FB0DCCDA-DBFB-4682-9796-AA2FEB075073}" type="datetime1">
               <a:rPr lang="pt-PT" noProof="0" smtClean="0"/>
-              <a:t>22/03/2022</a:t>
+              <a:t>23/03/2022</a:t>
             </a:fld>
             <a:endParaRPr lang="pt-PT" noProof="0"/>
           </a:p>
@@ -8139,7 +8150,7 @@
             <a:pPr rtl="0"/>
             <a:fld id="{C14C8A9B-DB4A-423D-8951-131D49731D01}" type="datetime1">
               <a:rPr lang="pt-PT" noProof="0" smtClean="0"/>
-              <a:t>22/03/2022</a:t>
+              <a:t>23/03/2022</a:t>
             </a:fld>
             <a:endParaRPr lang="pt-PT" noProof="0"/>
           </a:p>
@@ -8290,7 +8301,7 @@
             <a:pPr rtl="0"/>
             <a:fld id="{87389B67-3430-4A0A-A0B8-5B15F1047E1F}" type="datetime1">
               <a:rPr lang="pt-PT" noProof="0" smtClean="0"/>
-              <a:t>22/03/2022</a:t>
+              <a:t>23/03/2022</a:t>
             </a:fld>
             <a:endParaRPr lang="pt-PT" noProof="0"/>
           </a:p>
@@ -8418,7 +8429,7 @@
             <a:pPr rtl="0"/>
             <a:fld id="{E5C803D9-758B-4736-8B16-02F78FEDE812}" type="datetime1">
               <a:rPr lang="pt-PT" noProof="0" smtClean="0"/>
-              <a:t>22/03/2022</a:t>
+              <a:t>23/03/2022</a:t>
             </a:fld>
             <a:endParaRPr lang="pt-PT" noProof="0"/>
           </a:p>
@@ -8705,7 +8716,7 @@
             <a:pPr rtl="0"/>
             <a:fld id="{B2C05C71-5A01-4F58-A5E6-03FF61EF34BC}" type="datetime1">
               <a:rPr lang="pt-PT" noProof="0" smtClean="0"/>
-              <a:t>22/03/2022</a:t>
+              <a:t>23/03/2022</a:t>
             </a:fld>
             <a:endParaRPr lang="pt-PT" noProof="0"/>
           </a:p>
@@ -9033,7 +9044,7 @@
             <a:pPr rtl="0"/>
             <a:fld id="{65CA4D21-4D48-4BAD-8558-79A5A4794CEA}" type="datetime1">
               <a:rPr lang="pt-PT" noProof="0" smtClean="0"/>
-              <a:t>22/03/2022</a:t>
+              <a:t>23/03/2022</a:t>
             </a:fld>
             <a:endParaRPr lang="pt-PT" noProof="0"/>
           </a:p>
@@ -9250,7 +9261,7 @@
             <a:pPr rtl="0"/>
             <a:fld id="{8D66683A-CCB2-465E-B82E-D9D6CB145A16}" type="datetime1">
               <a:rPr lang="pt-PT" noProof="0" smtClean="0"/>
-              <a:t>22/03/2022</a:t>
+              <a:t>23/03/2022</a:t>
             </a:fld>
             <a:endParaRPr lang="pt-PT" noProof="0"/>
           </a:p>
@@ -9838,14 +9849,14 @@
           <a:p>
             <a:pPr rtl="0"/>
             <a:r>
-              <a:rPr lang="pt-PT" b="1" dirty="0"/>
+              <a:rPr lang="pt-PT" b="1"/>
               <a:t>Trabalho prático</a:t>
             </a:r>
             <a:br>
-              <a:rPr lang="pt-PT" b="1" dirty="0"/>
+              <a:rPr lang="pt-PT" b="1"/>
             </a:br>
             <a:r>
-              <a:rPr lang="pt-PT" b="1" dirty="0"/>
+              <a:rPr lang="pt-PT" b="1"/>
               <a:t>Bases de dados</a:t>
             </a:r>
           </a:p>
@@ -9881,7 +9892,7 @@
           <a:p>
             <a:pPr rtl="0"/>
             <a:r>
-              <a:rPr lang="pt-PT" dirty="0">
+              <a:rPr lang="pt-PT">
                 <a:solidFill>
                   <a:schemeClr val="accent1">
                     <a:lumMod val="40000"/>
@@ -9889,10 +9900,13 @@
                   </a:schemeClr>
                 </a:solidFill>
               </a:rPr>
-              <a:t>Eduardo nunes-2020217675; francisco </a:t>
-            </a:r>
-            <a:r>
-              <a:rPr lang="pt-PT" dirty="0" err="1">
+              <a:t>Eduardo nunes - 2020217675</a:t>
+            </a:r>
+          </a:p>
+          <a:p>
+            <a:pPr rtl="0"/>
+            <a:r>
+              <a:rPr lang="pt-PT">
                 <a:solidFill>
                   <a:schemeClr val="accent1">
                     <a:lumMod val="40000"/>
@@ -9900,10 +9914,10 @@
                   </a:schemeClr>
                 </a:solidFill>
               </a:rPr>
-              <a:t>rosendo</a:t>
-            </a:r>
-            <a:r>
-              <a:rPr lang="pt-PT" dirty="0">
+              <a:t>francisco </a:t>
+            </a:r>
+            <a:r>
+              <a:rPr lang="pt-PT" err="1">
                 <a:solidFill>
                   <a:schemeClr val="accent1">
                     <a:lumMod val="40000"/>
@@ -9911,7 +9925,18 @@
                   </a:schemeClr>
                 </a:solidFill>
               </a:rPr>
-              <a:t> </a:t>
+              <a:t>rosendo</a:t>
+            </a:r>
+            <a:r>
+              <a:rPr lang="pt-PT">
+                <a:solidFill>
+                  <a:schemeClr val="accent1">
+                    <a:lumMod val="40000"/>
+                    <a:lumOff val="60000"/>
+                  </a:schemeClr>
+                </a:solidFill>
+              </a:rPr>
+              <a:t> – 2020217697</a:t>
             </a:r>
           </a:p>
         </p:txBody>
@@ -9929,7 +9954,7 @@
 </p:sld>
 </file>
 
-<file path=ppt/slides/slide2.xml><?xml version="1.0" encoding="utf-8"?>
+<file path=ppt/slides/slide10.xml><?xml version="1.0" encoding="utf-8"?>
 <p:sld xmlns:a="http://schemas.openxmlformats.org/drawingml/2006/main" xmlns:r="http://schemas.openxmlformats.org/officeDocument/2006/relationships" xmlns:p="http://schemas.openxmlformats.org/presentationml/2006/main">
   <p:cSld>
     <p:spTree>
@@ -9951,7 +9976,7 @@
           <p:cNvPr id="2" name="Título 1">
             <a:extLst>
               <a:ext uri="{FF2B5EF4-FFF2-40B4-BE49-F238E27FC236}">
-                <a16:creationId xmlns:a16="http://schemas.microsoft.com/office/drawing/2014/main" id="{170644DC-4E24-4E33-85C6-F30FA87C4347}"/>
+                <a16:creationId xmlns:a16="http://schemas.microsoft.com/office/drawing/2014/main" id="{88F3CDA5-E4FE-4006-AC6E-7DA2998890DF}"/>
               </a:ext>
             </a:extLst>
           </p:cNvPr>
@@ -9962,14 +9987,19 @@
             <p:ph type="title"/>
           </p:nvPr>
         </p:nvSpPr>
-        <p:spPr/>
+        <p:spPr>
+          <a:xfrm>
+            <a:off x="685802" y="137310"/>
+            <a:ext cx="10131425" cy="929489"/>
+          </a:xfrm>
+        </p:spPr>
         <p:txBody>
           <a:bodyPr/>
           <a:lstStyle/>
           <a:p>
             <a:r>
               <a:rPr lang="pt-PT" dirty="0"/>
-              <a:t>Esclarecimentos</a:t>
+              <a:t>MODELO FISICO</a:t>
             </a:r>
           </a:p>
         </p:txBody>
@@ -9979,7 +10009,7 @@
           <p:cNvPr id="3" name="Marcador de Posição de Conteúdo 2">
             <a:extLst>
               <a:ext uri="{FF2B5EF4-FFF2-40B4-BE49-F238E27FC236}">
-                <a16:creationId xmlns:a16="http://schemas.microsoft.com/office/drawing/2014/main" id="{EDE40AAB-BF7B-41C9-AAC9-BF251E47EAF5}"/>
+                <a16:creationId xmlns:a16="http://schemas.microsoft.com/office/drawing/2014/main" id="{23526DDF-BBC7-4519-9D33-9F192D08CCE1}"/>
               </a:ext>
             </a:extLst>
           </p:cNvPr>
@@ -9987,7 +10017,7 @@
             <a:spLocks noGrp="1"/>
           </p:cNvSpPr>
           <p:nvPr>
-            <p:ph idx="1"/>
+            <p:ph sz="half" idx="1"/>
           </p:nvPr>
         </p:nvSpPr>
         <p:spPr/>
@@ -9995,98 +10025,41 @@
           <a:bodyPr/>
           <a:lstStyle/>
           <a:p>
-            <a:r>
-              <a:rPr lang="pt-PT" dirty="0"/>
-              <a:t>Este projeto tem como propósito principal simular o uso prático de uma base de dados numa API que interage com uma aplicação.</a:t>
-            </a:r>
+            <a:endParaRPr lang="pt-PT"/>
           </a:p>
+        </p:txBody>
+      </p:sp>
+      <p:sp>
+        <p:nvSpPr>
+          <p:cNvPr id="4" name="Marcador de Posição de Conteúdo 3">
+            <a:extLst>
+              <a:ext uri="{FF2B5EF4-FFF2-40B4-BE49-F238E27FC236}">
+                <a16:creationId xmlns:a16="http://schemas.microsoft.com/office/drawing/2014/main" id="{EB568A25-8E11-4117-A212-83CAD4DC0020}"/>
+              </a:ext>
+            </a:extLst>
+          </p:cNvPr>
+          <p:cNvSpPr>
+            <a:spLocks noGrp="1"/>
+          </p:cNvSpPr>
+          <p:nvPr>
+            <p:ph sz="half" idx="2"/>
+          </p:nvPr>
+        </p:nvSpPr>
+        <p:spPr/>
+        <p:txBody>
+          <a:bodyPr/>
+          <a:lstStyle/>
           <a:p>
-            <a:r>
-              <a:rPr lang="pt-PT" dirty="0"/>
-              <a:t>Os objetivos chave deste trabalho são:</a:t>
-            </a:r>
-          </a:p>
-          <a:p>
-            <a:pPr lvl="1"/>
-            <a:r>
-              <a:rPr lang="pt-PT" dirty="0"/>
-              <a:t>Verificar quais os melhores métodos de planeamento de estruturação de dados numa base de dados e a sua importância para o funcionamento de uma aplicação.</a:t>
-            </a:r>
-          </a:p>
-          <a:p>
-            <a:pPr lvl="1"/>
-            <a:r>
-              <a:rPr lang="pt-PT" dirty="0"/>
-              <a:t>Por em prática, numa API, a interação entre uma base de dados e um utilizador dela </a:t>
-            </a:r>
-            <a:r>
-              <a:rPr lang="pt-PT" i="1" dirty="0"/>
-              <a:t>(</a:t>
-            </a:r>
-            <a:r>
-              <a:rPr lang="pt-PT" i="1" dirty="0" err="1"/>
-              <a:t>client</a:t>
-            </a:r>
-            <a:r>
-              <a:rPr lang="pt-PT" i="1" dirty="0"/>
-              <a:t> </a:t>
-            </a:r>
-            <a:r>
-              <a:rPr lang="pt-PT" i="1" dirty="0" err="1"/>
-              <a:t>side</a:t>
-            </a:r>
-            <a:r>
-              <a:rPr lang="pt-PT" i="1" dirty="0"/>
-              <a:t> </a:t>
-            </a:r>
-            <a:r>
-              <a:rPr lang="pt-PT" i="1" dirty="0" err="1"/>
-              <a:t>vs</a:t>
-            </a:r>
-            <a:r>
-              <a:rPr lang="pt-PT" i="1" dirty="0"/>
-              <a:t> server </a:t>
-            </a:r>
-            <a:r>
-              <a:rPr lang="pt-PT" i="1" dirty="0" err="1"/>
-              <a:t>side</a:t>
-            </a:r>
-            <a:r>
-              <a:rPr lang="pt-PT" i="1" dirty="0"/>
-              <a:t> </a:t>
-            </a:r>
-            <a:r>
-              <a:rPr lang="pt-PT" i="1" dirty="0" err="1"/>
-              <a:t>programming</a:t>
-            </a:r>
-            <a:r>
-              <a:rPr lang="pt-PT" i="1" dirty="0"/>
-              <a:t>)</a:t>
-            </a:r>
-            <a:r>
-              <a:rPr lang="pt-PT" dirty="0"/>
-              <a:t>.</a:t>
-            </a:r>
-          </a:p>
-          <a:p>
-            <a:pPr lvl="1"/>
-            <a:r>
-              <a:rPr lang="pt-PT" dirty="0"/>
-              <a:t>Entender como um projeto que tem uma base de dados por trás é organizado, planeado e executado.</a:t>
-            </a:r>
-          </a:p>
-          <a:p>
-            <a:pPr lvl="1"/>
-            <a:endParaRPr lang="pt-PT" dirty="0"/>
+            <a:endParaRPr lang="pt-PT"/>
           </a:p>
         </p:txBody>
       </p:sp>
       <p:pic>
         <p:nvPicPr>
-          <p:cNvPr id="7" name="Imagem 6">
+          <p:cNvPr id="6" name="Imagem 5">
             <a:extLst>
               <a:ext uri="{FF2B5EF4-FFF2-40B4-BE49-F238E27FC236}">
-                <a16:creationId xmlns:a16="http://schemas.microsoft.com/office/drawing/2014/main" id="{B1F957B0-BAD3-451A-8905-8FA7ADE30A7E}"/>
+                <a16:creationId xmlns:a16="http://schemas.microsoft.com/office/drawing/2014/main" id="{5BB9DC8E-8A6F-4C19-8489-40048B790B1A}"/>
               </a:ext>
             </a:extLst>
           </p:cNvPr>
@@ -10103,8 +10076,8 @@
         </p:blipFill>
         <p:spPr>
           <a:xfrm>
-            <a:off x="9741415" y="495241"/>
-            <a:ext cx="1610955" cy="1646826"/>
+            <a:off x="588367" y="1066799"/>
+            <a:ext cx="10874867" cy="5449531"/>
           </a:xfrm>
           <a:prstGeom prst="rect">
             <a:avLst/>
@@ -10114,7 +10087,7 @@
     </p:spTree>
     <p:extLst>
       <p:ext uri="{BB962C8B-B14F-4D97-AF65-F5344CB8AC3E}">
-        <p14:creationId xmlns:p14="http://schemas.microsoft.com/office/powerpoint/2010/main" val="591194963"/>
+        <p14:creationId xmlns:p14="http://schemas.microsoft.com/office/powerpoint/2010/main" val="3219795754"/>
       </p:ext>
     </p:extLst>
   </p:cSld>
@@ -10124,482 +10097,7 @@
 </p:sld>
 </file>
 
-<file path=ppt/slides/slide3.xml><?xml version="1.0" encoding="utf-8"?>
-<p:sld xmlns:a="http://schemas.openxmlformats.org/drawingml/2006/main" xmlns:r="http://schemas.openxmlformats.org/officeDocument/2006/relationships" xmlns:p="http://schemas.openxmlformats.org/presentationml/2006/main">
-  <p:cSld>
-    <p:spTree>
-      <p:nvGrpSpPr>
-        <p:cNvPr id="1" name=""/>
-        <p:cNvGrpSpPr/>
-        <p:nvPr/>
-      </p:nvGrpSpPr>
-      <p:grpSpPr>
-        <a:xfrm>
-          <a:off x="0" y="0"/>
-          <a:ext cx="0" cy="0"/>
-          <a:chOff x="0" y="0"/>
-          <a:chExt cx="0" cy="0"/>
-        </a:xfrm>
-      </p:grpSpPr>
-      <p:sp>
-        <p:nvSpPr>
-          <p:cNvPr id="2" name="Título 1">
-            <a:extLst>
-              <a:ext uri="{FF2B5EF4-FFF2-40B4-BE49-F238E27FC236}">
-                <a16:creationId xmlns:a16="http://schemas.microsoft.com/office/drawing/2014/main" id="{6376D86B-DECF-478F-AEA6-8C8B121364D5}"/>
-              </a:ext>
-            </a:extLst>
-          </p:cNvPr>
-          <p:cNvSpPr>
-            <a:spLocks noGrp="1"/>
-          </p:cNvSpPr>
-          <p:nvPr>
-            <p:ph type="title"/>
-          </p:nvPr>
-        </p:nvSpPr>
-        <p:spPr/>
-        <p:txBody>
-          <a:bodyPr/>
-          <a:lstStyle/>
-          <a:p>
-            <a:r>
-              <a:rPr lang="pt-PT" dirty="0"/>
-              <a:t>Descrição do PROJETO</a:t>
-            </a:r>
-          </a:p>
-        </p:txBody>
-      </p:sp>
-      <p:sp>
-        <p:nvSpPr>
-          <p:cNvPr id="3" name="Marcador de Posição de Conteúdo 2">
-            <a:extLst>
-              <a:ext uri="{FF2B5EF4-FFF2-40B4-BE49-F238E27FC236}">
-                <a16:creationId xmlns:a16="http://schemas.microsoft.com/office/drawing/2014/main" id="{FB26C9FD-4CDC-4BFB-94A2-7D0642F60319}"/>
-              </a:ext>
-            </a:extLst>
-          </p:cNvPr>
-          <p:cNvSpPr>
-            <a:spLocks noGrp="1"/>
-          </p:cNvSpPr>
-          <p:nvPr>
-            <p:ph idx="1"/>
-          </p:nvPr>
-        </p:nvSpPr>
-        <p:spPr/>
-        <p:txBody>
-          <a:bodyPr/>
-          <a:lstStyle/>
-          <a:p>
-            <a:pPr marL="0" indent="0">
-              <a:buNone/>
-            </a:pPr>
-            <a:r>
-              <a:rPr lang="pt-PT" dirty="0"/>
-              <a:t>Este projeto tem por base fazer o “</a:t>
-            </a:r>
-            <a:r>
-              <a:rPr lang="pt-PT" i="1" dirty="0" err="1"/>
-              <a:t>client</a:t>
-            </a:r>
-            <a:r>
-              <a:rPr lang="pt-PT" i="1" dirty="0"/>
-              <a:t> </a:t>
-            </a:r>
-            <a:r>
-              <a:rPr lang="pt-PT" i="1" dirty="0" err="1"/>
-              <a:t>side</a:t>
-            </a:r>
-            <a:r>
-              <a:rPr lang="pt-PT" i="1" dirty="0"/>
-              <a:t>”</a:t>
-            </a:r>
-            <a:r>
-              <a:rPr lang="pt-PT" dirty="0"/>
-              <a:t> de uma </a:t>
-            </a:r>
-            <a:r>
-              <a:rPr lang="pt-PT" i="1" dirty="0"/>
-              <a:t>web-</a:t>
-            </a:r>
-            <a:r>
-              <a:rPr lang="pt-PT" i="1" dirty="0" err="1"/>
-              <a:t>aplication</a:t>
-            </a:r>
-            <a:r>
-              <a:rPr lang="pt-PT" i="1" dirty="0"/>
-              <a:t>. </a:t>
-            </a:r>
-            <a:r>
-              <a:rPr lang="pt-PT" dirty="0"/>
-              <a:t>Foi nos colocado o desafio de desenvolver um sistema de compra e venda de produtos eletrónicos online tendo por base uma </a:t>
-            </a:r>
-            <a:r>
-              <a:rPr lang="pt-PT" i="1" dirty="0" err="1"/>
-              <a:t>database</a:t>
-            </a:r>
-            <a:r>
-              <a:rPr lang="pt-PT" i="1" dirty="0"/>
-              <a:t> </a:t>
-            </a:r>
-            <a:r>
-              <a:rPr lang="pt-PT" dirty="0"/>
-              <a:t>eficaz adequada às necessidades dos utilizadores da mesma.</a:t>
-            </a:r>
-          </a:p>
-          <a:p>
-            <a:pPr marL="0" indent="0">
-              <a:buNone/>
-            </a:pPr>
-            <a:r>
-              <a:rPr lang="pt-PT" dirty="0"/>
-              <a:t>A aplicação permite aos utilizadores comprar e vender determinados produtos que, por sua vez, podem deter de secções de perguntas e respostas feitas por outros </a:t>
-            </a:r>
-            <a:r>
-              <a:rPr lang="pt-PT" i="1" dirty="0" err="1"/>
-              <a:t>users</a:t>
-            </a:r>
-            <a:r>
-              <a:rPr lang="pt-PT" i="1" dirty="0"/>
-              <a:t>.</a:t>
-            </a:r>
-          </a:p>
-          <a:p>
-            <a:pPr marL="0" indent="0">
-              <a:buNone/>
-            </a:pPr>
-            <a:r>
-              <a:rPr lang="pt-PT" dirty="0"/>
-              <a:t>Alem disto, é importante referir que a aplicação é moderada por administradores que têm acesso a mais funcionalidades tais como remover perguntas, ver histórico de produtos, atualizar o seu stock…</a:t>
-            </a:r>
-          </a:p>
-        </p:txBody>
-      </p:sp>
-    </p:spTree>
-    <p:extLst>
-      <p:ext uri="{BB962C8B-B14F-4D97-AF65-F5344CB8AC3E}">
-        <p14:creationId xmlns:p14="http://schemas.microsoft.com/office/powerpoint/2010/main" val="1809784347"/>
-      </p:ext>
-    </p:extLst>
-  </p:cSld>
-  <p:clrMapOvr>
-    <a:masterClrMapping/>
-  </p:clrMapOvr>
-</p:sld>
-</file>
-
-<file path=ppt/slides/slide4.xml><?xml version="1.0" encoding="utf-8"?>
-<p:sld xmlns:a="http://schemas.openxmlformats.org/drawingml/2006/main" xmlns:r="http://schemas.openxmlformats.org/officeDocument/2006/relationships" xmlns:p="http://schemas.openxmlformats.org/presentationml/2006/main">
-  <p:cSld>
-    <p:spTree>
-      <p:nvGrpSpPr>
-        <p:cNvPr id="1" name=""/>
-        <p:cNvGrpSpPr/>
-        <p:nvPr/>
-      </p:nvGrpSpPr>
-      <p:grpSpPr>
-        <a:xfrm>
-          <a:off x="0" y="0"/>
-          <a:ext cx="0" cy="0"/>
-          <a:chOff x="0" y="0"/>
-          <a:chExt cx="0" cy="0"/>
-        </a:xfrm>
-      </p:grpSpPr>
-      <p:sp>
-        <p:nvSpPr>
-          <p:cNvPr id="2" name="Título 1">
-            <a:extLst>
-              <a:ext uri="{FF2B5EF4-FFF2-40B4-BE49-F238E27FC236}">
-                <a16:creationId xmlns:a16="http://schemas.microsoft.com/office/drawing/2014/main" id="{2BE725E7-AA96-4A4B-9BD7-0A36191363CE}"/>
-              </a:ext>
-            </a:extLst>
-          </p:cNvPr>
-          <p:cNvSpPr>
-            <a:spLocks noGrp="1"/>
-          </p:cNvSpPr>
-          <p:nvPr>
-            <p:ph type="title"/>
-          </p:nvPr>
-        </p:nvSpPr>
-        <p:spPr>
-          <a:xfrm>
-            <a:off x="685801" y="609600"/>
-            <a:ext cx="10131425" cy="1456267"/>
-          </a:xfrm>
-        </p:spPr>
-        <p:txBody>
-          <a:bodyPr anchor="ctr">
-            <a:normAutofit/>
-          </a:bodyPr>
-          <a:lstStyle/>
-          <a:p>
-            <a:r>
-              <a:rPr lang="pt-PT" dirty="0"/>
-              <a:t>Base de dados usada</a:t>
-            </a:r>
-          </a:p>
-        </p:txBody>
-      </p:sp>
-      <p:pic>
-        <p:nvPicPr>
-          <p:cNvPr id="8" name="Imagem 7">
-            <a:extLst>
-              <a:ext uri="{FF2B5EF4-FFF2-40B4-BE49-F238E27FC236}">
-                <a16:creationId xmlns:a16="http://schemas.microsoft.com/office/drawing/2014/main" id="{7AA42E9E-0BBE-45BE-84BE-FCDA0C1DC451}"/>
-              </a:ext>
-            </a:extLst>
-          </p:cNvPr>
-          <p:cNvPicPr>
-            <a:picLocks noChangeAspect="1"/>
-          </p:cNvPicPr>
-          <p:nvPr/>
-        </p:nvPicPr>
-        <p:blipFill>
-          <a:blip r:embed="rId2"/>
-          <a:stretch>
-            <a:fillRect/>
-          </a:stretch>
-        </p:blipFill>
-        <p:spPr>
-          <a:xfrm>
-            <a:off x="288887" y="2678546"/>
-            <a:ext cx="5392249" cy="2399550"/>
-          </a:xfrm>
-          <a:prstGeom prst="rect">
-            <a:avLst/>
-          </a:prstGeom>
-          <a:noFill/>
-        </p:spPr>
-      </p:pic>
-      <p:sp>
-        <p:nvSpPr>
-          <p:cNvPr id="3" name="Marcador de Posição de Conteúdo 2">
-            <a:extLst>
-              <a:ext uri="{FF2B5EF4-FFF2-40B4-BE49-F238E27FC236}">
-                <a16:creationId xmlns:a16="http://schemas.microsoft.com/office/drawing/2014/main" id="{41783013-3060-4E99-ACAF-A607DF1583A5}"/>
-              </a:ext>
-            </a:extLst>
-          </p:cNvPr>
-          <p:cNvSpPr>
-            <a:spLocks noGrp="1"/>
-          </p:cNvSpPr>
-          <p:nvPr>
-            <p:ph sz="half" idx="2"/>
-          </p:nvPr>
-        </p:nvSpPr>
-        <p:spPr>
-          <a:xfrm>
-            <a:off x="5821895" y="2142067"/>
-            <a:ext cx="4995332" cy="3649133"/>
-          </a:xfrm>
-        </p:spPr>
-        <p:txBody>
-          <a:bodyPr anchor="ctr">
-            <a:normAutofit/>
-          </a:bodyPr>
-          <a:lstStyle/>
-          <a:p>
-            <a:pPr marL="0" indent="0">
-              <a:buNone/>
-            </a:pPr>
-            <a:r>
-              <a:rPr lang="pt-PT" sz="1700"/>
-              <a:t>Com isto, apercebemo-nos que de acordo com os requisitos postos achamos pertinente dividir a estrutura de dados em cinco pilares principais que acabam por se ligar formando assim a “estrutura geral” </a:t>
-            </a:r>
-            <a:r>
-              <a:rPr lang="pt-PT" sz="1700" i="1" err="1"/>
-              <a:t>database</a:t>
-            </a:r>
-            <a:r>
-              <a:rPr lang="pt-PT" sz="1700"/>
-              <a:t>:</a:t>
-            </a:r>
-          </a:p>
-          <a:p>
-            <a:pPr lvl="1"/>
-            <a:r>
-              <a:rPr lang="pt-PT" sz="1700"/>
-              <a:t>Utilizadores (permissões)</a:t>
-            </a:r>
-          </a:p>
-          <a:p>
-            <a:pPr lvl="1"/>
-            <a:r>
-              <a:rPr lang="pt-PT" sz="1700"/>
-              <a:t>Produtos (especificações, empresas, histórico)</a:t>
-            </a:r>
-          </a:p>
-          <a:p>
-            <a:pPr lvl="1"/>
-            <a:r>
-              <a:rPr lang="pt-PT" sz="1700"/>
-              <a:t>Pedidos de Produtos e Rating (feito por utilizadores)</a:t>
-            </a:r>
-          </a:p>
-          <a:p>
-            <a:pPr lvl="1"/>
-            <a:r>
-              <a:rPr lang="pt-PT" sz="1700" i="1" err="1"/>
-              <a:t>Threads</a:t>
-            </a:r>
-            <a:r>
-              <a:rPr lang="pt-PT" sz="1700"/>
-              <a:t> (perguntas e respostas) e Notificações</a:t>
-            </a:r>
-          </a:p>
-          <a:p>
-            <a:pPr marL="457200" lvl="1" indent="0">
-              <a:buNone/>
-            </a:pPr>
-            <a:endParaRPr lang="pt-PT" sz="1700"/>
-          </a:p>
-          <a:p>
-            <a:endParaRPr lang="pt-PT" sz="1700"/>
-          </a:p>
-        </p:txBody>
-      </p:sp>
-    </p:spTree>
-    <p:extLst>
-      <p:ext uri="{BB962C8B-B14F-4D97-AF65-F5344CB8AC3E}">
-        <p14:creationId xmlns:p14="http://schemas.microsoft.com/office/powerpoint/2010/main" val="1727091244"/>
-      </p:ext>
-    </p:extLst>
-  </p:cSld>
-  <p:clrMapOvr>
-    <a:masterClrMapping/>
-  </p:clrMapOvr>
-</p:sld>
-</file>
-
-<file path=ppt/slides/slide5.xml><?xml version="1.0" encoding="utf-8"?>
-<p:sld xmlns:a="http://schemas.openxmlformats.org/drawingml/2006/main" xmlns:r="http://schemas.openxmlformats.org/officeDocument/2006/relationships" xmlns:p="http://schemas.openxmlformats.org/presentationml/2006/main">
-  <p:cSld>
-    <p:spTree>
-      <p:nvGrpSpPr>
-        <p:cNvPr id="1" name=""/>
-        <p:cNvGrpSpPr/>
-        <p:nvPr/>
-      </p:nvGrpSpPr>
-      <p:grpSpPr>
-        <a:xfrm>
-          <a:off x="0" y="0"/>
-          <a:ext cx="0" cy="0"/>
-          <a:chOff x="0" y="0"/>
-          <a:chExt cx="0" cy="0"/>
-        </a:xfrm>
-      </p:grpSpPr>
-      <p:sp>
-        <p:nvSpPr>
-          <p:cNvPr id="2" name="Título 1">
-            <a:extLst>
-              <a:ext uri="{FF2B5EF4-FFF2-40B4-BE49-F238E27FC236}">
-                <a16:creationId xmlns:a16="http://schemas.microsoft.com/office/drawing/2014/main" id="{18D7A0B0-7E0D-4DA2-8C43-C12F7E00F23B}"/>
-              </a:ext>
-            </a:extLst>
-          </p:cNvPr>
-          <p:cNvSpPr>
-            <a:spLocks noGrp="1"/>
-          </p:cNvSpPr>
-          <p:nvPr>
-            <p:ph type="title"/>
-          </p:nvPr>
-        </p:nvSpPr>
-        <p:spPr>
-          <a:xfrm>
-            <a:off x="685801" y="250676"/>
-            <a:ext cx="10131425" cy="1456267"/>
-          </a:xfrm>
-        </p:spPr>
-        <p:txBody>
-          <a:bodyPr/>
-          <a:lstStyle/>
-          <a:p>
-            <a:r>
-              <a:rPr lang="pt-PT" dirty="0"/>
-              <a:t>Explicação geral da base de dados</a:t>
-            </a:r>
-          </a:p>
-        </p:txBody>
-      </p:sp>
-      <p:sp>
-        <p:nvSpPr>
-          <p:cNvPr id="3" name="Marcador de Posição de Conteúdo 2">
-            <a:extLst>
-              <a:ext uri="{FF2B5EF4-FFF2-40B4-BE49-F238E27FC236}">
-                <a16:creationId xmlns:a16="http://schemas.microsoft.com/office/drawing/2014/main" id="{01D3B334-E91F-43E2-8ADF-8B110A531315}"/>
-              </a:ext>
-            </a:extLst>
-          </p:cNvPr>
-          <p:cNvSpPr>
-            <a:spLocks noGrp="1"/>
-          </p:cNvSpPr>
-          <p:nvPr>
-            <p:ph idx="1"/>
-          </p:nvPr>
-        </p:nvSpPr>
-        <p:spPr/>
-        <p:txBody>
-          <a:bodyPr/>
-          <a:lstStyle/>
-          <a:p>
-            <a:pPr marL="0" indent="0">
-              <a:buNone/>
-            </a:pPr>
-            <a:r>
-              <a:rPr lang="pt-PT" dirty="0"/>
-              <a:t>A </a:t>
-            </a:r>
-          </a:p>
-        </p:txBody>
-      </p:sp>
-      <p:sp>
-        <p:nvSpPr>
-          <p:cNvPr id="4" name="CaixaDeTexto 3">
-            <a:extLst>
-              <a:ext uri="{FF2B5EF4-FFF2-40B4-BE49-F238E27FC236}">
-                <a16:creationId xmlns:a16="http://schemas.microsoft.com/office/drawing/2014/main" id="{3D8D5A72-74BD-4A21-9983-8DA8308B9D80}"/>
-              </a:ext>
-            </a:extLst>
-          </p:cNvPr>
-          <p:cNvSpPr txBox="1"/>
-          <p:nvPr/>
-        </p:nvSpPr>
-        <p:spPr>
-          <a:xfrm>
-            <a:off x="685801" y="1245278"/>
-            <a:ext cx="5938982" cy="461665"/>
-          </a:xfrm>
-          <a:prstGeom prst="rect">
-            <a:avLst/>
-          </a:prstGeom>
-          <a:noFill/>
-        </p:spPr>
-        <p:txBody>
-          <a:bodyPr wrap="square" rtlCol="0">
-            <a:spAutoFit/>
-          </a:bodyPr>
-          <a:lstStyle/>
-          <a:p>
-            <a:r>
-              <a:rPr lang="pt-PT" sz="2400" dirty="0"/>
-              <a:t>Utilizadores</a:t>
-            </a:r>
-          </a:p>
-        </p:txBody>
-      </p:sp>
-    </p:spTree>
-    <p:extLst>
-      <p:ext uri="{BB962C8B-B14F-4D97-AF65-F5344CB8AC3E}">
-        <p14:creationId xmlns:p14="http://schemas.microsoft.com/office/powerpoint/2010/main" val="3471849520"/>
-      </p:ext>
-    </p:extLst>
-  </p:cSld>
-  <p:clrMapOvr>
-    <a:masterClrMapping/>
-  </p:clrMapOvr>
-</p:sld>
-</file>
-
-<file path=ppt/slides/slide6.xml><?xml version="1.0" encoding="utf-8"?>
+<file path=ppt/slides/slide11.xml><?xml version="1.0" encoding="utf-8"?>
 <p:sld xmlns:a="http://schemas.openxmlformats.org/drawingml/2006/main" xmlns:r="http://schemas.openxmlformats.org/officeDocument/2006/relationships" xmlns:p="http://schemas.openxmlformats.org/presentationml/2006/main">
   <p:cSld>
     <p:bg>
@@ -10655,7 +10153,7 @@
           <a:p>
             <a:pPr rtl="0"/>
             <a:r>
-              <a:rPr lang="pt-PT" dirty="0"/>
+              <a:rPr lang="pt-PT"/>
               <a:t>Tecnologias usadas</a:t>
             </a:r>
           </a:p>
@@ -10878,7 +10376,7 @@
             <a:lstStyle/>
             <a:p>
               <a:pPr algn="ctr" rtl="0"/>
-              <a:endParaRPr lang="pt-PT" dirty="0"/>
+              <a:endParaRPr lang="pt-PT"/>
             </a:p>
           </p:txBody>
         </p:sp>
@@ -15186,7 +14684,7 @@
             <a:lstStyle/>
             <a:p>
               <a:pPr algn="ctr" rtl="0"/>
-              <a:endParaRPr lang="pt-PT" dirty="0"/>
+              <a:endParaRPr lang="pt-PT"/>
             </a:p>
           </p:txBody>
         </p:sp>
@@ -19345,7 +18843,7 @@
               </a:spcAft>
             </a:pPr>
             <a:r>
-              <a:rPr lang="pt-PT" sz="2400" dirty="0">
+              <a:rPr lang="pt-PT" sz="2400">
                 <a:solidFill>
                   <a:schemeClr val="accent1">
                     <a:lumMod val="60000"/>
@@ -19363,7 +18861,7 @@
               </a:rPr>
               <a:t>GOOGLE CLOUD</a:t>
             </a:r>
-            <a:endParaRPr lang="pt-PT" sz="2400" dirty="0">
+            <a:endParaRPr lang="pt-PT" sz="2400">
               <a:solidFill>
                 <a:schemeClr val="accent1">
                   <a:lumMod val="60000"/>
@@ -19402,7 +18900,7 @@
         </p:blipFill>
         <p:spPr bwMode="auto">
           <a:xfrm>
-            <a:off x="6497107" y="266235"/>
+            <a:off x="6402843" y="334880"/>
             <a:ext cx="5157970" cy="2438322"/>
           </a:xfrm>
           <a:prstGeom prst="rect">
@@ -19558,8 +19056,8 @@
         </p:blipFill>
         <p:spPr bwMode="auto">
           <a:xfrm>
-            <a:off x="5563266" y="3149020"/>
-            <a:ext cx="6477000" cy="4076700"/>
+            <a:off x="8238829" y="4455504"/>
+            <a:ext cx="4862588" cy="3060570"/>
           </a:xfrm>
           <a:prstGeom prst="rect">
             <a:avLst/>
@@ -19605,14 +19103,14 @@
           <a:lstStyle/>
           <a:p>
             <a:r>
-              <a:rPr lang="pt-PT" dirty="0"/>
+              <a:rPr lang="pt-PT"/>
               <a:t>Linguagem usada: </a:t>
             </a:r>
             <a:r>
-              <a:rPr lang="pt-PT" dirty="0" err="1"/>
+              <a:rPr lang="pt-PT" err="1"/>
               <a:t>Javascript</a:t>
             </a:r>
-            <a:endParaRPr lang="pt-PT" dirty="0"/>
+            <a:endParaRPr lang="pt-PT"/>
           </a:p>
         </p:txBody>
       </p:sp>
@@ -19629,7 +19127,7 @@
 </p:sld>
 </file>
 
-<file path=ppt/slides/slide7.xml><?xml version="1.0" encoding="utf-8"?>
+<file path=ppt/slides/slide12.xml><?xml version="1.0" encoding="utf-8"?>
 <p:sld xmlns:a="http://schemas.openxmlformats.org/drawingml/2006/main" xmlns:r="http://schemas.openxmlformats.org/officeDocument/2006/relationships" xmlns:p="http://schemas.openxmlformats.org/presentationml/2006/main">
   <p:cSld>
     <p:spTree>
@@ -19673,18 +19171,18 @@
           <a:lstStyle/>
           <a:p>
             <a:r>
-              <a:rPr lang="pt-PT" dirty="0" err="1"/>
+              <a:rPr lang="pt-PT" err="1"/>
               <a:t>Development</a:t>
             </a:r>
             <a:r>
-              <a:rPr lang="pt-PT" dirty="0"/>
+              <a:rPr lang="pt-PT"/>
               <a:t> </a:t>
             </a:r>
             <a:r>
-              <a:rPr lang="pt-PT" dirty="0" err="1"/>
+              <a:rPr lang="pt-PT" err="1"/>
               <a:t>plan</a:t>
             </a:r>
-            <a:endParaRPr lang="pt-PT" dirty="0"/>
+            <a:endParaRPr lang="pt-PT"/>
           </a:p>
         </p:txBody>
       </p:sp>
@@ -19706,7 +19204,7 @@
         </p:nvSpPr>
         <p:spPr>
           <a:xfrm>
-            <a:off x="685802" y="1324597"/>
+            <a:off x="685801" y="1333142"/>
             <a:ext cx="10882356" cy="5050565"/>
           </a:xfrm>
         </p:spPr>
@@ -19720,11 +19218,11 @@
               <a:buNone/>
             </a:pPr>
             <a:r>
-              <a:rPr lang="pt-PT" sz="2200" dirty="0"/>
+              <a:rPr lang="pt-PT" sz="2200"/>
               <a:t>Os nossos objetivos consistem em</a:t>
             </a:r>
             <a:r>
-              <a:rPr lang="pt-PT" dirty="0"/>
+              <a:rPr lang="pt-PT"/>
               <a:t>:</a:t>
             </a:r>
           </a:p>
@@ -19734,28 +19232,40 @@
               <a:buAutoNum type="arabicPeriod"/>
             </a:pPr>
             <a:r>
-              <a:rPr lang="pt-PT" dirty="0"/>
+              <a:rPr lang="pt-PT"/>
               <a:t>Implementar a base de dados (de modo a conseguirmos fazer </a:t>
             </a:r>
             <a:r>
-              <a:rPr lang="pt-PT" i="1" dirty="0" err="1"/>
+              <a:rPr lang="pt-PT" i="1" err="1"/>
               <a:t>queries</a:t>
             </a:r>
             <a:r>
-              <a:rPr lang="pt-PT" i="1" dirty="0"/>
+              <a:rPr lang="pt-PT" i="1"/>
               <a:t> </a:t>
             </a:r>
             <a:r>
-              <a:rPr lang="pt-PT" dirty="0"/>
+              <a:rPr lang="pt-PT"/>
               <a:t>em </a:t>
             </a:r>
             <a:r>
-              <a:rPr lang="pt-PT" i="1" dirty="0" err="1"/>
+              <a:rPr lang="pt-PT" i="1" err="1"/>
               <a:t>Postgresql</a:t>
             </a:r>
             <a:r>
-              <a:rPr lang="pt-PT" dirty="0"/>
-              <a:t>)</a:t>
+              <a:rPr lang="pt-PT"/>
+              <a:t>) </a:t>
+            </a:r>
+            <a:r>
+              <a:rPr lang="pt-PT">
+                <a:effectLst>
+                  <a:outerShdw blurRad="38100" dist="38100" dir="2700000" algn="tl">
+                    <a:srgbClr val="000000">
+                      <a:alpha val="43137"/>
+                    </a:srgbClr>
+                  </a:outerShdw>
+                </a:effectLst>
+              </a:rPr>
+              <a:t>– Eduardo e Francisco</a:t>
             </a:r>
           </a:p>
           <a:p>
@@ -19764,8 +19274,8 @@
               <a:buAutoNum type="arabicPeriod"/>
             </a:pPr>
             <a:r>
-              <a:rPr lang="pt-PT" dirty="0"/>
-              <a:t>Criar a API com as rotas necessárias de modo a possibilitar a conexão entre o servidor e a base de dados</a:t>
+              <a:rPr lang="pt-PT"/>
+              <a:t>Criar a API com as rotas necessárias, de modo a possibilitar a conexão entre o servidor e a base de dados:</a:t>
             </a:r>
           </a:p>
           <a:p>
@@ -19774,8 +19284,20 @@
               <a:buAutoNum type="arabicPeriod"/>
             </a:pPr>
             <a:r>
-              <a:rPr lang="pt-PT" sz="1200" dirty="0"/>
-              <a:t>Autenticação</a:t>
+              <a:rPr lang="pt-PT" sz="1200"/>
+              <a:t>Autenticação </a:t>
+            </a:r>
+            <a:r>
+              <a:rPr lang="pt-PT" sz="1200">
+                <a:effectLst>
+                  <a:outerShdw blurRad="38100" dist="38100" dir="2700000" algn="tl">
+                    <a:srgbClr val="000000">
+                      <a:alpha val="43137"/>
+                    </a:srgbClr>
+                  </a:outerShdw>
+                </a:effectLst>
+              </a:rPr>
+              <a:t>- Eduardo</a:t>
             </a:r>
           </a:p>
           <a:p>
@@ -19784,8 +19306,20 @@
               <a:buAutoNum type="arabicPeriod"/>
             </a:pPr>
             <a:r>
-              <a:rPr lang="pt-PT" sz="1200" dirty="0"/>
-              <a:t>Registo de produtos e utilizadores</a:t>
+              <a:rPr lang="pt-PT" sz="1200"/>
+              <a:t>Registo de produtos e utilizadores </a:t>
+            </a:r>
+            <a:r>
+              <a:rPr lang="pt-PT" sz="1200">
+                <a:effectLst>
+                  <a:outerShdw blurRad="38100" dist="38100" dir="2700000" algn="tl">
+                    <a:srgbClr val="000000">
+                      <a:alpha val="43137"/>
+                    </a:srgbClr>
+                  </a:outerShdw>
+                </a:effectLst>
+              </a:rPr>
+              <a:t>– Francisco</a:t>
             </a:r>
           </a:p>
           <a:p>
@@ -19794,9 +19328,22 @@
               <a:buAutoNum type="arabicPeriod"/>
             </a:pPr>
             <a:r>
-              <a:rPr lang="pt-PT" sz="1200" dirty="0"/>
-              <a:t>Atualizar produtos</a:t>
-            </a:r>
+              <a:rPr lang="pt-PT" sz="1200"/>
+              <a:t>Atualizar produtos </a:t>
+            </a:r>
+            <a:r>
+              <a:rPr lang="pt-PT" sz="1200">
+                <a:effectLst>
+                  <a:outerShdw blurRad="38100" dist="38100" dir="2700000" algn="tl">
+                    <a:srgbClr val="000000">
+                      <a:alpha val="43137"/>
+                    </a:srgbClr>
+                  </a:outerShdw>
+                </a:effectLst>
+              </a:rPr>
+              <a:t>- Rosendo</a:t>
+            </a:r>
+            <a:endParaRPr lang="pt-PT" sz="1200"/>
           </a:p>
           <a:p>
             <a:pPr marL="1257300" lvl="2" indent="-342900">
@@ -19804,9 +19351,22 @@
               <a:buAutoNum type="arabicPeriod"/>
             </a:pPr>
             <a:r>
-              <a:rPr lang="pt-PT" sz="1200" dirty="0"/>
-              <a:t>Efetuar Compras</a:t>
-            </a:r>
+              <a:rPr lang="pt-PT" sz="1200"/>
+              <a:t>Efetuar Compras </a:t>
+            </a:r>
+            <a:r>
+              <a:rPr lang="pt-PT" sz="1200">
+                <a:effectLst>
+                  <a:outerShdw blurRad="38100" dist="38100" dir="2700000" algn="tl">
+                    <a:srgbClr val="000000">
+                      <a:alpha val="43137"/>
+                    </a:srgbClr>
+                  </a:outerShdw>
+                </a:effectLst>
+              </a:rPr>
+              <a:t>- Rosendo</a:t>
+            </a:r>
+            <a:endParaRPr lang="pt-PT" sz="1200"/>
           </a:p>
           <a:p>
             <a:pPr marL="1257300" lvl="2" indent="-342900">
@@ -19814,13 +19374,26 @@
               <a:buAutoNum type="arabicPeriod"/>
             </a:pPr>
             <a:r>
-              <a:rPr lang="pt-PT" sz="1200" dirty="0"/>
+              <a:rPr lang="pt-PT" sz="1200"/>
               <a:t>Deixar perguntas e </a:t>
             </a:r>
             <a:r>
-              <a:rPr lang="pt-PT" sz="1200" i="1" dirty="0"/>
-              <a:t>ratings</a:t>
-            </a:r>
+              <a:rPr lang="pt-PT" sz="1200" i="1"/>
+              <a:t>ratings </a:t>
+            </a:r>
+            <a:r>
+              <a:rPr lang="pt-PT" sz="1200">
+                <a:effectLst>
+                  <a:outerShdw blurRad="38100" dist="38100" dir="2700000" algn="tl">
+                    <a:srgbClr val="000000">
+                      <a:alpha val="43137"/>
+                    </a:srgbClr>
+                  </a:outerShdw>
+                </a:effectLst>
+              </a:rPr>
+              <a:t>- Eduardo</a:t>
+            </a:r>
+            <a:endParaRPr lang="pt-PT" sz="1200" i="1"/>
           </a:p>
           <a:p>
             <a:pPr marL="1257300" lvl="2" indent="-342900">
@@ -19828,9 +19401,22 @@
               <a:buAutoNum type="arabicPeriod"/>
             </a:pPr>
             <a:r>
-              <a:rPr lang="pt-PT" sz="1200" dirty="0"/>
-              <a:t>Consultar informações dos produtos</a:t>
-            </a:r>
+              <a:rPr lang="pt-PT" sz="1200"/>
+              <a:t>Consultar informações dos produtos </a:t>
+            </a:r>
+            <a:r>
+              <a:rPr lang="pt-PT" sz="1200">
+                <a:effectLst>
+                  <a:outerShdw blurRad="38100" dist="38100" dir="2700000" algn="tl">
+                    <a:srgbClr val="000000">
+                      <a:alpha val="43137"/>
+                    </a:srgbClr>
+                  </a:outerShdw>
+                </a:effectLst>
+              </a:rPr>
+              <a:t>- Eduardo</a:t>
+            </a:r>
+            <a:endParaRPr lang="pt-PT" sz="1200"/>
           </a:p>
           <a:p>
             <a:pPr marL="1257300" lvl="2" indent="-342900">
@@ -19838,9 +19424,22 @@
               <a:buAutoNum type="arabicPeriod"/>
             </a:pPr>
             <a:r>
-              <a:rPr lang="pt-PT" sz="1200" dirty="0"/>
-              <a:t>Obter estatísticas</a:t>
-            </a:r>
+              <a:rPr lang="pt-PT" sz="1200"/>
+              <a:t>Obter estatísticas </a:t>
+            </a:r>
+            <a:r>
+              <a:rPr lang="pt-PT" sz="1200">
+                <a:effectLst>
+                  <a:outerShdw blurRad="38100" dist="38100" dir="2700000" algn="tl">
+                    <a:srgbClr val="000000">
+                      <a:alpha val="43137"/>
+                    </a:srgbClr>
+                  </a:outerShdw>
+                </a:effectLst>
+              </a:rPr>
+              <a:t>- Eduardo</a:t>
+            </a:r>
+            <a:endParaRPr lang="pt-PT" sz="1200"/>
           </a:p>
           <a:p>
             <a:pPr marL="800100" lvl="1" indent="-342900">
@@ -19848,24 +19447,36 @@
               <a:buAutoNum type="arabicPeriod"/>
             </a:pPr>
             <a:r>
-              <a:rPr lang="pt-PT" dirty="0"/>
+              <a:rPr lang="pt-PT"/>
               <a:t>Depois disto, pensamos implementar um pequeno website (</a:t>
             </a:r>
             <a:r>
-              <a:rPr lang="pt-PT" dirty="0" err="1"/>
+              <a:rPr lang="pt-PT" err="1"/>
               <a:t>front-end</a:t>
             </a:r>
             <a:r>
-              <a:rPr lang="pt-PT" dirty="0"/>
-              <a:t>) muito simbólico em </a:t>
-            </a:r>
-            <a:r>
-              <a:rPr lang="pt-PT" i="1" dirty="0" err="1"/>
+              <a:rPr lang="pt-PT"/>
+              <a:t>), muito simbólico, em </a:t>
+            </a:r>
+            <a:r>
+              <a:rPr lang="pt-PT" i="1" err="1"/>
               <a:t>React</a:t>
             </a:r>
             <a:r>
-              <a:rPr lang="pt-PT" dirty="0"/>
-              <a:t> para simular uma app real.</a:t>
+              <a:rPr lang="pt-PT"/>
+              <a:t> para simular uma app real </a:t>
+            </a:r>
+            <a:r>
+              <a:rPr lang="pt-PT">
+                <a:effectLst>
+                  <a:outerShdw blurRad="38100" dist="38100" dir="2700000" algn="tl">
+                    <a:srgbClr val="000000">
+                      <a:alpha val="43137"/>
+                    </a:srgbClr>
+                  </a:outerShdw>
+                </a:effectLst>
+              </a:rPr>
+              <a:t>– Eduardo e Rosendo</a:t>
             </a:r>
           </a:p>
           <a:p>
@@ -19874,32 +19485,44 @@
               <a:buAutoNum type="arabicPeriod"/>
             </a:pPr>
             <a:r>
-              <a:rPr lang="pt-PT" i="1" dirty="0"/>
+              <a:rPr lang="pt-PT" i="1"/>
               <a:t>Tentar adquirir um </a:t>
             </a:r>
             <a:r>
-              <a:rPr lang="pt-PT" i="1" dirty="0" err="1"/>
+              <a:rPr lang="pt-PT" i="1" err="1"/>
               <a:t>host</a:t>
             </a:r>
             <a:r>
-              <a:rPr lang="pt-PT" i="1" dirty="0"/>
+              <a:rPr lang="pt-PT" i="1"/>
               <a:t> temporário para simular uma aplicação real </a:t>
             </a:r>
             <a:r>
-              <a:rPr lang="pt-PT" dirty="0"/>
-              <a:t>– Estamos a pensar levar este projeto para outro nível e, se o tempo permitir (ou seja, se chover muito na queima) adquirir servidores (para a </a:t>
-            </a:r>
-            <a:r>
-              <a:rPr lang="pt-PT" i="1" dirty="0" err="1"/>
+              <a:rPr lang="pt-PT"/>
+              <a:t>– Estamos a pensar levar este projeto para outro nível e, se o tempo permitir (ou seja, se chover muito na queima), adquirir servidores (para a </a:t>
+            </a:r>
+            <a:r>
+              <a:rPr lang="pt-PT" i="1" err="1"/>
               <a:t>back-end</a:t>
             </a:r>
             <a:r>
-              <a:rPr lang="pt-PT" i="1" dirty="0"/>
+              <a:rPr lang="pt-PT" i="1"/>
               <a:t> </a:t>
             </a:r>
             <a:r>
-              <a:rPr lang="pt-PT" dirty="0"/>
-              <a:t>e base de dados) juntamente com um domínio e lançar esta aplicação para produção.</a:t>
+              <a:rPr lang="pt-PT"/>
+              <a:t>e base de dados) juntamente com um domínio e lançar esta aplicação para produção </a:t>
+            </a:r>
+            <a:r>
+              <a:rPr lang="pt-PT">
+                <a:effectLst>
+                  <a:outerShdw blurRad="38100" dist="38100" dir="2700000" algn="tl">
+                    <a:srgbClr val="000000">
+                      <a:alpha val="43137"/>
+                    </a:srgbClr>
+                  </a:outerShdw>
+                </a:effectLst>
+              </a:rPr>
+              <a:t>- Eduardo</a:t>
             </a:r>
           </a:p>
         </p:txBody>
@@ -19918,7 +19541,7 @@
         </p:nvSpPr>
         <p:spPr>
           <a:xfrm>
-            <a:off x="623843" y="880218"/>
+            <a:off x="623843" y="890336"/>
             <a:ext cx="5831080" cy="646331"/>
           </a:xfrm>
           <a:prstGeom prst="rect">
@@ -19933,12 +19556,12 @@
           <a:lstStyle/>
           <a:p>
             <a:r>
-              <a:rPr lang="pt-PT" dirty="0"/>
+              <a:rPr lang="pt-PT"/>
               <a:t>ROADMAP E DIVISÃO DE TRABALHO</a:t>
             </a:r>
           </a:p>
           <a:p>
-            <a:endParaRPr lang="pt-PT" dirty="0"/>
+            <a:endParaRPr lang="pt-PT"/>
           </a:p>
         </p:txBody>
       </p:sp>
@@ -19955,7 +19578,7 @@
 </p:sld>
 </file>
 
-<file path=ppt/slides/slide8.xml><?xml version="1.0" encoding="utf-8"?>
+<file path=ppt/slides/slide13.xml><?xml version="1.0" encoding="utf-8"?>
 <p:sld xmlns:a="http://schemas.openxmlformats.org/drawingml/2006/main" xmlns:r="http://schemas.openxmlformats.org/officeDocument/2006/relationships" xmlns:p="http://schemas.openxmlformats.org/presentationml/2006/main">
   <p:cSld>
     <p:spTree>
@@ -20038,7 +19661,7 @@
           <a:p>
             <a:pPr rtl="0"/>
             <a:r>
-              <a:rPr lang="pt-PT" dirty="0"/>
+              <a:rPr lang="pt-PT"/>
               <a:t>Obrigado!</a:t>
             </a:r>
           </a:p>
@@ -20074,7 +19697,7 @@
           <a:p>
             <a:pPr rtl="0"/>
             <a:r>
-              <a:rPr lang="pt-PT" dirty="0">
+              <a:rPr lang="pt-PT">
                 <a:solidFill>
                   <a:schemeClr val="accent1">
                     <a:lumMod val="40000"/>
@@ -20086,7 +19709,7 @@
               <a:t>uc2020217675@student.uc.pt</a:t>
             </a:r>
             <a:r>
-              <a:rPr lang="pt-PT" dirty="0">
+              <a:rPr lang="pt-PT">
                 <a:solidFill>
                   <a:schemeClr val="accent1">
                     <a:lumMod val="40000"/>
@@ -20094,10 +19717,10 @@
                   </a:schemeClr>
                 </a:solidFill>
               </a:rPr>
-              <a:t> - </a:t>
-            </a:r>
-            <a:r>
-              <a:rPr lang="pt-PT" dirty="0" err="1">
+              <a:t> – </a:t>
+            </a:r>
+            <a:r>
+              <a:rPr lang="pt-PT" err="1">
                 <a:solidFill>
                   <a:schemeClr val="accent1">
                     <a:lumMod val="40000"/>
@@ -20107,42 +19730,34 @@
               </a:rPr>
               <a:t>eDUARDO</a:t>
             </a:r>
-            <a:endParaRPr lang="pt-PT" dirty="0">
-              <a:solidFill>
-                <a:schemeClr val="accent1">
-                  <a:lumMod val="40000"/>
-                  <a:lumOff val="60000"/>
-                </a:schemeClr>
-              </a:solidFill>
-            </a:endParaRPr>
-          </a:p>
-          <a:p>
-            <a:pPr rtl="0"/>
-            <a:r>
-              <a:rPr lang="pt-PT" dirty="0">
+            <a:r>
+              <a:rPr lang="pt-PT">
                 <a:solidFill>
                   <a:schemeClr val="accent1">
                     <a:lumMod val="40000"/>
                     <a:lumOff val="60000"/>
                   </a:schemeClr>
                 </a:solidFill>
-                <a:hlinkClick r:id="rId5"/>
               </a:rPr>
-              <a:t>uc202021@student.uc.pt</a:t>
-            </a:r>
-            <a:r>
-              <a:rPr lang="pt-PT" dirty="0">
+              <a:t> Nunes</a:t>
+            </a:r>
+          </a:p>
+          <a:p>
+            <a:pPr rtl="0"/>
+            <a:r>
+              <a:rPr lang="pt-PT">
                 <a:solidFill>
                   <a:schemeClr val="accent1">
                     <a:lumMod val="40000"/>
                     <a:lumOff val="60000"/>
                   </a:schemeClr>
                 </a:solidFill>
+                <a:hlinkClick r:id="rId5"/>
               </a:rPr>
-              <a:t> - </a:t>
-            </a:r>
-            <a:r>
-              <a:rPr lang="pt-PT" dirty="0" err="1">
+              <a:t>uc2020217697@student.uc.pt</a:t>
+            </a:r>
+            <a:r>
+              <a:rPr lang="pt-PT">
                 <a:solidFill>
                   <a:schemeClr val="accent1">
                     <a:lumMod val="40000"/>
@@ -20150,9 +19765,42 @@
                   </a:schemeClr>
                 </a:solidFill>
               </a:rPr>
+              <a:t> – </a:t>
+            </a:r>
+            <a:r>
+              <a:rPr lang="pt-PT" err="1">
+                <a:solidFill>
+                  <a:schemeClr val="accent1">
+                    <a:lumMod val="40000"/>
+                    <a:lumOff val="60000"/>
+                  </a:schemeClr>
+                </a:solidFill>
+              </a:rPr>
+              <a:t>francsico</a:t>
+            </a:r>
+            <a:r>
+              <a:rPr lang="pt-PT">
+                <a:solidFill>
+                  <a:schemeClr val="accent1">
+                    <a:lumMod val="40000"/>
+                    <a:lumOff val="60000"/>
+                  </a:schemeClr>
+                </a:solidFill>
+              </a:rPr>
+              <a:t> </a:t>
+            </a:r>
+            <a:r>
+              <a:rPr lang="pt-PT" err="1">
+                <a:solidFill>
+                  <a:schemeClr val="accent1">
+                    <a:lumMod val="40000"/>
+                    <a:lumOff val="60000"/>
+                  </a:schemeClr>
+                </a:solidFill>
+              </a:rPr>
               <a:t>rOSENDO</a:t>
             </a:r>
-            <a:endParaRPr lang="pt-PT" dirty="0">
+            <a:endParaRPr lang="pt-PT">
               <a:solidFill>
                 <a:schemeClr val="accent1">
                   <a:lumMod val="40000"/>
@@ -20167,6 +19815,1512 @@
     <p:extLst>
       <p:ext uri="{BB962C8B-B14F-4D97-AF65-F5344CB8AC3E}">
         <p14:creationId xmlns:p14="http://schemas.microsoft.com/office/powerpoint/2010/main" val="2939930866"/>
+      </p:ext>
+    </p:extLst>
+  </p:cSld>
+  <p:clrMapOvr>
+    <a:masterClrMapping/>
+  </p:clrMapOvr>
+</p:sld>
+</file>
+
+<file path=ppt/slides/slide2.xml><?xml version="1.0" encoding="utf-8"?>
+<p:sld xmlns:a="http://schemas.openxmlformats.org/drawingml/2006/main" xmlns:r="http://schemas.openxmlformats.org/officeDocument/2006/relationships" xmlns:p="http://schemas.openxmlformats.org/presentationml/2006/main">
+  <p:cSld>
+    <p:spTree>
+      <p:nvGrpSpPr>
+        <p:cNvPr id="1" name=""/>
+        <p:cNvGrpSpPr/>
+        <p:nvPr/>
+      </p:nvGrpSpPr>
+      <p:grpSpPr>
+        <a:xfrm>
+          <a:off x="0" y="0"/>
+          <a:ext cx="0" cy="0"/>
+          <a:chOff x="0" y="0"/>
+          <a:chExt cx="0" cy="0"/>
+        </a:xfrm>
+      </p:grpSpPr>
+      <p:sp>
+        <p:nvSpPr>
+          <p:cNvPr id="2" name="Título 1">
+            <a:extLst>
+              <a:ext uri="{FF2B5EF4-FFF2-40B4-BE49-F238E27FC236}">
+                <a16:creationId xmlns:a16="http://schemas.microsoft.com/office/drawing/2014/main" id="{170644DC-4E24-4E33-85C6-F30FA87C4347}"/>
+              </a:ext>
+            </a:extLst>
+          </p:cNvPr>
+          <p:cNvSpPr>
+            <a:spLocks noGrp="1"/>
+          </p:cNvSpPr>
+          <p:nvPr>
+            <p:ph type="title"/>
+          </p:nvPr>
+        </p:nvSpPr>
+        <p:spPr/>
+        <p:txBody>
+          <a:bodyPr/>
+          <a:lstStyle/>
+          <a:p>
+            <a:r>
+              <a:rPr lang="pt-PT"/>
+              <a:t>Esclarecimentos</a:t>
+            </a:r>
+          </a:p>
+        </p:txBody>
+      </p:sp>
+      <p:sp>
+        <p:nvSpPr>
+          <p:cNvPr id="3" name="Marcador de Posição de Conteúdo 2">
+            <a:extLst>
+              <a:ext uri="{FF2B5EF4-FFF2-40B4-BE49-F238E27FC236}">
+                <a16:creationId xmlns:a16="http://schemas.microsoft.com/office/drawing/2014/main" id="{EDE40AAB-BF7B-41C9-AAC9-BF251E47EAF5}"/>
+              </a:ext>
+            </a:extLst>
+          </p:cNvPr>
+          <p:cNvSpPr>
+            <a:spLocks noGrp="1"/>
+          </p:cNvSpPr>
+          <p:nvPr>
+            <p:ph idx="1"/>
+          </p:nvPr>
+        </p:nvSpPr>
+        <p:spPr/>
+        <p:txBody>
+          <a:bodyPr/>
+          <a:lstStyle/>
+          <a:p>
+            <a:r>
+              <a:rPr lang="pt-PT"/>
+              <a:t>Este projeto tem como propósito simular o uso prático de uma base de dados numa API que interage com uma aplicação.</a:t>
+            </a:r>
+          </a:p>
+          <a:p>
+            <a:r>
+              <a:rPr lang="pt-PT"/>
+              <a:t>Os objetivos deste trabalho são:</a:t>
+            </a:r>
+          </a:p>
+          <a:p>
+            <a:pPr lvl="1"/>
+            <a:r>
+              <a:rPr lang="pt-PT"/>
+              <a:t>Verificar quais os melhores métodos de planeamento de estruturas de dados e a sua importância para o funcionamento de uma aplicação</a:t>
+            </a:r>
+          </a:p>
+          <a:p>
+            <a:pPr lvl="1"/>
+            <a:r>
+              <a:rPr lang="pt-PT"/>
+              <a:t>Por em prática, numa API, a interação entre uma base de dados e o seu utilizador </a:t>
+            </a:r>
+            <a:r>
+              <a:rPr lang="pt-PT" i="1"/>
+              <a:t>(</a:t>
+            </a:r>
+            <a:r>
+              <a:rPr lang="pt-PT" i="1" err="1"/>
+              <a:t>client</a:t>
+            </a:r>
+            <a:r>
+              <a:rPr lang="pt-PT" i="1"/>
+              <a:t> </a:t>
+            </a:r>
+            <a:r>
+              <a:rPr lang="pt-PT" i="1" err="1"/>
+              <a:t>side</a:t>
+            </a:r>
+            <a:r>
+              <a:rPr lang="pt-PT" i="1"/>
+              <a:t> </a:t>
+            </a:r>
+            <a:r>
+              <a:rPr lang="pt-PT" i="1" err="1"/>
+              <a:t>vs</a:t>
+            </a:r>
+            <a:r>
+              <a:rPr lang="pt-PT" i="1"/>
+              <a:t> server </a:t>
+            </a:r>
+            <a:r>
+              <a:rPr lang="pt-PT" i="1" err="1"/>
+              <a:t>side</a:t>
+            </a:r>
+            <a:r>
+              <a:rPr lang="pt-PT" i="1"/>
+              <a:t> </a:t>
+            </a:r>
+            <a:r>
+              <a:rPr lang="pt-PT" i="1" err="1"/>
+              <a:t>programming</a:t>
+            </a:r>
+            <a:r>
+              <a:rPr lang="pt-PT" i="1"/>
+              <a:t>)</a:t>
+            </a:r>
+            <a:r>
+              <a:rPr lang="pt-PT"/>
+              <a:t>.</a:t>
+            </a:r>
+          </a:p>
+          <a:p>
+            <a:pPr lvl="1"/>
+            <a:r>
+              <a:rPr lang="pt-PT"/>
+              <a:t>Entender como um projeto por detrás do qual existe uma base de dados é organizado, planeado e executado.</a:t>
+            </a:r>
+          </a:p>
+          <a:p>
+            <a:pPr lvl="1"/>
+            <a:endParaRPr lang="pt-PT"/>
+          </a:p>
+        </p:txBody>
+      </p:sp>
+      <p:pic>
+        <p:nvPicPr>
+          <p:cNvPr id="7" name="Imagem 6">
+            <a:extLst>
+              <a:ext uri="{FF2B5EF4-FFF2-40B4-BE49-F238E27FC236}">
+                <a16:creationId xmlns:a16="http://schemas.microsoft.com/office/drawing/2014/main" id="{B1F957B0-BAD3-451A-8905-8FA7ADE30A7E}"/>
+              </a:ext>
+            </a:extLst>
+          </p:cNvPr>
+          <p:cNvPicPr>
+            <a:picLocks noChangeAspect="1"/>
+          </p:cNvPicPr>
+          <p:nvPr/>
+        </p:nvPicPr>
+        <p:blipFill>
+          <a:blip r:embed="rId2"/>
+          <a:stretch>
+            <a:fillRect/>
+          </a:stretch>
+        </p:blipFill>
+        <p:spPr>
+          <a:xfrm>
+            <a:off x="9741415" y="495241"/>
+            <a:ext cx="1610955" cy="1646826"/>
+          </a:xfrm>
+          <a:prstGeom prst="rect">
+            <a:avLst/>
+          </a:prstGeom>
+        </p:spPr>
+      </p:pic>
+    </p:spTree>
+    <p:extLst>
+      <p:ext uri="{BB962C8B-B14F-4D97-AF65-F5344CB8AC3E}">
+        <p14:creationId xmlns:p14="http://schemas.microsoft.com/office/powerpoint/2010/main" val="591194963"/>
+      </p:ext>
+    </p:extLst>
+  </p:cSld>
+  <p:clrMapOvr>
+    <a:masterClrMapping/>
+  </p:clrMapOvr>
+</p:sld>
+</file>
+
+<file path=ppt/slides/slide3.xml><?xml version="1.0" encoding="utf-8"?>
+<p:sld xmlns:a="http://schemas.openxmlformats.org/drawingml/2006/main" xmlns:r="http://schemas.openxmlformats.org/officeDocument/2006/relationships" xmlns:p="http://schemas.openxmlformats.org/presentationml/2006/main">
+  <p:cSld>
+    <p:spTree>
+      <p:nvGrpSpPr>
+        <p:cNvPr id="1" name=""/>
+        <p:cNvGrpSpPr/>
+        <p:nvPr/>
+      </p:nvGrpSpPr>
+      <p:grpSpPr>
+        <a:xfrm>
+          <a:off x="0" y="0"/>
+          <a:ext cx="0" cy="0"/>
+          <a:chOff x="0" y="0"/>
+          <a:chExt cx="0" cy="0"/>
+        </a:xfrm>
+      </p:grpSpPr>
+      <p:sp>
+        <p:nvSpPr>
+          <p:cNvPr id="2" name="Título 1">
+            <a:extLst>
+              <a:ext uri="{FF2B5EF4-FFF2-40B4-BE49-F238E27FC236}">
+                <a16:creationId xmlns:a16="http://schemas.microsoft.com/office/drawing/2014/main" id="{6376D86B-DECF-478F-AEA6-8C8B121364D5}"/>
+              </a:ext>
+            </a:extLst>
+          </p:cNvPr>
+          <p:cNvSpPr>
+            <a:spLocks noGrp="1"/>
+          </p:cNvSpPr>
+          <p:nvPr>
+            <p:ph type="title"/>
+          </p:nvPr>
+        </p:nvSpPr>
+        <p:spPr/>
+        <p:txBody>
+          <a:bodyPr/>
+          <a:lstStyle/>
+          <a:p>
+            <a:r>
+              <a:rPr lang="pt-PT"/>
+              <a:t>Descrição do PROJETO</a:t>
+            </a:r>
+          </a:p>
+        </p:txBody>
+      </p:sp>
+      <p:sp>
+        <p:nvSpPr>
+          <p:cNvPr id="3" name="Marcador de Posição de Conteúdo 2">
+            <a:extLst>
+              <a:ext uri="{FF2B5EF4-FFF2-40B4-BE49-F238E27FC236}">
+                <a16:creationId xmlns:a16="http://schemas.microsoft.com/office/drawing/2014/main" id="{FB26C9FD-4CDC-4BFB-94A2-7D0642F60319}"/>
+              </a:ext>
+            </a:extLst>
+          </p:cNvPr>
+          <p:cNvSpPr>
+            <a:spLocks noGrp="1"/>
+          </p:cNvSpPr>
+          <p:nvPr>
+            <p:ph idx="1"/>
+          </p:nvPr>
+        </p:nvSpPr>
+        <p:spPr/>
+        <p:txBody>
+          <a:bodyPr/>
+          <a:lstStyle/>
+          <a:p>
+            <a:pPr marL="0" indent="0">
+              <a:buNone/>
+            </a:pPr>
+            <a:r>
+              <a:rPr lang="pt-PT"/>
+              <a:t>Este projeto tem por base fazer o </a:t>
+            </a:r>
+            <a:r>
+              <a:rPr lang="pt-PT" i="1" err="1"/>
+              <a:t>client</a:t>
+            </a:r>
+            <a:r>
+              <a:rPr lang="pt-PT" i="1"/>
+              <a:t> </a:t>
+            </a:r>
+            <a:r>
+              <a:rPr lang="pt-PT" i="1" err="1"/>
+              <a:t>side</a:t>
+            </a:r>
+            <a:r>
+              <a:rPr lang="pt-PT"/>
+              <a:t> de uma </a:t>
+            </a:r>
+            <a:r>
+              <a:rPr lang="pt-PT" i="1"/>
+              <a:t>web-</a:t>
+            </a:r>
+            <a:r>
+              <a:rPr lang="pt-PT" i="1" err="1"/>
+              <a:t>aplication</a:t>
+            </a:r>
+            <a:r>
+              <a:rPr lang="pt-PT" i="1"/>
+              <a:t>. </a:t>
+            </a:r>
+            <a:r>
+              <a:rPr lang="pt-PT"/>
+              <a:t>Foi-nos colocado o desafio de desenvolver um sistema de compra e venda de produtos eletrónicos online, tendo como alicerce uma base de dados eficaz, adequada às necessidades dos utilizadores da mesma.</a:t>
+            </a:r>
+          </a:p>
+          <a:p>
+            <a:pPr marL="0" indent="0">
+              <a:buNone/>
+            </a:pPr>
+            <a:r>
+              <a:rPr lang="pt-PT"/>
+              <a:t>A aplicação permite aos utilizadores comprar e vender determinados produtos que, por sua vez, podem deter de secções de perguntas e respostas feitas por outros </a:t>
+            </a:r>
+            <a:r>
+              <a:rPr lang="pt-PT" i="1" err="1"/>
+              <a:t>users</a:t>
+            </a:r>
+            <a:r>
+              <a:rPr lang="pt-PT" i="1"/>
+              <a:t>.</a:t>
+            </a:r>
+          </a:p>
+          <a:p>
+            <a:pPr marL="0" indent="0">
+              <a:buNone/>
+            </a:pPr>
+            <a:r>
+              <a:rPr lang="pt-PT"/>
+              <a:t>Alem disto, a aplicação pressupõe a moderação através de administradores, que têm acesso a mais funcionalidades, tais como: remover perguntas, ver histórico de produtos e atualizar o seu stock.</a:t>
+            </a:r>
+          </a:p>
+        </p:txBody>
+      </p:sp>
+    </p:spTree>
+    <p:extLst>
+      <p:ext uri="{BB962C8B-B14F-4D97-AF65-F5344CB8AC3E}">
+        <p14:creationId xmlns:p14="http://schemas.microsoft.com/office/powerpoint/2010/main" val="1809784347"/>
+      </p:ext>
+    </p:extLst>
+  </p:cSld>
+  <p:clrMapOvr>
+    <a:masterClrMapping/>
+  </p:clrMapOvr>
+</p:sld>
+</file>
+
+<file path=ppt/slides/slide4.xml><?xml version="1.0" encoding="utf-8"?>
+<p:sld xmlns:a="http://schemas.openxmlformats.org/drawingml/2006/main" xmlns:r="http://schemas.openxmlformats.org/officeDocument/2006/relationships" xmlns:p="http://schemas.openxmlformats.org/presentationml/2006/main">
+  <p:cSld>
+    <p:spTree>
+      <p:nvGrpSpPr>
+        <p:cNvPr id="1" name=""/>
+        <p:cNvGrpSpPr/>
+        <p:nvPr/>
+      </p:nvGrpSpPr>
+      <p:grpSpPr>
+        <a:xfrm>
+          <a:off x="0" y="0"/>
+          <a:ext cx="0" cy="0"/>
+          <a:chOff x="0" y="0"/>
+          <a:chExt cx="0" cy="0"/>
+        </a:xfrm>
+      </p:grpSpPr>
+      <p:sp>
+        <p:nvSpPr>
+          <p:cNvPr id="2" name="Título 1">
+            <a:extLst>
+              <a:ext uri="{FF2B5EF4-FFF2-40B4-BE49-F238E27FC236}">
+                <a16:creationId xmlns:a16="http://schemas.microsoft.com/office/drawing/2014/main" id="{2BE725E7-AA96-4A4B-9BD7-0A36191363CE}"/>
+              </a:ext>
+            </a:extLst>
+          </p:cNvPr>
+          <p:cNvSpPr>
+            <a:spLocks noGrp="1"/>
+          </p:cNvSpPr>
+          <p:nvPr>
+            <p:ph type="title"/>
+          </p:nvPr>
+        </p:nvSpPr>
+        <p:spPr>
+          <a:xfrm>
+            <a:off x="685801" y="609600"/>
+            <a:ext cx="10131425" cy="1456267"/>
+          </a:xfrm>
+        </p:spPr>
+        <p:txBody>
+          <a:bodyPr anchor="ctr">
+            <a:normAutofit/>
+          </a:bodyPr>
+          <a:lstStyle/>
+          <a:p>
+            <a:r>
+              <a:rPr lang="pt-PT"/>
+              <a:t>Base de dados usada</a:t>
+            </a:r>
+          </a:p>
+        </p:txBody>
+      </p:sp>
+      <p:sp>
+        <p:nvSpPr>
+          <p:cNvPr id="3" name="Marcador de Posição de Conteúdo 2">
+            <a:extLst>
+              <a:ext uri="{FF2B5EF4-FFF2-40B4-BE49-F238E27FC236}">
+                <a16:creationId xmlns:a16="http://schemas.microsoft.com/office/drawing/2014/main" id="{41783013-3060-4E99-ACAF-A607DF1583A5}"/>
+              </a:ext>
+            </a:extLst>
+          </p:cNvPr>
+          <p:cNvSpPr>
+            <a:spLocks noGrp="1"/>
+          </p:cNvSpPr>
+          <p:nvPr>
+            <p:ph sz="half" idx="1"/>
+          </p:nvPr>
+        </p:nvSpPr>
+        <p:spPr>
+          <a:xfrm>
+            <a:off x="685802" y="2142067"/>
+            <a:ext cx="4995334" cy="3649134"/>
+          </a:xfrm>
+        </p:spPr>
+        <p:txBody>
+          <a:bodyPr anchor="ctr">
+            <a:normAutofit/>
+          </a:bodyPr>
+          <a:lstStyle/>
+          <a:p>
+            <a:pPr marL="0" indent="0">
+              <a:buNone/>
+            </a:pPr>
+            <a:r>
+              <a:rPr lang="pt-PT"/>
+              <a:t>Deste modo, apercebemo-nos que, de acordo com os requisitos, era pertinente dividir a estrutura de dados em cinco pilares principais que acabam por se interligar, formando a “estrutura geral” (base de dados):</a:t>
+            </a:r>
+          </a:p>
+          <a:p>
+            <a:pPr lvl="1"/>
+            <a:r>
+              <a:rPr lang="pt-PT" sz="1800"/>
+              <a:t>Utilizadores (permissões)</a:t>
+            </a:r>
+          </a:p>
+          <a:p>
+            <a:pPr lvl="1"/>
+            <a:r>
+              <a:rPr lang="pt-PT" sz="1800"/>
+              <a:t>Produtos e o seu Rating (especificações, empresas e o seu histórico)</a:t>
+            </a:r>
+          </a:p>
+          <a:p>
+            <a:pPr lvl="1"/>
+            <a:r>
+              <a:rPr lang="pt-PT" sz="1800"/>
+              <a:t>Pedidos de Produtos (feito por utilizadores)</a:t>
+            </a:r>
+          </a:p>
+          <a:p>
+            <a:pPr lvl="1"/>
+            <a:r>
+              <a:rPr lang="pt-PT" sz="1800"/>
+              <a:t>Perguntas e respostas</a:t>
+            </a:r>
+          </a:p>
+          <a:p>
+            <a:pPr marL="457200" lvl="1" indent="0">
+              <a:buNone/>
+            </a:pPr>
+            <a:endParaRPr lang="pt-PT" sz="1800"/>
+          </a:p>
+          <a:p>
+            <a:endParaRPr lang="pt-PT"/>
+          </a:p>
+        </p:txBody>
+      </p:sp>
+      <p:pic>
+        <p:nvPicPr>
+          <p:cNvPr id="16" name="Imagem 15">
+            <a:extLst>
+              <a:ext uri="{FF2B5EF4-FFF2-40B4-BE49-F238E27FC236}">
+                <a16:creationId xmlns:a16="http://schemas.microsoft.com/office/drawing/2014/main" id="{C0A8C617-74A5-4A09-AC51-BEEDE397F8A2}"/>
+              </a:ext>
+            </a:extLst>
+          </p:cNvPr>
+          <p:cNvPicPr>
+            <a:picLocks noChangeAspect="1"/>
+          </p:cNvPicPr>
+          <p:nvPr/>
+        </p:nvPicPr>
+        <p:blipFill>
+          <a:blip r:embed="rId2"/>
+          <a:stretch>
+            <a:fillRect/>
+          </a:stretch>
+        </p:blipFill>
+        <p:spPr>
+          <a:xfrm>
+            <a:off x="5821894" y="2512291"/>
+            <a:ext cx="5939895" cy="2509606"/>
+          </a:xfrm>
+          <a:prstGeom prst="rect">
+            <a:avLst/>
+          </a:prstGeom>
+          <a:noFill/>
+        </p:spPr>
+      </p:pic>
+    </p:spTree>
+    <p:extLst>
+      <p:ext uri="{BB962C8B-B14F-4D97-AF65-F5344CB8AC3E}">
+        <p14:creationId xmlns:p14="http://schemas.microsoft.com/office/powerpoint/2010/main" val="1727091244"/>
+      </p:ext>
+    </p:extLst>
+  </p:cSld>
+  <p:clrMapOvr>
+    <a:masterClrMapping/>
+  </p:clrMapOvr>
+</p:sld>
+</file>
+
+<file path=ppt/slides/slide5.xml><?xml version="1.0" encoding="utf-8"?>
+<p:sld xmlns:a="http://schemas.openxmlformats.org/drawingml/2006/main" xmlns:r="http://schemas.openxmlformats.org/officeDocument/2006/relationships" xmlns:p="http://schemas.openxmlformats.org/presentationml/2006/main">
+  <p:cSld>
+    <p:spTree>
+      <p:nvGrpSpPr>
+        <p:cNvPr id="1" name=""/>
+        <p:cNvGrpSpPr/>
+        <p:nvPr/>
+      </p:nvGrpSpPr>
+      <p:grpSpPr>
+        <a:xfrm>
+          <a:off x="0" y="0"/>
+          <a:ext cx="0" cy="0"/>
+          <a:chOff x="0" y="0"/>
+          <a:chExt cx="0" cy="0"/>
+        </a:xfrm>
+      </p:grpSpPr>
+      <p:sp>
+        <p:nvSpPr>
+          <p:cNvPr id="2" name="Título 1">
+            <a:extLst>
+              <a:ext uri="{FF2B5EF4-FFF2-40B4-BE49-F238E27FC236}">
+                <a16:creationId xmlns:a16="http://schemas.microsoft.com/office/drawing/2014/main" id="{18D7A0B0-7E0D-4DA2-8C43-C12F7E00F23B}"/>
+              </a:ext>
+            </a:extLst>
+          </p:cNvPr>
+          <p:cNvSpPr>
+            <a:spLocks noGrp="1"/>
+          </p:cNvSpPr>
+          <p:nvPr>
+            <p:ph type="title"/>
+          </p:nvPr>
+        </p:nvSpPr>
+        <p:spPr>
+          <a:xfrm>
+            <a:off x="685801" y="609600"/>
+            <a:ext cx="10131425" cy="1456267"/>
+          </a:xfrm>
+        </p:spPr>
+        <p:txBody>
+          <a:bodyPr vert="horz" lIns="91440" tIns="45720" rIns="91440" bIns="45720" rtlCol="0" anchor="ctr">
+            <a:normAutofit/>
+          </a:bodyPr>
+          <a:lstStyle/>
+          <a:p>
+            <a:r>
+              <a:rPr lang="pt-PT" kern="1200" cap="all">
+                <a:ln w="3175" cmpd="sng">
+                  <a:noFill/>
+                </a:ln>
+                <a:effectLst/>
+                <a:latin typeface="+mj-lt"/>
+                <a:ea typeface="+mj-ea"/>
+                <a:cs typeface="+mj-cs"/>
+              </a:rPr>
+              <a:t>Explicação geral da base de dados</a:t>
+            </a:r>
+            <a:br>
+              <a:rPr lang="pt-PT" kern="1200" cap="all">
+                <a:ln w="3175" cmpd="sng">
+                  <a:noFill/>
+                </a:ln>
+                <a:effectLst/>
+                <a:latin typeface="+mj-lt"/>
+                <a:ea typeface="+mj-ea"/>
+                <a:cs typeface="+mj-cs"/>
+              </a:rPr>
+            </a:br>
+            <a:r>
+              <a:rPr lang="pt-PT" b="1" kern="1200" cap="all">
+                <a:ln w="3175" cmpd="sng">
+                  <a:noFill/>
+                </a:ln>
+                <a:effectLst/>
+                <a:latin typeface="+mj-lt"/>
+                <a:ea typeface="+mj-ea"/>
+                <a:cs typeface="+mj-cs"/>
+              </a:rPr>
+              <a:t>Utilizadores</a:t>
+            </a:r>
+          </a:p>
+        </p:txBody>
+      </p:sp>
+      <p:sp>
+        <p:nvSpPr>
+          <p:cNvPr id="4" name="CaixaDeTexto 3">
+            <a:extLst>
+              <a:ext uri="{FF2B5EF4-FFF2-40B4-BE49-F238E27FC236}">
+                <a16:creationId xmlns:a16="http://schemas.microsoft.com/office/drawing/2014/main" id="{3D8D5A72-74BD-4A21-9983-8DA8308B9D80}"/>
+              </a:ext>
+            </a:extLst>
+          </p:cNvPr>
+          <p:cNvSpPr txBox="1"/>
+          <p:nvPr/>
+        </p:nvSpPr>
+        <p:spPr>
+          <a:xfrm>
+            <a:off x="745816" y="2142067"/>
+            <a:ext cx="5350184" cy="3649134"/>
+          </a:xfrm>
+          <a:prstGeom prst="rect">
+            <a:avLst/>
+          </a:prstGeom>
+          <a:ln w="57150">
+            <a:solidFill>
+              <a:schemeClr val="accent2"/>
+            </a:solidFill>
+            <a:prstDash val="sysDash"/>
+          </a:ln>
+        </p:spPr>
+        <p:txBody>
+          <a:bodyPr vert="horz" lIns="91440" tIns="45720" rIns="91440" bIns="45720" rtlCol="0" anchor="ctr">
+            <a:normAutofit/>
+          </a:bodyPr>
+          <a:lstStyle/>
+          <a:p>
+            <a:pPr>
+              <a:spcAft>
+                <a:spcPts val="1000"/>
+              </a:spcAft>
+              <a:buClr>
+                <a:schemeClr val="tx1"/>
+              </a:buClr>
+              <a:buSzPct val="100000"/>
+            </a:pPr>
+            <a:r>
+              <a:rPr lang="pt-PT"/>
+              <a:t>A secção utilizadores é composta por 3 tabelas principais, um </a:t>
+            </a:r>
+            <a:r>
+              <a:rPr lang="pt-PT" b="1" i="1" err="1"/>
+              <a:t>User</a:t>
+            </a:r>
+            <a:r>
+              <a:rPr lang="pt-PT"/>
+              <a:t> onde é guardada a informação base de um utilizador (password encriptada, nome de utilizador, email…), uma tabela com </a:t>
+            </a:r>
+            <a:r>
+              <a:rPr lang="pt-PT" b="1" i="1"/>
+              <a:t>as Roles de cada utilizador, </a:t>
+            </a:r>
+            <a:r>
+              <a:rPr lang="pt-PT"/>
+              <a:t>juntamente com a data em que as quais foram fornecidas e, por fim, uma tabela </a:t>
+            </a:r>
+            <a:r>
+              <a:rPr lang="pt-PT" b="1" i="1"/>
+              <a:t>Roles</a:t>
+            </a:r>
+            <a:r>
+              <a:rPr lang="pt-PT"/>
+              <a:t> que contém todos os tipos de roles e os dados que lhes são intrínsecos.</a:t>
+            </a:r>
+          </a:p>
+        </p:txBody>
+      </p:sp>
+      <p:pic>
+        <p:nvPicPr>
+          <p:cNvPr id="13" name="Imagem 12">
+            <a:extLst>
+              <a:ext uri="{FF2B5EF4-FFF2-40B4-BE49-F238E27FC236}">
+                <a16:creationId xmlns:a16="http://schemas.microsoft.com/office/drawing/2014/main" id="{E2FFA6D1-929D-463A-9F6A-8A287C9814C7}"/>
+              </a:ext>
+            </a:extLst>
+          </p:cNvPr>
+          <p:cNvPicPr>
+            <a:picLocks noChangeAspect="1"/>
+          </p:cNvPicPr>
+          <p:nvPr/>
+        </p:nvPicPr>
+        <p:blipFill>
+          <a:blip r:embed="rId2"/>
+          <a:stretch>
+            <a:fillRect/>
+          </a:stretch>
+        </p:blipFill>
+        <p:spPr>
+          <a:xfrm>
+            <a:off x="6668329" y="1337733"/>
+            <a:ext cx="4729344" cy="5225797"/>
+          </a:xfrm>
+          <a:prstGeom prst="rect">
+            <a:avLst/>
+          </a:prstGeom>
+          <a:noFill/>
+        </p:spPr>
+      </p:pic>
+    </p:spTree>
+    <p:extLst>
+      <p:ext uri="{BB962C8B-B14F-4D97-AF65-F5344CB8AC3E}">
+        <p14:creationId xmlns:p14="http://schemas.microsoft.com/office/powerpoint/2010/main" val="3471849520"/>
+      </p:ext>
+    </p:extLst>
+  </p:cSld>
+  <p:clrMapOvr>
+    <a:masterClrMapping/>
+  </p:clrMapOvr>
+</p:sld>
+</file>
+
+<file path=ppt/slides/slide6.xml><?xml version="1.0" encoding="utf-8"?>
+<p:sld xmlns:a="http://schemas.openxmlformats.org/drawingml/2006/main" xmlns:r="http://schemas.openxmlformats.org/officeDocument/2006/relationships" xmlns:p="http://schemas.openxmlformats.org/presentationml/2006/main">
+  <p:cSld>
+    <p:spTree>
+      <p:nvGrpSpPr>
+        <p:cNvPr id="1" name=""/>
+        <p:cNvGrpSpPr/>
+        <p:nvPr/>
+      </p:nvGrpSpPr>
+      <p:grpSpPr>
+        <a:xfrm>
+          <a:off x="0" y="0"/>
+          <a:ext cx="0" cy="0"/>
+          <a:chOff x="0" y="0"/>
+          <a:chExt cx="0" cy="0"/>
+        </a:xfrm>
+      </p:grpSpPr>
+      <p:sp>
+        <p:nvSpPr>
+          <p:cNvPr id="2" name="Título 1">
+            <a:extLst>
+              <a:ext uri="{FF2B5EF4-FFF2-40B4-BE49-F238E27FC236}">
+                <a16:creationId xmlns:a16="http://schemas.microsoft.com/office/drawing/2014/main" id="{18D7A0B0-7E0D-4DA2-8C43-C12F7E00F23B}"/>
+              </a:ext>
+            </a:extLst>
+          </p:cNvPr>
+          <p:cNvSpPr>
+            <a:spLocks noGrp="1"/>
+          </p:cNvSpPr>
+          <p:nvPr>
+            <p:ph type="title"/>
+          </p:nvPr>
+        </p:nvSpPr>
+        <p:spPr>
+          <a:xfrm>
+            <a:off x="685801" y="609600"/>
+            <a:ext cx="10131425" cy="1456267"/>
+          </a:xfrm>
+        </p:spPr>
+        <p:txBody>
+          <a:bodyPr vert="horz" lIns="91440" tIns="45720" rIns="91440" bIns="45720" rtlCol="0" anchor="ctr">
+            <a:normAutofit/>
+          </a:bodyPr>
+          <a:lstStyle/>
+          <a:p>
+            <a:r>
+              <a:rPr lang="pt-PT" kern="1200" cap="all">
+                <a:ln w="3175" cmpd="sng">
+                  <a:noFill/>
+                </a:ln>
+                <a:effectLst/>
+                <a:latin typeface="+mj-lt"/>
+                <a:ea typeface="+mj-ea"/>
+                <a:cs typeface="+mj-cs"/>
+              </a:rPr>
+              <a:t>Explicação geral da base de dados</a:t>
+            </a:r>
+            <a:br>
+              <a:rPr lang="pt-PT" kern="1200" cap="all">
+                <a:ln w="3175" cmpd="sng">
+                  <a:noFill/>
+                </a:ln>
+                <a:effectLst/>
+                <a:latin typeface="+mj-lt"/>
+                <a:ea typeface="+mj-ea"/>
+                <a:cs typeface="+mj-cs"/>
+              </a:rPr>
+            </a:br>
+            <a:r>
+              <a:rPr lang="pt-PT" b="1" kern="1200" cap="all">
+                <a:ln w="3175" cmpd="sng">
+                  <a:noFill/>
+                </a:ln>
+                <a:effectLst/>
+                <a:latin typeface="+mj-lt"/>
+                <a:ea typeface="+mj-ea"/>
+                <a:cs typeface="+mj-cs"/>
+              </a:rPr>
+              <a:t>PRODUTOS</a:t>
+            </a:r>
+          </a:p>
+        </p:txBody>
+      </p:sp>
+      <p:sp>
+        <p:nvSpPr>
+          <p:cNvPr id="4" name="CaixaDeTexto 3">
+            <a:extLst>
+              <a:ext uri="{FF2B5EF4-FFF2-40B4-BE49-F238E27FC236}">
+                <a16:creationId xmlns:a16="http://schemas.microsoft.com/office/drawing/2014/main" id="{3D8D5A72-74BD-4A21-9983-8DA8308B9D80}"/>
+              </a:ext>
+            </a:extLst>
+          </p:cNvPr>
+          <p:cNvSpPr txBox="1"/>
+          <p:nvPr/>
+        </p:nvSpPr>
+        <p:spPr>
+          <a:xfrm>
+            <a:off x="685802" y="2142067"/>
+            <a:ext cx="4995334" cy="3649134"/>
+          </a:xfrm>
+          <a:prstGeom prst="rect">
+            <a:avLst/>
+          </a:prstGeom>
+          <a:ln w="57150">
+            <a:solidFill>
+              <a:schemeClr val="accent4"/>
+            </a:solidFill>
+            <a:prstDash val="sysDash"/>
+          </a:ln>
+        </p:spPr>
+        <p:txBody>
+          <a:bodyPr vert="horz" lIns="91440" tIns="45720" rIns="91440" bIns="45720" rtlCol="0" anchor="ctr">
+            <a:normAutofit/>
+          </a:bodyPr>
+          <a:lstStyle/>
+          <a:p>
+            <a:pPr>
+              <a:lnSpc>
+                <a:spcPct val="90000"/>
+              </a:lnSpc>
+              <a:spcAft>
+                <a:spcPts val="1000"/>
+              </a:spcAft>
+              <a:buClr>
+                <a:schemeClr val="tx1"/>
+              </a:buClr>
+              <a:buSzPct val="100000"/>
+            </a:pPr>
+            <a:r>
+              <a:rPr lang="pt-PT"/>
+              <a:t>Esta secção é composta por 5 tabelas principais: a </a:t>
+            </a:r>
+            <a:r>
+              <a:rPr lang="pt-PT" b="1" i="1" err="1"/>
+              <a:t>Product</a:t>
+            </a:r>
+            <a:r>
+              <a:rPr lang="pt-PT" i="1"/>
+              <a:t>,</a:t>
+            </a:r>
+            <a:r>
+              <a:rPr lang="pt-PT"/>
+              <a:t> onde é guardada a informação base de um produto (nome, preço, stock); a </a:t>
+            </a:r>
+            <a:r>
+              <a:rPr lang="pt-PT" b="1" i="1"/>
+              <a:t>Empresa</a:t>
+            </a:r>
+            <a:r>
+              <a:rPr lang="pt-PT" i="1"/>
+              <a:t>,</a:t>
+            </a:r>
+            <a:r>
+              <a:rPr lang="pt-PT"/>
+              <a:t> onde é feita outra tabela que contem informação mais específica sobre a empresa em causa (nome, endereço, telefone …); a </a:t>
+            </a:r>
+            <a:r>
+              <a:rPr lang="pt-PT" b="1" i="1"/>
+              <a:t>Especificações</a:t>
+            </a:r>
+            <a:r>
+              <a:rPr lang="pt-PT"/>
+              <a:t> de um produto juntamente com uma tabela que ligue </a:t>
+            </a:r>
+            <a:r>
+              <a:rPr lang="pt-PT" i="1"/>
+              <a:t>n</a:t>
+            </a:r>
+            <a:r>
+              <a:rPr lang="pt-PT"/>
+              <a:t> especificações a </a:t>
+            </a:r>
+            <a:r>
+              <a:rPr lang="pt-PT" i="1"/>
+              <a:t>n </a:t>
+            </a:r>
+            <a:r>
+              <a:rPr lang="pt-PT"/>
+              <a:t>Produtos (visto que a mesma especificação pode ser transversal a vários produtos) uma tabela que guarde o </a:t>
+            </a:r>
+            <a:r>
+              <a:rPr lang="pt-PT" b="1" i="1"/>
+              <a:t>Histórico de Produtos </a:t>
+            </a:r>
+            <a:r>
+              <a:rPr lang="pt-PT"/>
+              <a:t>(que também tenha a data que foi modificado) e, por fim, os </a:t>
+            </a:r>
+            <a:r>
+              <a:rPr lang="pt-PT" b="1" i="1"/>
+              <a:t>Ratings</a:t>
+            </a:r>
+            <a:r>
+              <a:rPr lang="pt-PT"/>
+              <a:t> associados aos produtos.</a:t>
+            </a:r>
+          </a:p>
+        </p:txBody>
+      </p:sp>
+      <p:pic>
+        <p:nvPicPr>
+          <p:cNvPr id="14" name="Imagem 13">
+            <a:extLst>
+              <a:ext uri="{FF2B5EF4-FFF2-40B4-BE49-F238E27FC236}">
+                <a16:creationId xmlns:a16="http://schemas.microsoft.com/office/drawing/2014/main" id="{CF6FF171-E31F-4634-A7EC-7EA3F30D8B74}"/>
+              </a:ext>
+            </a:extLst>
+          </p:cNvPr>
+          <p:cNvPicPr>
+            <a:picLocks noChangeAspect="1"/>
+          </p:cNvPicPr>
+          <p:nvPr/>
+        </p:nvPicPr>
+        <p:blipFill>
+          <a:blip r:embed="rId2"/>
+          <a:stretch>
+            <a:fillRect/>
+          </a:stretch>
+        </p:blipFill>
+        <p:spPr>
+          <a:xfrm>
+            <a:off x="5914257" y="2328931"/>
+            <a:ext cx="5963705" cy="2817849"/>
+          </a:xfrm>
+          <a:prstGeom prst="rect">
+            <a:avLst/>
+          </a:prstGeom>
+          <a:noFill/>
+        </p:spPr>
+      </p:pic>
+    </p:spTree>
+    <p:extLst>
+      <p:ext uri="{BB962C8B-B14F-4D97-AF65-F5344CB8AC3E}">
+        <p14:creationId xmlns:p14="http://schemas.microsoft.com/office/powerpoint/2010/main" val="3078748198"/>
+      </p:ext>
+    </p:extLst>
+  </p:cSld>
+  <p:clrMapOvr>
+    <a:masterClrMapping/>
+  </p:clrMapOvr>
+</p:sld>
+</file>
+
+<file path=ppt/slides/slide7.xml><?xml version="1.0" encoding="utf-8"?>
+<p:sld xmlns:a="http://schemas.openxmlformats.org/drawingml/2006/main" xmlns:r="http://schemas.openxmlformats.org/officeDocument/2006/relationships" xmlns:p="http://schemas.openxmlformats.org/presentationml/2006/main">
+  <p:cSld>
+    <p:spTree>
+      <p:nvGrpSpPr>
+        <p:cNvPr id="1" name=""/>
+        <p:cNvGrpSpPr/>
+        <p:nvPr/>
+      </p:nvGrpSpPr>
+      <p:grpSpPr>
+        <a:xfrm>
+          <a:off x="0" y="0"/>
+          <a:ext cx="0" cy="0"/>
+          <a:chOff x="0" y="0"/>
+          <a:chExt cx="0" cy="0"/>
+        </a:xfrm>
+      </p:grpSpPr>
+      <p:sp>
+        <p:nvSpPr>
+          <p:cNvPr id="2" name="Título 1">
+            <a:extLst>
+              <a:ext uri="{FF2B5EF4-FFF2-40B4-BE49-F238E27FC236}">
+                <a16:creationId xmlns:a16="http://schemas.microsoft.com/office/drawing/2014/main" id="{18D7A0B0-7E0D-4DA2-8C43-C12F7E00F23B}"/>
+              </a:ext>
+            </a:extLst>
+          </p:cNvPr>
+          <p:cNvSpPr>
+            <a:spLocks noGrp="1"/>
+          </p:cNvSpPr>
+          <p:nvPr>
+            <p:ph type="title"/>
+          </p:nvPr>
+        </p:nvSpPr>
+        <p:spPr>
+          <a:xfrm>
+            <a:off x="685801" y="609600"/>
+            <a:ext cx="10131425" cy="1456267"/>
+          </a:xfrm>
+        </p:spPr>
+        <p:txBody>
+          <a:bodyPr vert="horz" lIns="91440" tIns="45720" rIns="91440" bIns="45720" rtlCol="0" anchor="ctr">
+            <a:normAutofit/>
+          </a:bodyPr>
+          <a:lstStyle/>
+          <a:p>
+            <a:r>
+              <a:rPr lang="pt-PT" kern="1200" cap="all">
+                <a:ln w="3175" cmpd="sng">
+                  <a:noFill/>
+                </a:ln>
+                <a:effectLst/>
+                <a:latin typeface="+mj-lt"/>
+                <a:ea typeface="+mj-ea"/>
+                <a:cs typeface="+mj-cs"/>
+              </a:rPr>
+              <a:t>Explicação geral da base de dados</a:t>
+            </a:r>
+            <a:br>
+              <a:rPr lang="pt-PT" kern="1200" cap="all">
+                <a:ln w="3175" cmpd="sng">
+                  <a:noFill/>
+                </a:ln>
+                <a:effectLst/>
+                <a:latin typeface="+mj-lt"/>
+                <a:ea typeface="+mj-ea"/>
+                <a:cs typeface="+mj-cs"/>
+              </a:rPr>
+            </a:br>
+            <a:r>
+              <a:rPr lang="pt-PT" b="1" kern="1200" cap="all">
+                <a:ln w="3175" cmpd="sng">
+                  <a:noFill/>
+                </a:ln>
+                <a:effectLst/>
+                <a:latin typeface="+mj-lt"/>
+                <a:ea typeface="+mj-ea"/>
+                <a:cs typeface="+mj-cs"/>
+              </a:rPr>
+              <a:t>THREADS</a:t>
+            </a:r>
+          </a:p>
+        </p:txBody>
+      </p:sp>
+      <p:sp>
+        <p:nvSpPr>
+          <p:cNvPr id="4" name="CaixaDeTexto 3">
+            <a:extLst>
+              <a:ext uri="{FF2B5EF4-FFF2-40B4-BE49-F238E27FC236}">
+                <a16:creationId xmlns:a16="http://schemas.microsoft.com/office/drawing/2014/main" id="{3D8D5A72-74BD-4A21-9983-8DA8308B9D80}"/>
+              </a:ext>
+            </a:extLst>
+          </p:cNvPr>
+          <p:cNvSpPr txBox="1"/>
+          <p:nvPr/>
+        </p:nvSpPr>
+        <p:spPr>
+          <a:xfrm>
+            <a:off x="685802" y="2142067"/>
+            <a:ext cx="4995334" cy="3649134"/>
+          </a:xfrm>
+          <a:prstGeom prst="rect">
+            <a:avLst/>
+          </a:prstGeom>
+          <a:ln w="57150">
+            <a:solidFill>
+              <a:srgbClr val="FF0000"/>
+            </a:solidFill>
+            <a:prstDash val="sysDash"/>
+          </a:ln>
+        </p:spPr>
+        <p:txBody>
+          <a:bodyPr vert="horz" lIns="91440" tIns="45720" rIns="91440" bIns="45720" rtlCol="0" anchor="ctr">
+            <a:normAutofit/>
+          </a:bodyPr>
+          <a:lstStyle/>
+          <a:p>
+            <a:pPr>
+              <a:spcAft>
+                <a:spcPts val="1000"/>
+              </a:spcAft>
+              <a:buClr>
+                <a:schemeClr val="tx1"/>
+              </a:buClr>
+              <a:buSzPct val="100000"/>
+            </a:pPr>
+            <a:r>
+              <a:rPr lang="pt-PT"/>
+              <a:t>A secção de</a:t>
+            </a:r>
+            <a:r>
+              <a:rPr lang="pt-PT" b="1" i="1"/>
+              <a:t> </a:t>
+            </a:r>
+            <a:r>
+              <a:rPr lang="pt-PT"/>
+              <a:t>Perguntas e respostas é composta por </a:t>
+            </a:r>
+            <a:r>
+              <a:rPr lang="pt-PT" b="1" i="1" err="1"/>
+              <a:t>Threads</a:t>
+            </a:r>
+            <a:r>
+              <a:rPr lang="pt-PT"/>
+              <a:t>, ou seja, uma área de discussão para </a:t>
+            </a:r>
+            <a:r>
+              <a:rPr lang="pt-PT" b="1" i="1"/>
+              <a:t>Responder</a:t>
+            </a:r>
+            <a:r>
+              <a:rPr lang="pt-PT"/>
+              <a:t> a uma pergunta principal (ou a outras respostas) juntamente com </a:t>
+            </a:r>
+            <a:r>
+              <a:rPr lang="pt-PT" b="1" i="1"/>
+              <a:t>Notificações</a:t>
+            </a:r>
+            <a:r>
+              <a:rPr lang="pt-PT"/>
+              <a:t> da mesma, que são guardadas para serem abertas por um </a:t>
+            </a:r>
+            <a:r>
+              <a:rPr lang="pt-PT" err="1"/>
+              <a:t>user</a:t>
+            </a:r>
+            <a:r>
+              <a:rPr lang="pt-PT"/>
+              <a:t>.</a:t>
+            </a:r>
+          </a:p>
+        </p:txBody>
+      </p:sp>
+      <p:pic>
+        <p:nvPicPr>
+          <p:cNvPr id="15" name="Imagem 14">
+            <a:extLst>
+              <a:ext uri="{FF2B5EF4-FFF2-40B4-BE49-F238E27FC236}">
+                <a16:creationId xmlns:a16="http://schemas.microsoft.com/office/drawing/2014/main" id="{AAAF4802-B731-4848-9E77-905E8161DC42}"/>
+              </a:ext>
+            </a:extLst>
+          </p:cNvPr>
+          <p:cNvPicPr>
+            <a:picLocks noChangeAspect="1"/>
+          </p:cNvPicPr>
+          <p:nvPr/>
+        </p:nvPicPr>
+        <p:blipFill>
+          <a:blip r:embed="rId2"/>
+          <a:stretch>
+            <a:fillRect/>
+          </a:stretch>
+        </p:blipFill>
+        <p:spPr>
+          <a:xfrm>
+            <a:off x="5913690" y="2515177"/>
+            <a:ext cx="6155971" cy="2908694"/>
+          </a:xfrm>
+          <a:prstGeom prst="rect">
+            <a:avLst/>
+          </a:prstGeom>
+          <a:noFill/>
+        </p:spPr>
+      </p:pic>
+    </p:spTree>
+    <p:extLst>
+      <p:ext uri="{BB962C8B-B14F-4D97-AF65-F5344CB8AC3E}">
+        <p14:creationId xmlns:p14="http://schemas.microsoft.com/office/powerpoint/2010/main" val="1688868661"/>
+      </p:ext>
+    </p:extLst>
+  </p:cSld>
+  <p:clrMapOvr>
+    <a:masterClrMapping/>
+  </p:clrMapOvr>
+</p:sld>
+</file>
+
+<file path=ppt/slides/slide8.xml><?xml version="1.0" encoding="utf-8"?>
+<p:sld xmlns:a="http://schemas.openxmlformats.org/drawingml/2006/main" xmlns:r="http://schemas.openxmlformats.org/officeDocument/2006/relationships" xmlns:p="http://schemas.openxmlformats.org/presentationml/2006/main">
+  <p:cSld>
+    <p:spTree>
+      <p:nvGrpSpPr>
+        <p:cNvPr id="1" name=""/>
+        <p:cNvGrpSpPr/>
+        <p:nvPr/>
+      </p:nvGrpSpPr>
+      <p:grpSpPr>
+        <a:xfrm>
+          <a:off x="0" y="0"/>
+          <a:ext cx="0" cy="0"/>
+          <a:chOff x="0" y="0"/>
+          <a:chExt cx="0" cy="0"/>
+        </a:xfrm>
+      </p:grpSpPr>
+      <p:sp>
+        <p:nvSpPr>
+          <p:cNvPr id="2" name="Título 1">
+            <a:extLst>
+              <a:ext uri="{FF2B5EF4-FFF2-40B4-BE49-F238E27FC236}">
+                <a16:creationId xmlns:a16="http://schemas.microsoft.com/office/drawing/2014/main" id="{18D7A0B0-7E0D-4DA2-8C43-C12F7E00F23B}"/>
+              </a:ext>
+            </a:extLst>
+          </p:cNvPr>
+          <p:cNvSpPr>
+            <a:spLocks noGrp="1"/>
+          </p:cNvSpPr>
+          <p:nvPr>
+            <p:ph type="title"/>
+          </p:nvPr>
+        </p:nvSpPr>
+        <p:spPr>
+          <a:xfrm>
+            <a:off x="685801" y="609600"/>
+            <a:ext cx="10131425" cy="1456267"/>
+          </a:xfrm>
+        </p:spPr>
+        <p:txBody>
+          <a:bodyPr vert="horz" lIns="91440" tIns="45720" rIns="91440" bIns="45720" rtlCol="0" anchor="ctr">
+            <a:normAutofit/>
+          </a:bodyPr>
+          <a:lstStyle/>
+          <a:p>
+            <a:r>
+              <a:rPr lang="pt-PT" b="0" kern="1200" cap="all">
+                <a:ln w="3175" cmpd="sng">
+                  <a:noFill/>
+                </a:ln>
+                <a:effectLst/>
+                <a:latin typeface="+mj-lt"/>
+                <a:ea typeface="+mj-ea"/>
+                <a:cs typeface="+mj-cs"/>
+              </a:rPr>
+              <a:t>Explicação geral da base de dados</a:t>
+            </a:r>
+            <a:br>
+              <a:rPr lang="pt-PT" b="0" kern="1200" cap="all">
+                <a:ln w="3175" cmpd="sng">
+                  <a:noFill/>
+                </a:ln>
+                <a:effectLst/>
+                <a:latin typeface="+mj-lt"/>
+                <a:ea typeface="+mj-ea"/>
+                <a:cs typeface="+mj-cs"/>
+              </a:rPr>
+            </a:br>
+            <a:r>
+              <a:rPr lang="pt-PT" b="0" kern="1200" cap="all">
+                <a:ln w="3175" cmpd="sng">
+                  <a:noFill/>
+                </a:ln>
+                <a:effectLst/>
+                <a:latin typeface="+mj-lt"/>
+                <a:ea typeface="+mj-ea"/>
+                <a:cs typeface="+mj-cs"/>
+              </a:rPr>
+              <a:t>ORDERS</a:t>
+            </a:r>
+          </a:p>
+        </p:txBody>
+      </p:sp>
+      <p:sp>
+        <p:nvSpPr>
+          <p:cNvPr id="4" name="CaixaDeTexto 3">
+            <a:extLst>
+              <a:ext uri="{FF2B5EF4-FFF2-40B4-BE49-F238E27FC236}">
+                <a16:creationId xmlns:a16="http://schemas.microsoft.com/office/drawing/2014/main" id="{3D8D5A72-74BD-4A21-9983-8DA8308B9D80}"/>
+              </a:ext>
+            </a:extLst>
+          </p:cNvPr>
+          <p:cNvSpPr txBox="1"/>
+          <p:nvPr/>
+        </p:nvSpPr>
+        <p:spPr>
+          <a:xfrm>
+            <a:off x="685802" y="2142067"/>
+            <a:ext cx="4995334" cy="3649134"/>
+          </a:xfrm>
+          <a:prstGeom prst="rect">
+            <a:avLst/>
+          </a:prstGeom>
+          <a:ln w="57150">
+            <a:solidFill>
+              <a:schemeClr val="accent5"/>
+            </a:solidFill>
+            <a:prstDash val="sysDash"/>
+          </a:ln>
+        </p:spPr>
+        <p:txBody>
+          <a:bodyPr vert="horz" lIns="91440" tIns="45720" rIns="91440" bIns="45720" rtlCol="0" anchor="ctr">
+            <a:normAutofit/>
+          </a:bodyPr>
+          <a:lstStyle/>
+          <a:p>
+            <a:pPr>
+              <a:spcAft>
+                <a:spcPts val="1000"/>
+              </a:spcAft>
+              <a:buClr>
+                <a:schemeClr val="tx1"/>
+              </a:buClr>
+              <a:buSzPct val="100000"/>
+            </a:pPr>
+            <a:r>
+              <a:rPr lang="pt-PT"/>
+              <a:t>Finalmente, temos a secção de pedidos de produtos, onde são guardadas as </a:t>
+            </a:r>
+            <a:r>
+              <a:rPr lang="pt-PT" b="1" i="1" err="1"/>
+              <a:t>Orders</a:t>
+            </a:r>
+            <a:r>
+              <a:rPr lang="pt-PT" b="1" i="1"/>
+              <a:t> </a:t>
+            </a:r>
+            <a:r>
+              <a:rPr lang="pt-PT"/>
+              <a:t>feitas por utilizadores que contêm diversos produtos, juntamente com a data, preço total e o seu estado. </a:t>
+            </a:r>
+          </a:p>
+        </p:txBody>
+      </p:sp>
+      <p:pic>
+        <p:nvPicPr>
+          <p:cNvPr id="7" name="Imagem 6">
+            <a:extLst>
+              <a:ext uri="{FF2B5EF4-FFF2-40B4-BE49-F238E27FC236}">
+                <a16:creationId xmlns:a16="http://schemas.microsoft.com/office/drawing/2014/main" id="{DE224EF1-5B13-414E-9581-C325D2534D3D}"/>
+              </a:ext>
+            </a:extLst>
+          </p:cNvPr>
+          <p:cNvPicPr>
+            <a:picLocks noChangeAspect="1"/>
+          </p:cNvPicPr>
+          <p:nvPr/>
+        </p:nvPicPr>
+        <p:blipFill>
+          <a:blip r:embed="rId2"/>
+          <a:stretch>
+            <a:fillRect/>
+          </a:stretch>
+        </p:blipFill>
+        <p:spPr>
+          <a:xfrm>
+            <a:off x="6096000" y="2314009"/>
+            <a:ext cx="5684303" cy="3240051"/>
+          </a:xfrm>
+          <a:prstGeom prst="rect">
+            <a:avLst/>
+          </a:prstGeom>
+          <a:noFill/>
+        </p:spPr>
+      </p:pic>
+    </p:spTree>
+    <p:extLst>
+      <p:ext uri="{BB962C8B-B14F-4D97-AF65-F5344CB8AC3E}">
+        <p14:creationId xmlns:p14="http://schemas.microsoft.com/office/powerpoint/2010/main" val="3780531611"/>
+      </p:ext>
+    </p:extLst>
+  </p:cSld>
+  <p:clrMapOvr>
+    <a:masterClrMapping/>
+  </p:clrMapOvr>
+</p:sld>
+</file>
+
+<file path=ppt/slides/slide9.xml><?xml version="1.0" encoding="utf-8"?>
+<p:sld xmlns:a="http://schemas.openxmlformats.org/drawingml/2006/main" xmlns:r="http://schemas.openxmlformats.org/officeDocument/2006/relationships" xmlns:p="http://schemas.openxmlformats.org/presentationml/2006/main">
+  <p:cSld>
+    <p:spTree>
+      <p:nvGrpSpPr>
+        <p:cNvPr id="1" name=""/>
+        <p:cNvGrpSpPr/>
+        <p:nvPr/>
+      </p:nvGrpSpPr>
+      <p:grpSpPr>
+        <a:xfrm>
+          <a:off x="0" y="0"/>
+          <a:ext cx="0" cy="0"/>
+          <a:chOff x="0" y="0"/>
+          <a:chExt cx="0" cy="0"/>
+        </a:xfrm>
+      </p:grpSpPr>
+      <p:sp>
+        <p:nvSpPr>
+          <p:cNvPr id="2" name="Título 1">
+            <a:extLst>
+              <a:ext uri="{FF2B5EF4-FFF2-40B4-BE49-F238E27FC236}">
+                <a16:creationId xmlns:a16="http://schemas.microsoft.com/office/drawing/2014/main" id="{E3FA9041-FFBD-4AEB-8BB2-193758754592}"/>
+              </a:ext>
+            </a:extLst>
+          </p:cNvPr>
+          <p:cNvSpPr>
+            <a:spLocks noGrp="1"/>
+          </p:cNvSpPr>
+          <p:nvPr>
+            <p:ph type="title"/>
+          </p:nvPr>
+        </p:nvSpPr>
+        <p:spPr>
+          <a:xfrm>
+            <a:off x="685801" y="139582"/>
+            <a:ext cx="10131425" cy="1456267"/>
+          </a:xfrm>
+        </p:spPr>
+        <p:txBody>
+          <a:bodyPr/>
+          <a:lstStyle/>
+          <a:p>
+            <a:r>
+              <a:rPr lang="pt-PT"/>
+              <a:t>Juntos formam O MODELO ER</a:t>
+            </a:r>
+          </a:p>
+        </p:txBody>
+      </p:sp>
+      <p:sp>
+        <p:nvSpPr>
+          <p:cNvPr id="3" name="Marcador de Posição de Conteúdo 2">
+            <a:extLst>
+              <a:ext uri="{FF2B5EF4-FFF2-40B4-BE49-F238E27FC236}">
+                <a16:creationId xmlns:a16="http://schemas.microsoft.com/office/drawing/2014/main" id="{ED276C41-BCBE-4755-ABC7-54FF27194ABD}"/>
+              </a:ext>
+            </a:extLst>
+          </p:cNvPr>
+          <p:cNvSpPr>
+            <a:spLocks noGrp="1"/>
+          </p:cNvSpPr>
+          <p:nvPr>
+            <p:ph sz="half" idx="1"/>
+          </p:nvPr>
+        </p:nvSpPr>
+        <p:spPr/>
+        <p:txBody>
+          <a:bodyPr/>
+          <a:lstStyle/>
+          <a:p>
+            <a:r>
+              <a:rPr lang="pt-PT"/>
+              <a:t>*imagem do modelo completo*</a:t>
+            </a:r>
+          </a:p>
+        </p:txBody>
+      </p:sp>
+      <p:sp>
+        <p:nvSpPr>
+          <p:cNvPr id="4" name="Marcador de Posição de Conteúdo 3">
+            <a:extLst>
+              <a:ext uri="{FF2B5EF4-FFF2-40B4-BE49-F238E27FC236}">
+                <a16:creationId xmlns:a16="http://schemas.microsoft.com/office/drawing/2014/main" id="{C6A9209E-ACD5-4C9B-8941-FE58363887E1}"/>
+              </a:ext>
+            </a:extLst>
+          </p:cNvPr>
+          <p:cNvSpPr>
+            <a:spLocks noGrp="1"/>
+          </p:cNvSpPr>
+          <p:nvPr>
+            <p:ph sz="half" idx="2"/>
+          </p:nvPr>
+        </p:nvSpPr>
+        <p:spPr/>
+        <p:txBody>
+          <a:bodyPr/>
+          <a:lstStyle/>
+          <a:p>
+            <a:endParaRPr lang="pt-PT"/>
+          </a:p>
+        </p:txBody>
+      </p:sp>
+      <p:pic>
+        <p:nvPicPr>
+          <p:cNvPr id="6" name="Imagem 5">
+            <a:extLst>
+              <a:ext uri="{FF2B5EF4-FFF2-40B4-BE49-F238E27FC236}">
+                <a16:creationId xmlns:a16="http://schemas.microsoft.com/office/drawing/2014/main" id="{81F9ACF7-2484-4C9B-8467-0172B12DAAB5}"/>
+              </a:ext>
+            </a:extLst>
+          </p:cNvPr>
+          <p:cNvPicPr>
+            <a:picLocks noChangeAspect="1"/>
+          </p:cNvPicPr>
+          <p:nvPr/>
+        </p:nvPicPr>
+        <p:blipFill>
+          <a:blip r:embed="rId2"/>
+          <a:stretch>
+            <a:fillRect/>
+          </a:stretch>
+        </p:blipFill>
+        <p:spPr>
+          <a:xfrm>
+            <a:off x="88824" y="1568775"/>
+            <a:ext cx="12014351" cy="4795715"/>
+          </a:xfrm>
+          <a:prstGeom prst="rect">
+            <a:avLst/>
+          </a:prstGeom>
+        </p:spPr>
+      </p:pic>
+    </p:spTree>
+    <p:extLst>
+      <p:ext uri="{BB962C8B-B14F-4D97-AF65-F5344CB8AC3E}">
+        <p14:creationId xmlns:p14="http://schemas.microsoft.com/office/powerpoint/2010/main" val="139275596"/>
       </p:ext>
     </p:extLst>
   </p:cSld>
@@ -21025,14 +22179,6 @@
 </file>
 
 <file path=customXml/item2.xml><?xml version="1.0" encoding="utf-8"?>
-<p:properties xmlns:p="http://schemas.microsoft.com/office/2006/metadata/properties" xmlns:xsi="http://www.w3.org/2001/XMLSchema-instance" xmlns:pc="http://schemas.microsoft.com/office/infopath/2007/PartnerControls">
-  <documentManagement>
-    <MediaServiceKeyPoints xmlns="eadd18a0-b79f-4092-be33-0b324616ec8b" xsi:nil="true"/>
-  </documentManagement>
-</p:properties>
-</file>
-
-<file path=customXml/item3.xml><?xml version="1.0" encoding="utf-8"?>
 <ct:contentTypeSchema xmlns:ct="http://schemas.microsoft.com/office/2006/metadata/contentType" xmlns:ma="http://schemas.microsoft.com/office/2006/metadata/properties/metaAttributes" ct:_="" ma:_="" ma:contentTypeName="Documento" ma:contentTypeID="0x0101006E0DC1A12F3C8C4193A9BC58026E2129" ma:contentTypeVersion="11" ma:contentTypeDescription="Criar um novo documento." ma:contentTypeScope="" ma:versionID="ccd5ed97977f99c7ab1643cfa5a9b0a8">
   <xsd:schema xmlns:xsd="http://www.w3.org/2001/XMLSchema" xmlns:xs="http://www.w3.org/2001/XMLSchema" xmlns:p="http://schemas.microsoft.com/office/2006/metadata/properties" xmlns:ns3="eadd18a0-b79f-4092-be33-0b324616ec8b" targetNamespace="http://schemas.microsoft.com/office/2006/metadata/properties" ma:root="true" ma:fieldsID="f882415be22080bf720e4084a7789ecc" ns3:_="">
     <xsd:import namespace="eadd18a0-b79f-4092-be33-0b324616ec8b"/>
@@ -21222,6 +22368,14 @@
 </ct:contentTypeSchema>
 </file>
 
+<file path=customXml/item3.xml><?xml version="1.0" encoding="utf-8"?>
+<p:properties xmlns:p="http://schemas.microsoft.com/office/2006/metadata/properties" xmlns:xsi="http://www.w3.org/2001/XMLSchema-instance" xmlns:pc="http://schemas.microsoft.com/office/infopath/2007/PartnerControls">
+  <documentManagement>
+    <MediaServiceKeyPoints xmlns="eadd18a0-b79f-4092-be33-0b324616ec8b" xsi:nil="true"/>
+  </documentManagement>
+</p:properties>
+</file>
+
 <file path=customXml/itemProps1.xml><?xml version="1.0" encoding="utf-8"?>
 <ds:datastoreItem xmlns:ds="http://schemas.openxmlformats.org/officeDocument/2006/customXml" ds:itemID="{A0D51BCB-0419-432E-B7F1-25548446A625}">
   <ds:schemaRefs>
@@ -21231,35 +22385,35 @@
 </file>
 
 <file path=customXml/itemProps2.xml><?xml version="1.0" encoding="utf-8"?>
-<ds:datastoreItem xmlns:ds="http://schemas.openxmlformats.org/officeDocument/2006/customXml" ds:itemID="{1F08B90B-70ED-4539-9C14-FB2728D9064F}">
+<ds:datastoreItem xmlns:ds="http://schemas.openxmlformats.org/officeDocument/2006/customXml" ds:itemID="{AE0632C2-06E4-4B3C-B1DE-703B77CC218D}">
   <ds:schemaRefs>
+    <ds:schemaRef ds:uri="eadd18a0-b79f-4092-be33-0b324616ec8b"/>
+    <ds:schemaRef ds:uri="http://purl.org/dc/elements/1.1/"/>
     <ds:schemaRef ds:uri="http://purl.org/dc/terms/"/>
-    <ds:schemaRef ds:uri="eadd18a0-b79f-4092-be33-0b324616ec8b"/>
-    <ds:schemaRef ds:uri="http://purl.org/dc/dcmitype/"/>
+    <ds:schemaRef ds:uri="http://schemas.microsoft.com/internal/obd"/>
+    <ds:schemaRef ds:uri="http://schemas.microsoft.com/office/2006/documentManagement/types"/>
+    <ds:schemaRef ds:uri="http://schemas.microsoft.com/office/2006/metadata/contentType"/>
+    <ds:schemaRef ds:uri="http://schemas.microsoft.com/office/2006/metadata/properties"/>
+    <ds:schemaRef ds:uri="http://schemas.microsoft.com/office/2006/metadata/properties/metaAttributes"/>
     <ds:schemaRef ds:uri="http://schemas.microsoft.com/office/infopath/2007/PartnerControls"/>
-    <ds:schemaRef ds:uri="http://schemas.microsoft.com/office/2006/documentManagement/types"/>
     <ds:schemaRef ds:uri="http://schemas.openxmlformats.org/package/2006/metadata/core-properties"/>
-    <ds:schemaRef ds:uri="http://purl.org/dc/elements/1.1/"/>
-    <ds:schemaRef ds:uri="http://schemas.microsoft.com/office/2006/metadata/properties"/>
-    <ds:schemaRef ds:uri="http://www.w3.org/XML/1998/namespace"/>
+    <ds:schemaRef ds:uri="http://www.w3.org/2001/XMLSchema"/>
   </ds:schemaRefs>
 </ds:datastoreItem>
 </file>
 
 <file path=customXml/itemProps3.xml><?xml version="1.0" encoding="utf-8"?>
-<ds:datastoreItem xmlns:ds="http://schemas.openxmlformats.org/officeDocument/2006/customXml" ds:itemID="{AE0632C2-06E4-4B3C-B1DE-703B77CC218D}">
+<ds:datastoreItem xmlns:ds="http://schemas.openxmlformats.org/officeDocument/2006/customXml" ds:itemID="{1F08B90B-70ED-4539-9C14-FB2728D9064F}">
   <ds:schemaRefs>
-    <ds:schemaRef ds:uri="http://schemas.microsoft.com/office/2006/metadata/contentType"/>
-    <ds:schemaRef ds:uri="http://schemas.microsoft.com/office/2006/metadata/properties/metaAttributes"/>
-    <ds:schemaRef ds:uri="http://www.w3.org/2001/XMLSchema"/>
+    <ds:schemaRef ds:uri="http://schemas.microsoft.com/office/2006/documentManagement/types"/>
+    <ds:schemaRef ds:uri="http://purl.org/dc/dcmitype/"/>
     <ds:schemaRef ds:uri="http://schemas.microsoft.com/office/2006/metadata/properties"/>
-    <ds:schemaRef ds:uri="eadd18a0-b79f-4092-be33-0b324616ec8b"/>
-    <ds:schemaRef ds:uri="http://schemas.microsoft.com/office/2006/documentManagement/types"/>
+    <ds:schemaRef ds:uri="http://purl.org/dc/elements/1.1/"/>
     <ds:schemaRef ds:uri="http://schemas.microsoft.com/office/infopath/2007/PartnerControls"/>
     <ds:schemaRef ds:uri="http://schemas.openxmlformats.org/package/2006/metadata/core-properties"/>
-    <ds:schemaRef ds:uri="http://purl.org/dc/elements/1.1/"/>
+    <ds:schemaRef ds:uri="eadd18a0-b79f-4092-be33-0b324616ec8b"/>
+    <ds:schemaRef ds:uri="http://www.w3.org/XML/1998/namespace"/>
     <ds:schemaRef ds:uri="http://purl.org/dc/terms/"/>
-    <ds:schemaRef ds:uri="http://schemas.microsoft.com/internal/obd"/>
   </ds:schemaRefs>
 </ds:datastoreItem>
 </file>
--- a/Trabalho prático.pptx
+++ b/Trabalho prático.pptx
@@ -3295,7 +3295,7 @@
             <a:pPr rtl="0"/>
             <a:fld id="{4F0CA431-7F0F-451E-87BF-573BA966B2C1}" type="datetime1">
               <a:rPr lang="pt-PT" smtClean="0"/>
-              <a:t>23/03/2022</a:t>
+              <a:t>24/03/2022</a:t>
             </a:fld>
             <a:endParaRPr lang="pt-PT"/>
           </a:p>
@@ -3477,7 +3477,7 @@
             <a:fld id="{DD843740-0000-40E5-8C98-29C8101FFDB8}" type="datetime1">
               <a:rPr lang="pt-PT" smtClean="0"/>
               <a:pPr/>
-              <a:t>23/03/2022</a:t>
+              <a:t>24/03/2022</a:t>
             </a:fld>
             <a:endParaRPr lang="pt-PT"/>
           </a:p>
@@ -4236,7 +4236,7 @@
             <a:pPr rtl="0"/>
             <a:fld id="{629A61C5-9472-4BE4-BF9D-AAD79B0164EF}" type="datetime1">
               <a:rPr lang="pt-PT" noProof="0" smtClean="0"/>
-              <a:t>23/03/2022</a:t>
+              <a:t>24/03/2022</a:t>
             </a:fld>
             <a:endParaRPr lang="pt-PT" noProof="0"/>
           </a:p>
@@ -4574,7 +4574,7 @@
             <a:pPr rtl="0"/>
             <a:fld id="{11ED9F09-46FA-44E8-B897-84EA63CBD209}" type="datetime1">
               <a:rPr lang="pt-PT" noProof="0" smtClean="0"/>
-              <a:t>23/03/2022</a:t>
+              <a:t>24/03/2022</a:t>
             </a:fld>
             <a:endParaRPr lang="pt-PT" noProof="0"/>
           </a:p>
@@ -4856,7 +4856,7 @@
             <a:pPr rtl="0"/>
             <a:fld id="{B30FD4AA-7DE7-4151-8F4D-91AF9EF87CA6}" type="datetime1">
               <a:rPr lang="pt-PT" noProof="0" smtClean="0"/>
-              <a:t>23/03/2022</a:t>
+              <a:t>24/03/2022</a:t>
             </a:fld>
             <a:endParaRPr lang="pt-PT" noProof="0"/>
           </a:p>
@@ -5428,7 +5428,7 @@
             <a:pPr rtl="0"/>
             <a:fld id="{73C912A5-E42D-4FA6-8374-37272029EF41}" type="datetime1">
               <a:rPr lang="pt-PT" noProof="0" smtClean="0"/>
-              <a:t>23/03/2022</a:t>
+              <a:t>24/03/2022</a:t>
             </a:fld>
             <a:endParaRPr lang="pt-PT" noProof="0"/>
           </a:p>
@@ -5710,7 +5710,7 @@
             <a:pPr rtl="0"/>
             <a:fld id="{E0EF203A-6E22-485D-AA90-7BDFC2DD93F6}" type="datetime1">
               <a:rPr lang="pt-PT" noProof="0" smtClean="0"/>
-              <a:t>23/03/2022</a:t>
+              <a:t>24/03/2022</a:t>
             </a:fld>
             <a:endParaRPr lang="pt-PT" noProof="0"/>
           </a:p>
@@ -6276,7 +6276,7 @@
             <a:pPr rtl="0"/>
             <a:fld id="{318D837C-E9F2-4574-8202-B239DC4D3ADB}" type="datetime1">
               <a:rPr lang="pt-PT" noProof="0" smtClean="0"/>
-              <a:t>23/03/2022</a:t>
+              <a:t>24/03/2022</a:t>
             </a:fld>
             <a:endParaRPr lang="pt-PT" noProof="0"/>
           </a:p>
@@ -6606,7 +6606,7 @@
             <a:pPr rtl="0"/>
             <a:fld id="{88B3D4A5-BBB7-4963-A327-84B3D0C26BA9}" type="datetime1">
               <a:rPr lang="pt-PT" noProof="0" smtClean="0"/>
-              <a:t>23/03/2022</a:t>
+              <a:t>24/03/2022</a:t>
             </a:fld>
             <a:endParaRPr lang="pt-PT" noProof="0"/>
           </a:p>
@@ -6814,7 +6814,7 @@
             <a:pPr rtl="0"/>
             <a:fld id="{ED4FF7F9-1D88-4D9C-8A1B-0C70CFA11635}" type="datetime1">
               <a:rPr lang="pt-PT" noProof="0" smtClean="0"/>
-              <a:t>23/03/2022</a:t>
+              <a:t>24/03/2022</a:t>
             </a:fld>
             <a:endParaRPr lang="pt-PT" noProof="0"/>
           </a:p>
@@ -7026,7 +7026,7 @@
             <a:pPr rtl="0"/>
             <a:fld id="{C1824A14-7316-4607-93C8-7624B6795711}" type="datetime1">
               <a:rPr lang="pt-PT" noProof="0" smtClean="0"/>
-              <a:t>23/03/2022</a:t>
+              <a:t>24/03/2022</a:t>
             </a:fld>
             <a:endParaRPr lang="pt-PT" noProof="0"/>
           </a:p>
@@ -7228,7 +7228,7 @@
             <a:pPr rtl="0"/>
             <a:fld id="{36142FC6-D8E8-4706-AF05-EF6079BBA0F4}" type="datetime1">
               <a:rPr lang="pt-PT" noProof="0" smtClean="0"/>
-              <a:t>23/03/2022</a:t>
+              <a:t>24/03/2022</a:t>
             </a:fld>
             <a:endParaRPr lang="pt-PT" noProof="0"/>
           </a:p>
@@ -7507,7 +7507,7 @@
             <a:pPr rtl="0"/>
             <a:fld id="{CC8DEDDD-06E2-46A0-B2C3-B5671A13AA3E}" type="datetime1">
               <a:rPr lang="pt-PT" noProof="0" smtClean="0"/>
-              <a:t>23/03/2022</a:t>
+              <a:t>24/03/2022</a:t>
             </a:fld>
             <a:endParaRPr lang="pt-PT" noProof="0"/>
           </a:p>
@@ -7775,7 +7775,7 @@
             <a:pPr rtl="0"/>
             <a:fld id="{FB0DCCDA-DBFB-4682-9796-AA2FEB075073}" type="datetime1">
               <a:rPr lang="pt-PT" noProof="0" smtClean="0"/>
-              <a:t>23/03/2022</a:t>
+              <a:t>24/03/2022</a:t>
             </a:fld>
             <a:endParaRPr lang="pt-PT" noProof="0"/>
           </a:p>
@@ -8150,7 +8150,7 @@
             <a:pPr rtl="0"/>
             <a:fld id="{C14C8A9B-DB4A-423D-8951-131D49731D01}" type="datetime1">
               <a:rPr lang="pt-PT" noProof="0" smtClean="0"/>
-              <a:t>23/03/2022</a:t>
+              <a:t>24/03/2022</a:t>
             </a:fld>
             <a:endParaRPr lang="pt-PT" noProof="0"/>
           </a:p>
@@ -8301,7 +8301,7 @@
             <a:pPr rtl="0"/>
             <a:fld id="{87389B67-3430-4A0A-A0B8-5B15F1047E1F}" type="datetime1">
               <a:rPr lang="pt-PT" noProof="0" smtClean="0"/>
-              <a:t>23/03/2022</a:t>
+              <a:t>24/03/2022</a:t>
             </a:fld>
             <a:endParaRPr lang="pt-PT" noProof="0"/>
           </a:p>
@@ -8429,7 +8429,7 @@
             <a:pPr rtl="0"/>
             <a:fld id="{E5C803D9-758B-4736-8B16-02F78FEDE812}" type="datetime1">
               <a:rPr lang="pt-PT" noProof="0" smtClean="0"/>
-              <a:t>23/03/2022</a:t>
+              <a:t>24/03/2022</a:t>
             </a:fld>
             <a:endParaRPr lang="pt-PT" noProof="0"/>
           </a:p>
@@ -8716,7 +8716,7 @@
             <a:pPr rtl="0"/>
             <a:fld id="{B2C05C71-5A01-4F58-A5E6-03FF61EF34BC}" type="datetime1">
               <a:rPr lang="pt-PT" noProof="0" smtClean="0"/>
-              <a:t>23/03/2022</a:t>
+              <a:t>24/03/2022</a:t>
             </a:fld>
             <a:endParaRPr lang="pt-PT" noProof="0"/>
           </a:p>
@@ -9044,7 +9044,7 @@
             <a:pPr rtl="0"/>
             <a:fld id="{65CA4D21-4D48-4BAD-8558-79A5A4794CEA}" type="datetime1">
               <a:rPr lang="pt-PT" noProof="0" smtClean="0"/>
-              <a:t>23/03/2022</a:t>
+              <a:t>24/03/2022</a:t>
             </a:fld>
             <a:endParaRPr lang="pt-PT" noProof="0"/>
           </a:p>
@@ -9261,7 +9261,7 @@
             <a:pPr rtl="0"/>
             <a:fld id="{8D66683A-CCB2-465E-B82E-D9D6CB145A16}" type="datetime1">
               <a:rPr lang="pt-PT" noProof="0" smtClean="0"/>
-              <a:t>23/03/2022</a:t>
+              <a:t>24/03/2022</a:t>
             </a:fld>
             <a:endParaRPr lang="pt-PT" noProof="0"/>
           </a:p>
@@ -10056,10 +10056,10 @@
       </p:sp>
       <p:pic>
         <p:nvPicPr>
-          <p:cNvPr id="6" name="Imagem 5">
+          <p:cNvPr id="7" name="Imagem 6">
             <a:extLst>
               <a:ext uri="{FF2B5EF4-FFF2-40B4-BE49-F238E27FC236}">
-                <a16:creationId xmlns:a16="http://schemas.microsoft.com/office/drawing/2014/main" id="{5BB9DC8E-8A6F-4C19-8489-40048B790B1A}"/>
+                <a16:creationId xmlns:a16="http://schemas.microsoft.com/office/drawing/2014/main" id="{269A7245-5524-4858-ADCA-17F5F5FEDA2C}"/>
               </a:ext>
             </a:extLst>
           </p:cNvPr>
@@ -10076,8 +10076,8 @@
         </p:blipFill>
         <p:spPr>
           <a:xfrm>
-            <a:off x="588367" y="1066799"/>
-            <a:ext cx="10874867" cy="5449531"/>
+            <a:off x="0" y="811436"/>
+            <a:ext cx="12192000" cy="5235127"/>
           </a:xfrm>
           <a:prstGeom prst="rect">
             <a:avLst/>
@@ -20738,10 +20738,10 @@
       </p:sp>
       <p:pic>
         <p:nvPicPr>
-          <p:cNvPr id="14" name="Imagem 13">
+          <p:cNvPr id="5" name="Imagem 4">
             <a:extLst>
               <a:ext uri="{FF2B5EF4-FFF2-40B4-BE49-F238E27FC236}">
-                <a16:creationId xmlns:a16="http://schemas.microsoft.com/office/drawing/2014/main" id="{CF6FF171-E31F-4634-A7EC-7EA3F30D8B74}"/>
+                <a16:creationId xmlns:a16="http://schemas.microsoft.com/office/drawing/2014/main" id="{557B73B0-5299-4717-BDA3-5C24B93C2FE5}"/>
               </a:ext>
             </a:extLst>
           </p:cNvPr>
@@ -20758,13 +20758,12 @@
         </p:blipFill>
         <p:spPr>
           <a:xfrm>
-            <a:off x="5914257" y="2328931"/>
-            <a:ext cx="5963705" cy="2817849"/>
+            <a:off x="5899716" y="2576052"/>
+            <a:ext cx="6022866" cy="2733236"/>
           </a:xfrm>
           <a:prstGeom prst="rect">
             <a:avLst/>
           </a:prstGeom>
-          <a:noFill/>
         </p:spPr>
       </p:pic>
     </p:spTree>
@@ -21262,44 +21261,21 @@
           </a:p>
         </p:txBody>
       </p:sp>
-      <p:sp>
-        <p:nvSpPr>
-          <p:cNvPr id="4" name="Marcador de Posição de Conteúdo 3">
+      <p:pic>
+        <p:nvPicPr>
+          <p:cNvPr id="7" name="Marcador de Posição de Conteúdo 6">
             <a:extLst>
               <a:ext uri="{FF2B5EF4-FFF2-40B4-BE49-F238E27FC236}">
-                <a16:creationId xmlns:a16="http://schemas.microsoft.com/office/drawing/2014/main" id="{C6A9209E-ACD5-4C9B-8941-FE58363887E1}"/>
-              </a:ext>
-            </a:extLst>
-          </p:cNvPr>
-          <p:cNvSpPr>
-            <a:spLocks noGrp="1"/>
-          </p:cNvSpPr>
-          <p:nvPr>
-            <p:ph sz="half" idx="2"/>
-          </p:nvPr>
-        </p:nvSpPr>
-        <p:spPr/>
-        <p:txBody>
-          <a:bodyPr/>
-          <a:lstStyle/>
-          <a:p>
-            <a:endParaRPr lang="pt-PT"/>
-          </a:p>
-        </p:txBody>
-      </p:sp>
-      <p:pic>
-        <p:nvPicPr>
-          <p:cNvPr id="6" name="Imagem 5">
-            <a:extLst>
-              <a:ext uri="{FF2B5EF4-FFF2-40B4-BE49-F238E27FC236}">
-                <a16:creationId xmlns:a16="http://schemas.microsoft.com/office/drawing/2014/main" id="{81F9ACF7-2484-4C9B-8467-0172B12DAAB5}"/>
+                <a16:creationId xmlns:a16="http://schemas.microsoft.com/office/drawing/2014/main" id="{FB467836-F218-4C9D-B8A5-8177D226CBE4}"/>
               </a:ext>
             </a:extLst>
           </p:cNvPr>
           <p:cNvPicPr>
-            <a:picLocks noChangeAspect="1"/>
+            <a:picLocks noGrp="1" noChangeAspect="1"/>
           </p:cNvPicPr>
-          <p:nvPr/>
+          <p:nvPr>
+            <p:ph sz="half" idx="2"/>
+          </p:nvPr>
         </p:nvPicPr>
         <p:blipFill>
           <a:blip r:embed="rId2"/>
@@ -21309,12 +21285,9 @@
         </p:blipFill>
         <p:spPr>
           <a:xfrm>
-            <a:off x="88824" y="1568775"/>
-            <a:ext cx="12014351" cy="4795715"/>
+            <a:off x="151178" y="1510224"/>
+            <a:ext cx="11836086" cy="4507117"/>
           </a:xfrm>
-          <a:prstGeom prst="rect">
-            <a:avLst/>
-          </a:prstGeom>
         </p:spPr>
       </p:pic>
     </p:spTree>
@@ -22170,15 +22143,6 @@
 </file>
 
 <file path=customXml/item1.xml><?xml version="1.0" encoding="utf-8"?>
-<?mso-contentType ?>
-<FormTemplates xmlns="http://schemas.microsoft.com/sharepoint/v3/contenttype/forms">
-  <Display>DocumentLibraryForm</Display>
-  <Edit>DocumentLibraryForm</Edit>
-  <New>DocumentLibraryForm</New>
-</FormTemplates>
-</file>
-
-<file path=customXml/item2.xml><?xml version="1.0" encoding="utf-8"?>
 <ct:contentTypeSchema xmlns:ct="http://schemas.microsoft.com/office/2006/metadata/contentType" xmlns:ma="http://schemas.microsoft.com/office/2006/metadata/properties/metaAttributes" ct:_="" ma:_="" ma:contentTypeName="Documento" ma:contentTypeID="0x0101006E0DC1A12F3C8C4193A9BC58026E2129" ma:contentTypeVersion="11" ma:contentTypeDescription="Criar um novo documento." ma:contentTypeScope="" ma:versionID="ccd5ed97977f99c7ab1643cfa5a9b0a8">
   <xsd:schema xmlns:xsd="http://www.w3.org/2001/XMLSchema" xmlns:xs="http://www.w3.org/2001/XMLSchema" xmlns:p="http://schemas.microsoft.com/office/2006/metadata/properties" xmlns:ns3="eadd18a0-b79f-4092-be33-0b324616ec8b" targetNamespace="http://schemas.microsoft.com/office/2006/metadata/properties" ma:root="true" ma:fieldsID="f882415be22080bf720e4084a7789ecc" ns3:_="">
     <xsd:import namespace="eadd18a0-b79f-4092-be33-0b324616ec8b"/>
@@ -22368,6 +22332,15 @@
 </ct:contentTypeSchema>
 </file>
 
+<file path=customXml/item2.xml><?xml version="1.0" encoding="utf-8"?>
+<?mso-contentType ?>
+<FormTemplates xmlns="http://schemas.microsoft.com/sharepoint/v3/contenttype/forms">
+  <Display>DocumentLibraryForm</Display>
+  <Edit>DocumentLibraryForm</Edit>
+  <New>DocumentLibraryForm</New>
+</FormTemplates>
+</file>
+
 <file path=customXml/item3.xml><?xml version="1.0" encoding="utf-8"?>
 <p:properties xmlns:p="http://schemas.microsoft.com/office/2006/metadata/properties" xmlns:xsi="http://www.w3.org/2001/XMLSchema-instance" xmlns:pc="http://schemas.microsoft.com/office/infopath/2007/PartnerControls">
   <documentManagement>
@@ -22377,14 +22350,6 @@
 </file>
 
 <file path=customXml/itemProps1.xml><?xml version="1.0" encoding="utf-8"?>
-<ds:datastoreItem xmlns:ds="http://schemas.openxmlformats.org/officeDocument/2006/customXml" ds:itemID="{A0D51BCB-0419-432E-B7F1-25548446A625}">
-  <ds:schemaRefs>
-    <ds:schemaRef ds:uri="http://schemas.microsoft.com/sharepoint/v3/contenttype/forms"/>
-  </ds:schemaRefs>
-</ds:datastoreItem>
-</file>
-
-<file path=customXml/itemProps2.xml><?xml version="1.0" encoding="utf-8"?>
 <ds:datastoreItem xmlns:ds="http://schemas.openxmlformats.org/officeDocument/2006/customXml" ds:itemID="{AE0632C2-06E4-4B3C-B1DE-703B77CC218D}">
   <ds:schemaRefs>
     <ds:schemaRef ds:uri="eadd18a0-b79f-4092-be33-0b324616ec8b"/>
@@ -22398,6 +22363,14 @@
     <ds:schemaRef ds:uri="http://schemas.microsoft.com/office/infopath/2007/PartnerControls"/>
     <ds:schemaRef ds:uri="http://schemas.openxmlformats.org/package/2006/metadata/core-properties"/>
     <ds:schemaRef ds:uri="http://www.w3.org/2001/XMLSchema"/>
+  </ds:schemaRefs>
+</ds:datastoreItem>
+</file>
+
+<file path=customXml/itemProps2.xml><?xml version="1.0" encoding="utf-8"?>
+<ds:datastoreItem xmlns:ds="http://schemas.openxmlformats.org/officeDocument/2006/customXml" ds:itemID="{A0D51BCB-0419-432E-B7F1-25548446A625}">
+  <ds:schemaRefs>
+    <ds:schemaRef ds:uri="http://schemas.microsoft.com/sharepoint/v3/contenttype/forms"/>
   </ds:schemaRefs>
 </ds:datastoreItem>
 </file>

--- a/Trabalho prático.pptx
+++ b/Trabalho prático.pptx
@@ -5,10 +5,10 @@
     <p:sldMasterId id="2147483744" r:id="rId4"/>
   </p:sldMasterIdLst>
   <p:notesMasterIdLst>
-    <p:notesMasterId r:id="rId18"/>
+    <p:notesMasterId r:id="rId19"/>
   </p:notesMasterIdLst>
   <p:handoutMasterIdLst>
-    <p:handoutMasterId r:id="rId19"/>
+    <p:handoutMasterId r:id="rId20"/>
   </p:handoutMasterIdLst>
   <p:sldIdLst>
     <p:sldId id="256" r:id="rId5"/>
@@ -21,9 +21,10 @@
     <p:sldId id="285" r:id="rId12"/>
     <p:sldId id="287" r:id="rId13"/>
     <p:sldId id="288" r:id="rId14"/>
-    <p:sldId id="258" r:id="rId15"/>
-    <p:sldId id="278" r:id="rId16"/>
-    <p:sldId id="274" r:id="rId17"/>
+    <p:sldId id="289" r:id="rId15"/>
+    <p:sldId id="258" r:id="rId16"/>
+    <p:sldId id="278" r:id="rId17"/>
+    <p:sldId id="274" r:id="rId18"/>
   </p:sldIdLst>
   <p:sldSz cx="12192000" cy="6858000"/>
   <p:notesSz cx="6858000" cy="9144000"/>
@@ -3901,7 +3902,7 @@
             <a:pPr rtl="0"/>
             <a:fld id="{F3544625-0ADF-4414-89A2-9E135F0C849F}" type="slidenum">
               <a:rPr lang="pt-PT" smtClean="0"/>
-              <a:t>11</a:t>
+              <a:t>12</a:t>
             </a:fld>
             <a:endParaRPr lang="pt-PT"/>
           </a:p>
@@ -3987,7 +3988,7 @@
             <a:pPr rtl="0"/>
             <a:fld id="{F3544625-0ADF-4414-89A2-9E135F0C849F}" type="slidenum">
               <a:rPr lang="pt-PT" smtClean="0"/>
-              <a:t>13</a:t>
+              <a:t>14</a:t>
             </a:fld>
             <a:endParaRPr lang="pt-PT"/>
           </a:p>
@@ -10100,6 +10101,118 @@
 <file path=ppt/slides/slide11.xml><?xml version="1.0" encoding="utf-8"?>
 <p:sld xmlns:a="http://schemas.openxmlformats.org/drawingml/2006/main" xmlns:r="http://schemas.openxmlformats.org/officeDocument/2006/relationships" xmlns:p="http://schemas.openxmlformats.org/presentationml/2006/main">
   <p:cSld>
+    <p:spTree>
+      <p:nvGrpSpPr>
+        <p:cNvPr id="1" name=""/>
+        <p:cNvGrpSpPr/>
+        <p:nvPr/>
+      </p:nvGrpSpPr>
+      <p:grpSpPr>
+        <a:xfrm>
+          <a:off x="0" y="0"/>
+          <a:ext cx="0" cy="0"/>
+          <a:chOff x="0" y="0"/>
+          <a:chExt cx="0" cy="0"/>
+        </a:xfrm>
+      </p:grpSpPr>
+      <p:sp>
+        <p:nvSpPr>
+          <p:cNvPr id="2" name="Título 1">
+            <a:extLst>
+              <a:ext uri="{FF2B5EF4-FFF2-40B4-BE49-F238E27FC236}">
+                <a16:creationId xmlns:a16="http://schemas.microsoft.com/office/drawing/2014/main" id="{04C08151-46F3-4585-9867-80923D64C291}"/>
+              </a:ext>
+            </a:extLst>
+          </p:cNvPr>
+          <p:cNvSpPr>
+            <a:spLocks noGrp="1"/>
+          </p:cNvSpPr>
+          <p:nvPr>
+            <p:ph type="title"/>
+          </p:nvPr>
+        </p:nvSpPr>
+        <p:spPr/>
+        <p:txBody>
+          <a:bodyPr/>
+          <a:lstStyle/>
+          <a:p>
+            <a:r>
+              <a:rPr lang="pt-PT" dirty="0"/>
+              <a:t>Operações </a:t>
+            </a:r>
+            <a:r>
+              <a:rPr lang="pt-PT"/>
+              <a:t>da base de dados</a:t>
+            </a:r>
+          </a:p>
+        </p:txBody>
+      </p:sp>
+      <p:sp>
+        <p:nvSpPr>
+          <p:cNvPr id="3" name="Marcador de Posição de Conteúdo 2">
+            <a:extLst>
+              <a:ext uri="{FF2B5EF4-FFF2-40B4-BE49-F238E27FC236}">
+                <a16:creationId xmlns:a16="http://schemas.microsoft.com/office/drawing/2014/main" id="{62BBDA1D-8B23-4567-99CF-0ADF373BC43A}"/>
+              </a:ext>
+            </a:extLst>
+          </p:cNvPr>
+          <p:cNvSpPr>
+            <a:spLocks noGrp="1"/>
+          </p:cNvSpPr>
+          <p:nvPr>
+            <p:ph sz="half" idx="1"/>
+          </p:nvPr>
+        </p:nvSpPr>
+        <p:spPr/>
+        <p:txBody>
+          <a:bodyPr/>
+          <a:lstStyle/>
+          <a:p>
+            <a:endParaRPr lang="pt-PT"/>
+          </a:p>
+        </p:txBody>
+      </p:sp>
+      <p:sp>
+        <p:nvSpPr>
+          <p:cNvPr id="4" name="Marcador de Posição de Conteúdo 3">
+            <a:extLst>
+              <a:ext uri="{FF2B5EF4-FFF2-40B4-BE49-F238E27FC236}">
+                <a16:creationId xmlns:a16="http://schemas.microsoft.com/office/drawing/2014/main" id="{A054FB9D-3365-4A07-8DBF-F045FBA5CF9C}"/>
+              </a:ext>
+            </a:extLst>
+          </p:cNvPr>
+          <p:cNvSpPr>
+            <a:spLocks noGrp="1"/>
+          </p:cNvSpPr>
+          <p:nvPr>
+            <p:ph sz="half" idx="2"/>
+          </p:nvPr>
+        </p:nvSpPr>
+        <p:spPr/>
+        <p:txBody>
+          <a:bodyPr/>
+          <a:lstStyle/>
+          <a:p>
+            <a:endParaRPr lang="pt-PT"/>
+          </a:p>
+        </p:txBody>
+      </p:sp>
+    </p:spTree>
+    <p:extLst>
+      <p:ext uri="{BB962C8B-B14F-4D97-AF65-F5344CB8AC3E}">
+        <p14:creationId xmlns:p14="http://schemas.microsoft.com/office/powerpoint/2010/main" val="615824707"/>
+      </p:ext>
+    </p:extLst>
+  </p:cSld>
+  <p:clrMapOvr>
+    <a:masterClrMapping/>
+  </p:clrMapOvr>
+</p:sld>
+</file>
+
+<file path=ppt/slides/slide12.xml><?xml version="1.0" encoding="utf-8"?>
+<p:sld xmlns:a="http://schemas.openxmlformats.org/drawingml/2006/main" xmlns:r="http://schemas.openxmlformats.org/officeDocument/2006/relationships" xmlns:p="http://schemas.openxmlformats.org/presentationml/2006/main">
+  <p:cSld>
     <p:bg>
       <p:bgPr>
         <a:blipFill>
@@ -19127,7 +19240,7 @@
 </p:sld>
 </file>
 
-<file path=ppt/slides/slide12.xml><?xml version="1.0" encoding="utf-8"?>
+<file path=ppt/slides/slide13.xml><?xml version="1.0" encoding="utf-8"?>
 <p:sld xmlns:a="http://schemas.openxmlformats.org/drawingml/2006/main" xmlns:r="http://schemas.openxmlformats.org/officeDocument/2006/relationships" xmlns:p="http://schemas.openxmlformats.org/presentationml/2006/main">
   <p:cSld>
     <p:spTree>
@@ -19578,7 +19691,7 @@
 </p:sld>
 </file>
 
-<file path=ppt/slides/slide13.xml><?xml version="1.0" encoding="utf-8"?>
+<file path=ppt/slides/slide14.xml><?xml version="1.0" encoding="utf-8"?>
 <p:sld xmlns:a="http://schemas.openxmlformats.org/drawingml/2006/main" xmlns:r="http://schemas.openxmlformats.org/officeDocument/2006/relationships" xmlns:p="http://schemas.openxmlformats.org/presentationml/2006/main">
   <p:cSld>
     <p:spTree>
@@ -22143,6 +22256,15 @@
 </file>
 
 <file path=customXml/item1.xml><?xml version="1.0" encoding="utf-8"?>
+<?mso-contentType ?>
+<FormTemplates xmlns="http://schemas.microsoft.com/sharepoint/v3/contenttype/forms">
+  <Display>DocumentLibraryForm</Display>
+  <Edit>DocumentLibraryForm</Edit>
+  <New>DocumentLibraryForm</New>
+</FormTemplates>
+</file>
+
+<file path=customXml/item2.xml><?xml version="1.0" encoding="utf-8"?>
 <ct:contentTypeSchema xmlns:ct="http://schemas.microsoft.com/office/2006/metadata/contentType" xmlns:ma="http://schemas.microsoft.com/office/2006/metadata/properties/metaAttributes" ct:_="" ma:_="" ma:contentTypeName="Documento" ma:contentTypeID="0x0101006E0DC1A12F3C8C4193A9BC58026E2129" ma:contentTypeVersion="11" ma:contentTypeDescription="Criar um novo documento." ma:contentTypeScope="" ma:versionID="ccd5ed97977f99c7ab1643cfa5a9b0a8">
   <xsd:schema xmlns:xsd="http://www.w3.org/2001/XMLSchema" xmlns:xs="http://www.w3.org/2001/XMLSchema" xmlns:p="http://schemas.microsoft.com/office/2006/metadata/properties" xmlns:ns3="eadd18a0-b79f-4092-be33-0b324616ec8b" targetNamespace="http://schemas.microsoft.com/office/2006/metadata/properties" ma:root="true" ma:fieldsID="f882415be22080bf720e4084a7789ecc" ns3:_="">
     <xsd:import namespace="eadd18a0-b79f-4092-be33-0b324616ec8b"/>
@@ -22332,15 +22454,6 @@
 </ct:contentTypeSchema>
 </file>
 
-<file path=customXml/item2.xml><?xml version="1.0" encoding="utf-8"?>
-<?mso-contentType ?>
-<FormTemplates xmlns="http://schemas.microsoft.com/sharepoint/v3/contenttype/forms">
-  <Display>DocumentLibraryForm</Display>
-  <Edit>DocumentLibraryForm</Edit>
-  <New>DocumentLibraryForm</New>
-</FormTemplates>
-</file>
-
 <file path=customXml/item3.xml><?xml version="1.0" encoding="utf-8"?>
 <p:properties xmlns:p="http://schemas.microsoft.com/office/2006/metadata/properties" xmlns:xsi="http://www.w3.org/2001/XMLSchema-instance" xmlns:pc="http://schemas.microsoft.com/office/infopath/2007/PartnerControls">
   <documentManagement>
@@ -22350,6 +22463,14 @@
 </file>
 
 <file path=customXml/itemProps1.xml><?xml version="1.0" encoding="utf-8"?>
+<ds:datastoreItem xmlns:ds="http://schemas.openxmlformats.org/officeDocument/2006/customXml" ds:itemID="{A0D51BCB-0419-432E-B7F1-25548446A625}">
+  <ds:schemaRefs>
+    <ds:schemaRef ds:uri="http://schemas.microsoft.com/sharepoint/v3/contenttype/forms"/>
+  </ds:schemaRefs>
+</ds:datastoreItem>
+</file>
+
+<file path=customXml/itemProps2.xml><?xml version="1.0" encoding="utf-8"?>
 <ds:datastoreItem xmlns:ds="http://schemas.openxmlformats.org/officeDocument/2006/customXml" ds:itemID="{AE0632C2-06E4-4B3C-B1DE-703B77CC218D}">
   <ds:schemaRefs>
     <ds:schemaRef ds:uri="eadd18a0-b79f-4092-be33-0b324616ec8b"/>
@@ -22363,14 +22484,6 @@
     <ds:schemaRef ds:uri="http://schemas.microsoft.com/office/infopath/2007/PartnerControls"/>
     <ds:schemaRef ds:uri="http://schemas.openxmlformats.org/package/2006/metadata/core-properties"/>
     <ds:schemaRef ds:uri="http://www.w3.org/2001/XMLSchema"/>
-  </ds:schemaRefs>
-</ds:datastoreItem>
-</file>
-
-<file path=customXml/itemProps2.xml><?xml version="1.0" encoding="utf-8"?>
-<ds:datastoreItem xmlns:ds="http://schemas.openxmlformats.org/officeDocument/2006/customXml" ds:itemID="{A0D51BCB-0419-432E-B7F1-25548446A625}">
-  <ds:schemaRefs>
-    <ds:schemaRef ds:uri="http://schemas.microsoft.com/sharepoint/v3/contenttype/forms"/>
   </ds:schemaRefs>
 </ds:datastoreItem>
 </file>

--- a/Trabalho prático.pptx
+++ b/Trabalho prático.pptx
@@ -5,10 +5,10 @@
     <p:sldMasterId id="2147483744" r:id="rId4"/>
   </p:sldMasterIdLst>
   <p:notesMasterIdLst>
-    <p:notesMasterId r:id="rId19"/>
+    <p:notesMasterId r:id="rId20"/>
   </p:notesMasterIdLst>
   <p:handoutMasterIdLst>
-    <p:handoutMasterId r:id="rId20"/>
+    <p:handoutMasterId r:id="rId21"/>
   </p:handoutMasterIdLst>
   <p:sldIdLst>
     <p:sldId id="256" r:id="rId5"/>
@@ -22,9 +22,10 @@
     <p:sldId id="287" r:id="rId13"/>
     <p:sldId id="288" r:id="rId14"/>
     <p:sldId id="289" r:id="rId15"/>
-    <p:sldId id="258" r:id="rId16"/>
-    <p:sldId id="278" r:id="rId17"/>
-    <p:sldId id="274" r:id="rId18"/>
+    <p:sldId id="290" r:id="rId16"/>
+    <p:sldId id="258" r:id="rId17"/>
+    <p:sldId id="278" r:id="rId18"/>
+    <p:sldId id="274" r:id="rId19"/>
   </p:sldIdLst>
   <p:sldSz cx="12192000" cy="6858000"/>
   <p:notesSz cx="6858000" cy="9144000"/>
@@ -3296,7 +3297,7 @@
             <a:pPr rtl="0"/>
             <a:fld id="{4F0CA431-7F0F-451E-87BF-573BA966B2C1}" type="datetime1">
               <a:rPr lang="pt-PT" smtClean="0"/>
-              <a:t>24/03/2022</a:t>
+              <a:t>25/03/2022</a:t>
             </a:fld>
             <a:endParaRPr lang="pt-PT"/>
           </a:p>
@@ -3478,7 +3479,7 @@
             <a:fld id="{DD843740-0000-40E5-8C98-29C8101FFDB8}" type="datetime1">
               <a:rPr lang="pt-PT" smtClean="0"/>
               <a:pPr/>
-              <a:t>24/03/2022</a:t>
+              <a:t>25/03/2022</a:t>
             </a:fld>
             <a:endParaRPr lang="pt-PT"/>
           </a:p>
@@ -3902,7 +3903,7 @@
             <a:pPr rtl="0"/>
             <a:fld id="{F3544625-0ADF-4414-89A2-9E135F0C849F}" type="slidenum">
               <a:rPr lang="pt-PT" smtClean="0"/>
-              <a:t>12</a:t>
+              <a:t>13</a:t>
             </a:fld>
             <a:endParaRPr lang="pt-PT"/>
           </a:p>
@@ -3988,7 +3989,7 @@
             <a:pPr rtl="0"/>
             <a:fld id="{F3544625-0ADF-4414-89A2-9E135F0C849F}" type="slidenum">
               <a:rPr lang="pt-PT" smtClean="0"/>
-              <a:t>14</a:t>
+              <a:t>15</a:t>
             </a:fld>
             <a:endParaRPr lang="pt-PT"/>
           </a:p>
@@ -4237,7 +4238,7 @@
             <a:pPr rtl="0"/>
             <a:fld id="{629A61C5-9472-4BE4-BF9D-AAD79B0164EF}" type="datetime1">
               <a:rPr lang="pt-PT" noProof="0" smtClean="0"/>
-              <a:t>24/03/2022</a:t>
+              <a:t>25/03/2022</a:t>
             </a:fld>
             <a:endParaRPr lang="pt-PT" noProof="0"/>
           </a:p>
@@ -4575,7 +4576,7 @@
             <a:pPr rtl="0"/>
             <a:fld id="{11ED9F09-46FA-44E8-B897-84EA63CBD209}" type="datetime1">
               <a:rPr lang="pt-PT" noProof="0" smtClean="0"/>
-              <a:t>24/03/2022</a:t>
+              <a:t>25/03/2022</a:t>
             </a:fld>
             <a:endParaRPr lang="pt-PT" noProof="0"/>
           </a:p>
@@ -4857,7 +4858,7 @@
             <a:pPr rtl="0"/>
             <a:fld id="{B30FD4AA-7DE7-4151-8F4D-91AF9EF87CA6}" type="datetime1">
               <a:rPr lang="pt-PT" noProof="0" smtClean="0"/>
-              <a:t>24/03/2022</a:t>
+              <a:t>25/03/2022</a:t>
             </a:fld>
             <a:endParaRPr lang="pt-PT" noProof="0"/>
           </a:p>
@@ -5429,7 +5430,7 @@
             <a:pPr rtl="0"/>
             <a:fld id="{73C912A5-E42D-4FA6-8374-37272029EF41}" type="datetime1">
               <a:rPr lang="pt-PT" noProof="0" smtClean="0"/>
-              <a:t>24/03/2022</a:t>
+              <a:t>25/03/2022</a:t>
             </a:fld>
             <a:endParaRPr lang="pt-PT" noProof="0"/>
           </a:p>
@@ -5711,7 +5712,7 @@
             <a:pPr rtl="0"/>
             <a:fld id="{E0EF203A-6E22-485D-AA90-7BDFC2DD93F6}" type="datetime1">
               <a:rPr lang="pt-PT" noProof="0" smtClean="0"/>
-              <a:t>24/03/2022</a:t>
+              <a:t>25/03/2022</a:t>
             </a:fld>
             <a:endParaRPr lang="pt-PT" noProof="0"/>
           </a:p>
@@ -6277,7 +6278,7 @@
             <a:pPr rtl="0"/>
             <a:fld id="{318D837C-E9F2-4574-8202-B239DC4D3ADB}" type="datetime1">
               <a:rPr lang="pt-PT" noProof="0" smtClean="0"/>
-              <a:t>24/03/2022</a:t>
+              <a:t>25/03/2022</a:t>
             </a:fld>
             <a:endParaRPr lang="pt-PT" noProof="0"/>
           </a:p>
@@ -6607,7 +6608,7 @@
             <a:pPr rtl="0"/>
             <a:fld id="{88B3D4A5-BBB7-4963-A327-84B3D0C26BA9}" type="datetime1">
               <a:rPr lang="pt-PT" noProof="0" smtClean="0"/>
-              <a:t>24/03/2022</a:t>
+              <a:t>25/03/2022</a:t>
             </a:fld>
             <a:endParaRPr lang="pt-PT" noProof="0"/>
           </a:p>
@@ -6815,7 +6816,7 @@
             <a:pPr rtl="0"/>
             <a:fld id="{ED4FF7F9-1D88-4D9C-8A1B-0C70CFA11635}" type="datetime1">
               <a:rPr lang="pt-PT" noProof="0" smtClean="0"/>
-              <a:t>24/03/2022</a:t>
+              <a:t>25/03/2022</a:t>
             </a:fld>
             <a:endParaRPr lang="pt-PT" noProof="0"/>
           </a:p>
@@ -7027,7 +7028,7 @@
             <a:pPr rtl="0"/>
             <a:fld id="{C1824A14-7316-4607-93C8-7624B6795711}" type="datetime1">
               <a:rPr lang="pt-PT" noProof="0" smtClean="0"/>
-              <a:t>24/03/2022</a:t>
+              <a:t>25/03/2022</a:t>
             </a:fld>
             <a:endParaRPr lang="pt-PT" noProof="0"/>
           </a:p>
@@ -7229,7 +7230,7 @@
             <a:pPr rtl="0"/>
             <a:fld id="{36142FC6-D8E8-4706-AF05-EF6079BBA0F4}" type="datetime1">
               <a:rPr lang="pt-PT" noProof="0" smtClean="0"/>
-              <a:t>24/03/2022</a:t>
+              <a:t>25/03/2022</a:t>
             </a:fld>
             <a:endParaRPr lang="pt-PT" noProof="0"/>
           </a:p>
@@ -7508,7 +7509,7 @@
             <a:pPr rtl="0"/>
             <a:fld id="{CC8DEDDD-06E2-46A0-B2C3-B5671A13AA3E}" type="datetime1">
               <a:rPr lang="pt-PT" noProof="0" smtClean="0"/>
-              <a:t>24/03/2022</a:t>
+              <a:t>25/03/2022</a:t>
             </a:fld>
             <a:endParaRPr lang="pt-PT" noProof="0"/>
           </a:p>
@@ -7776,7 +7777,7 @@
             <a:pPr rtl="0"/>
             <a:fld id="{FB0DCCDA-DBFB-4682-9796-AA2FEB075073}" type="datetime1">
               <a:rPr lang="pt-PT" noProof="0" smtClean="0"/>
-              <a:t>24/03/2022</a:t>
+              <a:t>25/03/2022</a:t>
             </a:fld>
             <a:endParaRPr lang="pt-PT" noProof="0"/>
           </a:p>
@@ -8151,7 +8152,7 @@
             <a:pPr rtl="0"/>
             <a:fld id="{C14C8A9B-DB4A-423D-8951-131D49731D01}" type="datetime1">
               <a:rPr lang="pt-PT" noProof="0" smtClean="0"/>
-              <a:t>24/03/2022</a:t>
+              <a:t>25/03/2022</a:t>
             </a:fld>
             <a:endParaRPr lang="pt-PT" noProof="0"/>
           </a:p>
@@ -8302,7 +8303,7 @@
             <a:pPr rtl="0"/>
             <a:fld id="{87389B67-3430-4A0A-A0B8-5B15F1047E1F}" type="datetime1">
               <a:rPr lang="pt-PT" noProof="0" smtClean="0"/>
-              <a:t>24/03/2022</a:t>
+              <a:t>25/03/2022</a:t>
             </a:fld>
             <a:endParaRPr lang="pt-PT" noProof="0"/>
           </a:p>
@@ -8430,7 +8431,7 @@
             <a:pPr rtl="0"/>
             <a:fld id="{E5C803D9-758B-4736-8B16-02F78FEDE812}" type="datetime1">
               <a:rPr lang="pt-PT" noProof="0" smtClean="0"/>
-              <a:t>24/03/2022</a:t>
+              <a:t>25/03/2022</a:t>
             </a:fld>
             <a:endParaRPr lang="pt-PT" noProof="0"/>
           </a:p>
@@ -8717,7 +8718,7 @@
             <a:pPr rtl="0"/>
             <a:fld id="{B2C05C71-5A01-4F58-A5E6-03FF61EF34BC}" type="datetime1">
               <a:rPr lang="pt-PT" noProof="0" smtClean="0"/>
-              <a:t>24/03/2022</a:t>
+              <a:t>25/03/2022</a:t>
             </a:fld>
             <a:endParaRPr lang="pt-PT" noProof="0"/>
           </a:p>
@@ -9045,7 +9046,7 @@
             <a:pPr rtl="0"/>
             <a:fld id="{65CA4D21-4D48-4BAD-8558-79A5A4794CEA}" type="datetime1">
               <a:rPr lang="pt-PT" noProof="0" smtClean="0"/>
-              <a:t>24/03/2022</a:t>
+              <a:t>25/03/2022</a:t>
             </a:fld>
             <a:endParaRPr lang="pt-PT" noProof="0"/>
           </a:p>
@@ -9262,7 +9263,7 @@
             <a:pPr rtl="0"/>
             <a:fld id="{8D66683A-CCB2-465E-B82E-D9D6CB145A16}" type="datetime1">
               <a:rPr lang="pt-PT" noProof="0" smtClean="0"/>
-              <a:t>24/03/2022</a:t>
+              <a:t>25/03/2022</a:t>
             </a:fld>
             <a:endParaRPr lang="pt-PT" noProof="0"/>
           </a:p>
@@ -10057,10 +10058,10 @@
       </p:sp>
       <p:pic>
         <p:nvPicPr>
-          <p:cNvPr id="7" name="Imagem 6">
+          <p:cNvPr id="12" name="Imagem 11">
             <a:extLst>
               <a:ext uri="{FF2B5EF4-FFF2-40B4-BE49-F238E27FC236}">
-                <a16:creationId xmlns:a16="http://schemas.microsoft.com/office/drawing/2014/main" id="{269A7245-5524-4858-ADCA-17F5F5FEDA2C}"/>
+                <a16:creationId xmlns:a16="http://schemas.microsoft.com/office/drawing/2014/main" id="{8B50C26C-01F6-4BAD-B92D-F273DF9F2721}"/>
               </a:ext>
             </a:extLst>
           </p:cNvPr>
@@ -10077,8 +10078,8 @@
         </p:blipFill>
         <p:spPr>
           <a:xfrm>
-            <a:off x="0" y="811436"/>
-            <a:ext cx="12192000" cy="5235127"/>
+            <a:off x="0" y="1066799"/>
+            <a:ext cx="12192000" cy="5310150"/>
           </a:xfrm>
           <a:prstGeom prst="rect">
             <a:avLst/>
@@ -10131,18 +10132,19 @@
             <p:ph type="title"/>
           </p:nvPr>
         </p:nvSpPr>
-        <p:spPr/>
+        <p:spPr>
+          <a:xfrm>
+            <a:off x="756182" y="239796"/>
+            <a:ext cx="10131425" cy="827003"/>
+          </a:xfrm>
+        </p:spPr>
         <p:txBody>
           <a:bodyPr/>
           <a:lstStyle/>
           <a:p>
             <a:r>
               <a:rPr lang="pt-PT" dirty="0"/>
-              <a:t>Operações </a:t>
-            </a:r>
-            <a:r>
-              <a:rPr lang="pt-PT"/>
-              <a:t>da base de dados</a:t>
+              <a:t>Operações da base de dados</a:t>
             </a:r>
           </a:p>
         </p:txBody>
@@ -10163,37 +10165,17 @@
             <p:ph sz="half" idx="1"/>
           </p:nvPr>
         </p:nvSpPr>
-        <p:spPr/>
+        <p:spPr>
+          <a:xfrm>
+            <a:off x="685801" y="1066799"/>
+            <a:ext cx="11152237" cy="4724402"/>
+          </a:xfrm>
+        </p:spPr>
         <p:txBody>
           <a:bodyPr/>
           <a:lstStyle/>
           <a:p>
-            <a:endParaRPr lang="pt-PT"/>
-          </a:p>
-        </p:txBody>
-      </p:sp>
-      <p:sp>
-        <p:nvSpPr>
-          <p:cNvPr id="4" name="Marcador de Posição de Conteúdo 3">
-            <a:extLst>
-              <a:ext uri="{FF2B5EF4-FFF2-40B4-BE49-F238E27FC236}">
-                <a16:creationId xmlns:a16="http://schemas.microsoft.com/office/drawing/2014/main" id="{A054FB9D-3365-4A07-8DBF-F045FBA5CF9C}"/>
-              </a:ext>
-            </a:extLst>
-          </p:cNvPr>
-          <p:cNvSpPr>
-            <a:spLocks noGrp="1"/>
-          </p:cNvSpPr>
-          <p:nvPr>
-            <p:ph sz="half" idx="2"/>
-          </p:nvPr>
-        </p:nvSpPr>
-        <p:spPr/>
-        <p:txBody>
-          <a:bodyPr/>
-          <a:lstStyle/>
-          <a:p>
-            <a:endParaRPr lang="pt-PT"/>
+            <a:endParaRPr lang="pt-PT" dirty="0"/>
           </a:p>
         </p:txBody>
       </p:sp>
@@ -10211,6 +10193,117 @@
 </file>
 
 <file path=ppt/slides/slide12.xml><?xml version="1.0" encoding="utf-8"?>
+<p:sld xmlns:a="http://schemas.openxmlformats.org/drawingml/2006/main" xmlns:r="http://schemas.openxmlformats.org/officeDocument/2006/relationships" xmlns:p="http://schemas.openxmlformats.org/presentationml/2006/main">
+  <p:cSld>
+    <p:spTree>
+      <p:nvGrpSpPr>
+        <p:cNvPr id="1" name=""/>
+        <p:cNvGrpSpPr/>
+        <p:nvPr/>
+      </p:nvGrpSpPr>
+      <p:grpSpPr>
+        <a:xfrm>
+          <a:off x="0" y="0"/>
+          <a:ext cx="0" cy="0"/>
+          <a:chOff x="0" y="0"/>
+          <a:chExt cx="0" cy="0"/>
+        </a:xfrm>
+      </p:grpSpPr>
+      <p:sp>
+        <p:nvSpPr>
+          <p:cNvPr id="2" name="Título 1">
+            <a:extLst>
+              <a:ext uri="{FF2B5EF4-FFF2-40B4-BE49-F238E27FC236}">
+                <a16:creationId xmlns:a16="http://schemas.microsoft.com/office/drawing/2014/main" id="{FFD402B9-6F4C-4D1E-95CB-3248195C6F09}"/>
+              </a:ext>
+            </a:extLst>
+          </p:cNvPr>
+          <p:cNvSpPr>
+            <a:spLocks noGrp="1"/>
+          </p:cNvSpPr>
+          <p:nvPr>
+            <p:ph type="title"/>
+          </p:nvPr>
+        </p:nvSpPr>
+        <p:spPr>
+          <a:xfrm>
+            <a:off x="685802" y="344129"/>
+            <a:ext cx="10131425" cy="807338"/>
+          </a:xfrm>
+        </p:spPr>
+        <p:txBody>
+          <a:bodyPr>
+            <a:normAutofit fontScale="90000"/>
+          </a:bodyPr>
+          <a:lstStyle/>
+          <a:p>
+            <a:r>
+              <a:rPr lang="pt-PT" dirty="0"/>
+              <a:t>Transações</a:t>
+            </a:r>
+            <a:br>
+              <a:rPr lang="pt-PT" dirty="0"/>
+            </a:br>
+            <a:r>
+              <a:rPr lang="pt-PT" sz="1600" dirty="0"/>
+              <a:t>conjunto de comandos que DEVEM SER EXECUTADOS TODOS EM CONJUNTO OU NÃO.</a:t>
+            </a:r>
+          </a:p>
+        </p:txBody>
+      </p:sp>
+      <p:sp>
+        <p:nvSpPr>
+          <p:cNvPr id="3" name="Marcador de Posição de Conteúdo 2">
+            <a:extLst>
+              <a:ext uri="{FF2B5EF4-FFF2-40B4-BE49-F238E27FC236}">
+                <a16:creationId xmlns:a16="http://schemas.microsoft.com/office/drawing/2014/main" id="{B19CF439-B965-492D-A2AB-EA24D0A36DDF}"/>
+              </a:ext>
+            </a:extLst>
+          </p:cNvPr>
+          <p:cNvSpPr>
+            <a:spLocks noGrp="1"/>
+          </p:cNvSpPr>
+          <p:nvPr>
+            <p:ph sz="half" idx="1"/>
+          </p:nvPr>
+        </p:nvSpPr>
+        <p:spPr>
+          <a:xfrm>
+            <a:off x="685801" y="1366684"/>
+            <a:ext cx="10542637" cy="4424517"/>
+          </a:xfrm>
+        </p:spPr>
+        <p:txBody>
+          <a:bodyPr/>
+          <a:lstStyle/>
+          <a:p>
+            <a:r>
+              <a:rPr lang="pt-PT" dirty="0"/>
+              <a:t>Compra e venda de produtos (retirar o produto do stock e dar a um utilizador)</a:t>
+            </a:r>
+          </a:p>
+          <a:p>
+            <a:r>
+              <a:rPr lang="pt-PT" dirty="0"/>
+              <a:t>Efetuar</a:t>
+            </a:r>
+          </a:p>
+        </p:txBody>
+      </p:sp>
+    </p:spTree>
+    <p:extLst>
+      <p:ext uri="{BB962C8B-B14F-4D97-AF65-F5344CB8AC3E}">
+        <p14:creationId xmlns:p14="http://schemas.microsoft.com/office/powerpoint/2010/main" val="579642091"/>
+      </p:ext>
+    </p:extLst>
+  </p:cSld>
+  <p:clrMapOvr>
+    <a:masterClrMapping/>
+  </p:clrMapOvr>
+</p:sld>
+</file>
+
+<file path=ppt/slides/slide13.xml><?xml version="1.0" encoding="utf-8"?>
 <p:sld xmlns:a="http://schemas.openxmlformats.org/drawingml/2006/main" xmlns:r="http://schemas.openxmlformats.org/officeDocument/2006/relationships" xmlns:p="http://schemas.openxmlformats.org/presentationml/2006/main">
   <p:cSld>
     <p:bg>
@@ -19240,7 +19333,7 @@
 </p:sld>
 </file>
 
-<file path=ppt/slides/slide13.xml><?xml version="1.0" encoding="utf-8"?>
+<file path=ppt/slides/slide14.xml><?xml version="1.0" encoding="utf-8"?>
 <p:sld xmlns:a="http://schemas.openxmlformats.org/drawingml/2006/main" xmlns:r="http://schemas.openxmlformats.org/officeDocument/2006/relationships" xmlns:p="http://schemas.openxmlformats.org/presentationml/2006/main">
   <p:cSld>
     <p:spTree>
@@ -19691,7 +19784,7 @@
 </p:sld>
 </file>
 
-<file path=ppt/slides/slide14.xml><?xml version="1.0" encoding="utf-8"?>
+<file path=ppt/slides/slide15.xml><?xml version="1.0" encoding="utf-8"?>
 <p:sld xmlns:a="http://schemas.openxmlformats.org/drawingml/2006/main" xmlns:r="http://schemas.openxmlformats.org/officeDocument/2006/relationships" xmlns:p="http://schemas.openxmlformats.org/presentationml/2006/main">
   <p:cSld>
     <p:spTree>
@@ -20408,10 +20501,10 @@
       </p:sp>
       <p:pic>
         <p:nvPicPr>
-          <p:cNvPr id="16" name="Imagem 15">
+          <p:cNvPr id="7" name="Imagem 6">
             <a:extLst>
               <a:ext uri="{FF2B5EF4-FFF2-40B4-BE49-F238E27FC236}">
-                <a16:creationId xmlns:a16="http://schemas.microsoft.com/office/drawing/2014/main" id="{C0A8C617-74A5-4A09-AC51-BEEDE397F8A2}"/>
+                <a16:creationId xmlns:a16="http://schemas.microsoft.com/office/drawing/2014/main" id="{07F01C6F-1CDE-44E6-A275-7E412DF53F0C}"/>
               </a:ext>
             </a:extLst>
           </p:cNvPr>
@@ -20428,13 +20521,12 @@
         </p:blipFill>
         <p:spPr>
           <a:xfrm>
-            <a:off x="5821894" y="2512291"/>
-            <a:ext cx="5939895" cy="2509606"/>
+            <a:off x="5751513" y="1787180"/>
+            <a:ext cx="6243842" cy="3197775"/>
           </a:xfrm>
           <a:prstGeom prst="rect">
             <a:avLst/>
           </a:prstGeom>
-          <a:noFill/>
         </p:spPr>
       </p:pic>
     </p:spTree>
@@ -20606,37 +20698,6 @@
           </a:p>
         </p:txBody>
       </p:sp>
-      <p:pic>
-        <p:nvPicPr>
-          <p:cNvPr id="13" name="Imagem 12">
-            <a:extLst>
-              <a:ext uri="{FF2B5EF4-FFF2-40B4-BE49-F238E27FC236}">
-                <a16:creationId xmlns:a16="http://schemas.microsoft.com/office/drawing/2014/main" id="{E2FFA6D1-929D-463A-9F6A-8A287C9814C7}"/>
-              </a:ext>
-            </a:extLst>
-          </p:cNvPr>
-          <p:cNvPicPr>
-            <a:picLocks noChangeAspect="1"/>
-          </p:cNvPicPr>
-          <p:nvPr/>
-        </p:nvPicPr>
-        <p:blipFill>
-          <a:blip r:embed="rId2"/>
-          <a:stretch>
-            <a:fillRect/>
-          </a:stretch>
-        </p:blipFill>
-        <p:spPr>
-          <a:xfrm>
-            <a:off x="6668329" y="1337733"/>
-            <a:ext cx="4729344" cy="5225797"/>
-          </a:xfrm>
-          <a:prstGeom prst="rect">
-            <a:avLst/>
-          </a:prstGeom>
-          <a:noFill/>
-        </p:spPr>
-      </p:pic>
     </p:spTree>
     <p:extLst>
       <p:ext uri="{BB962C8B-B14F-4D97-AF65-F5344CB8AC3E}">
@@ -20849,36 +20910,6 @@
           </a:p>
         </p:txBody>
       </p:sp>
-      <p:pic>
-        <p:nvPicPr>
-          <p:cNvPr id="5" name="Imagem 4">
-            <a:extLst>
-              <a:ext uri="{FF2B5EF4-FFF2-40B4-BE49-F238E27FC236}">
-                <a16:creationId xmlns:a16="http://schemas.microsoft.com/office/drawing/2014/main" id="{557B73B0-5299-4717-BDA3-5C24B93C2FE5}"/>
-              </a:ext>
-            </a:extLst>
-          </p:cNvPr>
-          <p:cNvPicPr>
-            <a:picLocks noChangeAspect="1"/>
-          </p:cNvPicPr>
-          <p:nvPr/>
-        </p:nvPicPr>
-        <p:blipFill>
-          <a:blip r:embed="rId2"/>
-          <a:stretch>
-            <a:fillRect/>
-          </a:stretch>
-        </p:blipFill>
-        <p:spPr>
-          <a:xfrm>
-            <a:off x="5899716" y="2576052"/>
-            <a:ext cx="6022866" cy="2733236"/>
-          </a:xfrm>
-          <a:prstGeom prst="rect">
-            <a:avLst/>
-          </a:prstGeom>
-        </p:spPr>
-      </p:pic>
     </p:spTree>
     <p:extLst>
       <p:ext uri="{BB962C8B-B14F-4D97-AF65-F5344CB8AC3E}">
@@ -21064,37 +21095,6 @@
           </a:p>
         </p:txBody>
       </p:sp>
-      <p:pic>
-        <p:nvPicPr>
-          <p:cNvPr id="15" name="Imagem 14">
-            <a:extLst>
-              <a:ext uri="{FF2B5EF4-FFF2-40B4-BE49-F238E27FC236}">
-                <a16:creationId xmlns:a16="http://schemas.microsoft.com/office/drawing/2014/main" id="{AAAF4802-B731-4848-9E77-905E8161DC42}"/>
-              </a:ext>
-            </a:extLst>
-          </p:cNvPr>
-          <p:cNvPicPr>
-            <a:picLocks noChangeAspect="1"/>
-          </p:cNvPicPr>
-          <p:nvPr/>
-        </p:nvPicPr>
-        <p:blipFill>
-          <a:blip r:embed="rId2"/>
-          <a:stretch>
-            <a:fillRect/>
-          </a:stretch>
-        </p:blipFill>
-        <p:spPr>
-          <a:xfrm>
-            <a:off x="5913690" y="2515177"/>
-            <a:ext cx="6155971" cy="2908694"/>
-          </a:xfrm>
-          <a:prstGeom prst="rect">
-            <a:avLst/>
-          </a:prstGeom>
-          <a:noFill/>
-        </p:spPr>
-      </p:pic>
     </p:spTree>
     <p:extLst>
       <p:ext uri="{BB962C8B-B14F-4D97-AF65-F5344CB8AC3E}">
@@ -21252,37 +21252,6 @@
           </a:p>
         </p:txBody>
       </p:sp>
-      <p:pic>
-        <p:nvPicPr>
-          <p:cNvPr id="7" name="Imagem 6">
-            <a:extLst>
-              <a:ext uri="{FF2B5EF4-FFF2-40B4-BE49-F238E27FC236}">
-                <a16:creationId xmlns:a16="http://schemas.microsoft.com/office/drawing/2014/main" id="{DE224EF1-5B13-414E-9581-C325D2534D3D}"/>
-              </a:ext>
-            </a:extLst>
-          </p:cNvPr>
-          <p:cNvPicPr>
-            <a:picLocks noChangeAspect="1"/>
-          </p:cNvPicPr>
-          <p:nvPr/>
-        </p:nvPicPr>
-        <p:blipFill>
-          <a:blip r:embed="rId2"/>
-          <a:stretch>
-            <a:fillRect/>
-          </a:stretch>
-        </p:blipFill>
-        <p:spPr>
-          <a:xfrm>
-            <a:off x="6096000" y="2314009"/>
-            <a:ext cx="5684303" cy="3240051"/>
-          </a:xfrm>
-          <a:prstGeom prst="rect">
-            <a:avLst/>
-          </a:prstGeom>
-          <a:noFill/>
-        </p:spPr>
-      </p:pic>
     </p:spTree>
     <p:extLst>
       <p:ext uri="{BB962C8B-B14F-4D97-AF65-F5344CB8AC3E}">
@@ -21374,21 +21343,44 @@
           </a:p>
         </p:txBody>
       </p:sp>
+      <p:sp>
+        <p:nvSpPr>
+          <p:cNvPr id="5" name="Marcador de Posição de Conteúdo 4">
+            <a:extLst>
+              <a:ext uri="{FF2B5EF4-FFF2-40B4-BE49-F238E27FC236}">
+                <a16:creationId xmlns:a16="http://schemas.microsoft.com/office/drawing/2014/main" id="{CE0CF759-D61B-4EC5-A11F-662D85D03D1A}"/>
+              </a:ext>
+            </a:extLst>
+          </p:cNvPr>
+          <p:cNvSpPr>
+            <a:spLocks noGrp="1"/>
+          </p:cNvSpPr>
+          <p:nvPr>
+            <p:ph sz="half" idx="2"/>
+          </p:nvPr>
+        </p:nvSpPr>
+        <p:spPr/>
+        <p:txBody>
+          <a:bodyPr/>
+          <a:lstStyle/>
+          <a:p>
+            <a:endParaRPr lang="pt-PT"/>
+          </a:p>
+        </p:txBody>
+      </p:sp>
       <p:pic>
         <p:nvPicPr>
-          <p:cNvPr id="7" name="Marcador de Posição de Conteúdo 6">
+          <p:cNvPr id="10" name="Imagem 9">
             <a:extLst>
               <a:ext uri="{FF2B5EF4-FFF2-40B4-BE49-F238E27FC236}">
-                <a16:creationId xmlns:a16="http://schemas.microsoft.com/office/drawing/2014/main" id="{FB467836-F218-4C9D-B8A5-8177D226CBE4}"/>
+                <a16:creationId xmlns:a16="http://schemas.microsoft.com/office/drawing/2014/main" id="{240A5A9C-2BCA-4590-86F3-C60D813FD261}"/>
               </a:ext>
             </a:extLst>
           </p:cNvPr>
           <p:cNvPicPr>
-            <a:picLocks noGrp="1" noChangeAspect="1"/>
+            <a:picLocks noChangeAspect="1"/>
           </p:cNvPicPr>
-          <p:nvPr>
-            <p:ph sz="half" idx="2"/>
-          </p:nvPr>
+          <p:nvPr/>
         </p:nvPicPr>
         <p:blipFill>
           <a:blip r:embed="rId2"/>
@@ -21398,9 +21390,12 @@
         </p:blipFill>
         <p:spPr>
           <a:xfrm>
-            <a:off x="151178" y="1510224"/>
-            <a:ext cx="11836086" cy="4507117"/>
+            <a:off x="0" y="1363792"/>
+            <a:ext cx="12192000" cy="4975989"/>
           </a:xfrm>
+          <a:prstGeom prst="rect">
+            <a:avLst/>
+          </a:prstGeom>
         </p:spPr>
       </p:pic>
     </p:spTree>

--- a/Trabalho prático.pptx
+++ b/Trabalho prático.pptx
@@ -10058,10 +10058,10 @@
       </p:sp>
       <p:pic>
         <p:nvPicPr>
-          <p:cNvPr id="12" name="Imagem 11">
+          <p:cNvPr id="8" name="Imagem 7">
             <a:extLst>
               <a:ext uri="{FF2B5EF4-FFF2-40B4-BE49-F238E27FC236}">
-                <a16:creationId xmlns:a16="http://schemas.microsoft.com/office/drawing/2014/main" id="{8B50C26C-01F6-4BAD-B92D-F273DF9F2721}"/>
+                <a16:creationId xmlns:a16="http://schemas.microsoft.com/office/drawing/2014/main" id="{14FC9A6D-C0CD-4089-B74D-EE9E3D2A597B}"/>
               </a:ext>
             </a:extLst>
           </p:cNvPr>
@@ -10078,8 +10078,8 @@
         </p:blipFill>
         <p:spPr>
           <a:xfrm>
-            <a:off x="0" y="1066799"/>
-            <a:ext cx="12192000" cy="5310150"/>
+            <a:off x="298656" y="1179990"/>
+            <a:ext cx="11594688" cy="5540700"/>
           </a:xfrm>
           <a:prstGeom prst="rect">
             <a:avLst/>
@@ -20501,10 +20501,10 @@
       </p:sp>
       <p:pic>
         <p:nvPicPr>
-          <p:cNvPr id="7" name="Imagem 6">
+          <p:cNvPr id="18" name="Imagem 17">
             <a:extLst>
               <a:ext uri="{FF2B5EF4-FFF2-40B4-BE49-F238E27FC236}">
-                <a16:creationId xmlns:a16="http://schemas.microsoft.com/office/drawing/2014/main" id="{07F01C6F-1CDE-44E6-A275-7E412DF53F0C}"/>
+                <a16:creationId xmlns:a16="http://schemas.microsoft.com/office/drawing/2014/main" id="{19575DBF-3D6C-4B71-8426-A5197EAE97CF}"/>
               </a:ext>
             </a:extLst>
           </p:cNvPr>
@@ -20521,8 +20521,8 @@
         </p:blipFill>
         <p:spPr>
           <a:xfrm>
-            <a:off x="5751513" y="1787180"/>
-            <a:ext cx="6243842" cy="3197775"/>
+            <a:off x="5549564" y="1720645"/>
+            <a:ext cx="6642436" cy="3555728"/>
           </a:xfrm>
           <a:prstGeom prst="rect">
             <a:avLst/>
@@ -20647,7 +20647,7 @@
           </a:prstGeom>
           <a:ln w="57150">
             <a:solidFill>
-              <a:schemeClr val="accent2"/>
+              <a:srgbClr val="FF0000"/>
             </a:solidFill>
             <a:prstDash val="sysDash"/>
           </a:ln>
@@ -20668,36 +20668,82 @@
               <a:buSzPct val="100000"/>
             </a:pPr>
             <a:r>
-              <a:rPr lang="pt-PT"/>
-              <a:t>A secção utilizadores é composta por 3 tabelas principais, um </a:t>
-            </a:r>
-            <a:r>
-              <a:rPr lang="pt-PT" b="1" i="1" err="1"/>
+              <a:rPr lang="pt-PT" dirty="0"/>
+              <a:t>A secção utilizadores é composta por 4 tabelas principais, um </a:t>
+            </a:r>
+            <a:r>
+              <a:rPr lang="pt-PT" b="1" i="1" dirty="0" err="1"/>
               <a:t>User</a:t>
             </a:r>
             <a:r>
-              <a:rPr lang="pt-PT"/>
-              <a:t> onde é guardada a informação base de um utilizador (password encriptada, nome de utilizador, email…), uma tabela com </a:t>
-            </a:r>
-            <a:r>
-              <a:rPr lang="pt-PT" b="1" i="1"/>
-              <a:t>as Roles de cada utilizador, </a:t>
-            </a:r>
-            <a:r>
-              <a:rPr lang="pt-PT"/>
-              <a:t>juntamente com a data em que as quais foram fornecidas e, por fim, uma tabela </a:t>
-            </a:r>
-            <a:r>
-              <a:rPr lang="pt-PT" b="1" i="1"/>
-              <a:t>Roles</a:t>
-            </a:r>
-            <a:r>
-              <a:rPr lang="pt-PT"/>
-              <a:t> que contém todos os tipos de roles e os dados que lhes são intrínsecos.</a:t>
+              <a:rPr lang="pt-PT" dirty="0"/>
+              <a:t> onde é guardada a informação base de um utilizador (password encriptada, nome de utilizador, email…) e as suas extensões de herança: </a:t>
+            </a:r>
+            <a:r>
+              <a:rPr lang="pt-PT" b="1" i="1" dirty="0"/>
+              <a:t>Vendedor</a:t>
+            </a:r>
+            <a:r>
+              <a:rPr lang="pt-PT" dirty="0"/>
+              <a:t>, </a:t>
+            </a:r>
+            <a:r>
+              <a:rPr lang="pt-PT" b="1" i="1" dirty="0"/>
+              <a:t>Comprador</a:t>
+            </a:r>
+            <a:r>
+              <a:rPr lang="pt-PT" dirty="0"/>
+              <a:t> (da tabela </a:t>
+            </a:r>
+            <a:r>
+              <a:rPr lang="pt-PT" b="1" i="1" dirty="0"/>
+              <a:t>Transacionistas</a:t>
+            </a:r>
+            <a:r>
+              <a:rPr lang="pt-PT" dirty="0"/>
+              <a:t>) e </a:t>
+            </a:r>
+            <a:r>
+              <a:rPr lang="pt-PT" b="1" i="1" dirty="0"/>
+              <a:t>Administrador</a:t>
+            </a:r>
+            <a:r>
+              <a:rPr lang="pt-PT" dirty="0"/>
+              <a:t>.</a:t>
             </a:r>
           </a:p>
         </p:txBody>
       </p:sp>
+      <p:pic>
+        <p:nvPicPr>
+          <p:cNvPr id="5" name="Imagem 4">
+            <a:extLst>
+              <a:ext uri="{FF2B5EF4-FFF2-40B4-BE49-F238E27FC236}">
+                <a16:creationId xmlns:a16="http://schemas.microsoft.com/office/drawing/2014/main" id="{9A4A5A4E-1B34-45B2-80D1-67009C6B6EF6}"/>
+              </a:ext>
+            </a:extLst>
+          </p:cNvPr>
+          <p:cNvPicPr>
+            <a:picLocks noChangeAspect="1"/>
+          </p:cNvPicPr>
+          <p:nvPr/>
+        </p:nvPicPr>
+        <p:blipFill>
+          <a:blip r:embed="rId2"/>
+          <a:stretch>
+            <a:fillRect/>
+          </a:stretch>
+        </p:blipFill>
+        <p:spPr>
+          <a:xfrm>
+            <a:off x="6918816" y="1337733"/>
+            <a:ext cx="4706007" cy="5239481"/>
+          </a:xfrm>
+          <a:prstGeom prst="rect">
+            <a:avLst/>
+          </a:prstGeom>
+        </p:spPr>
+      </p:pic>
     </p:spTree>
     <p:extLst>
       <p:ext uri="{BB962C8B-B14F-4D97-AF65-F5344CB8AC3E}">
@@ -20840,76 +20886,132 @@
               <a:buSzPct val="100000"/>
             </a:pPr>
             <a:r>
-              <a:rPr lang="pt-PT"/>
+              <a:rPr lang="pt-PT" dirty="0"/>
               <a:t>Esta secção é composta por 5 tabelas principais: a </a:t>
             </a:r>
             <a:r>
-              <a:rPr lang="pt-PT" b="1" i="1" err="1"/>
+              <a:rPr lang="pt-PT" b="1" i="1" dirty="0" err="1"/>
               <a:t>Product</a:t>
             </a:r>
             <a:r>
-              <a:rPr lang="pt-PT" i="1"/>
+              <a:rPr lang="pt-PT" dirty="0"/>
+              <a:t>, (e as suas extensões) onde é guardada a informação base de um produto (nome, preço, stock); a </a:t>
+            </a:r>
+            <a:r>
+              <a:rPr lang="pt-PT" b="1" i="1" dirty="0"/>
+              <a:t>Empresa</a:t>
+            </a:r>
+            <a:r>
+              <a:rPr lang="pt-PT" i="1" dirty="0"/>
               <a:t>,</a:t>
             </a:r>
             <a:r>
-              <a:rPr lang="pt-PT"/>
-              <a:t> onde é guardada a informação base de um produto (nome, preço, stock); a </a:t>
-            </a:r>
-            <a:r>
-              <a:rPr lang="pt-PT" b="1" i="1"/>
-              <a:t>Empresa</a:t>
-            </a:r>
-            <a:r>
-              <a:rPr lang="pt-PT" i="1"/>
-              <a:t>,</a:t>
-            </a:r>
-            <a:r>
-              <a:rPr lang="pt-PT"/>
+              <a:rPr lang="pt-PT" dirty="0"/>
               <a:t> onde é feita outra tabela que contem informação mais específica sobre a empresa em causa (nome, endereço, telefone …); a </a:t>
             </a:r>
             <a:r>
-              <a:rPr lang="pt-PT" b="1" i="1"/>
+              <a:rPr lang="pt-PT" b="1" i="1" dirty="0"/>
               <a:t>Especificações</a:t>
             </a:r>
             <a:r>
-              <a:rPr lang="pt-PT"/>
+              <a:rPr lang="pt-PT" dirty="0"/>
               <a:t> de um produto juntamente com uma tabela que ligue </a:t>
             </a:r>
             <a:r>
-              <a:rPr lang="pt-PT" i="1"/>
+              <a:rPr lang="pt-PT" i="1" dirty="0"/>
               <a:t>n</a:t>
             </a:r>
             <a:r>
-              <a:rPr lang="pt-PT"/>
-              <a:t> especificações a </a:t>
-            </a:r>
-            <a:r>
-              <a:rPr lang="pt-PT" i="1"/>
-              <a:t>n </a:t>
-            </a:r>
-            <a:r>
-              <a:rPr lang="pt-PT"/>
-              <a:t>Produtos (visto que a mesma especificação pode ser transversal a vários produtos) uma tabela que guarde o </a:t>
-            </a:r>
-            <a:r>
-              <a:rPr lang="pt-PT" b="1" i="1"/>
+              <a:rPr lang="pt-PT" dirty="0"/>
+              <a:t> especificações a um</a:t>
+            </a:r>
+            <a:r>
+              <a:rPr lang="pt-PT" i="1" dirty="0"/>
+              <a:t> </a:t>
+            </a:r>
+            <a:r>
+              <a:rPr lang="pt-PT" dirty="0"/>
+              <a:t>Produto uma tabela que guarde o </a:t>
+            </a:r>
+            <a:r>
+              <a:rPr lang="pt-PT" b="1" i="1" dirty="0"/>
               <a:t>Histórico de Produtos </a:t>
             </a:r>
             <a:r>
-              <a:rPr lang="pt-PT"/>
+              <a:rPr lang="pt-PT" dirty="0"/>
               <a:t>(que também tenha a data que foi modificado) e, por fim, os </a:t>
             </a:r>
             <a:r>
-              <a:rPr lang="pt-PT" b="1" i="1"/>
+              <a:rPr lang="pt-PT" b="1" i="1" dirty="0"/>
               <a:t>Ratings</a:t>
             </a:r>
             <a:r>
-              <a:rPr lang="pt-PT"/>
+              <a:rPr lang="pt-PT" dirty="0"/>
               <a:t> associados aos produtos.</a:t>
             </a:r>
           </a:p>
         </p:txBody>
       </p:sp>
+      <p:pic>
+        <p:nvPicPr>
+          <p:cNvPr id="5" name="Imagem 4">
+            <a:extLst>
+              <a:ext uri="{FF2B5EF4-FFF2-40B4-BE49-F238E27FC236}">
+                <a16:creationId xmlns:a16="http://schemas.microsoft.com/office/drawing/2014/main" id="{FDCDA547-2409-44DD-93B2-D243F706AB07}"/>
+              </a:ext>
+            </a:extLst>
+          </p:cNvPr>
+          <p:cNvPicPr>
+            <a:picLocks noChangeAspect="1"/>
+          </p:cNvPicPr>
+          <p:nvPr/>
+        </p:nvPicPr>
+        <p:blipFill>
+          <a:blip r:embed="rId2"/>
+          <a:stretch>
+            <a:fillRect/>
+          </a:stretch>
+        </p:blipFill>
+        <p:spPr>
+          <a:xfrm>
+            <a:off x="6643036" y="1449257"/>
+            <a:ext cx="4995334" cy="1328973"/>
+          </a:xfrm>
+          <a:prstGeom prst="rect">
+            <a:avLst/>
+          </a:prstGeom>
+        </p:spPr>
+      </p:pic>
+      <p:pic>
+        <p:nvPicPr>
+          <p:cNvPr id="7" name="Imagem 6">
+            <a:extLst>
+              <a:ext uri="{FF2B5EF4-FFF2-40B4-BE49-F238E27FC236}">
+                <a16:creationId xmlns:a16="http://schemas.microsoft.com/office/drawing/2014/main" id="{5B5C6259-EA54-4E6B-886A-D7FAFB766D4E}"/>
+              </a:ext>
+            </a:extLst>
+          </p:cNvPr>
+          <p:cNvPicPr>
+            <a:picLocks noChangeAspect="1"/>
+          </p:cNvPicPr>
+          <p:nvPr/>
+        </p:nvPicPr>
+        <p:blipFill>
+          <a:blip r:embed="rId3"/>
+          <a:stretch>
+            <a:fillRect/>
+          </a:stretch>
+        </p:blipFill>
+        <p:spPr>
+          <a:xfrm>
+            <a:off x="7167714" y="2941669"/>
+            <a:ext cx="4139381" cy="3760779"/>
+          </a:xfrm>
+          <a:prstGeom prst="rect">
+            <a:avLst/>
+          </a:prstGeom>
+        </p:spPr>
+      </p:pic>
     </p:spTree>
     <p:extLst>
       <p:ext uri="{BB962C8B-B14F-4D97-AF65-F5344CB8AC3E}">
@@ -21028,7 +21130,7 @@
           </a:prstGeom>
           <a:ln w="57150">
             <a:solidFill>
-              <a:srgbClr val="FF0000"/>
+              <a:schemeClr val="accent6"/>
             </a:solidFill>
             <a:prstDash val="sysDash"/>
           </a:ln>
@@ -21095,6 +21197,36 @@
           </a:p>
         </p:txBody>
       </p:sp>
+      <p:pic>
+        <p:nvPicPr>
+          <p:cNvPr id="5" name="Imagem 4">
+            <a:extLst>
+              <a:ext uri="{FF2B5EF4-FFF2-40B4-BE49-F238E27FC236}">
+                <a16:creationId xmlns:a16="http://schemas.microsoft.com/office/drawing/2014/main" id="{54AE2200-8ECB-4C96-89AB-D1C8839C2092}"/>
+              </a:ext>
+            </a:extLst>
+          </p:cNvPr>
+          <p:cNvPicPr>
+            <a:picLocks noChangeAspect="1"/>
+          </p:cNvPicPr>
+          <p:nvPr/>
+        </p:nvPicPr>
+        <p:blipFill>
+          <a:blip r:embed="rId2"/>
+          <a:stretch>
+            <a:fillRect/>
+          </a:stretch>
+        </p:blipFill>
+        <p:spPr>
+          <a:xfrm>
+            <a:off x="5961636" y="2309438"/>
+            <a:ext cx="5715798" cy="3143689"/>
+          </a:xfrm>
+          <a:prstGeom prst="rect">
+            <a:avLst/>
+          </a:prstGeom>
+        </p:spPr>
+      </p:pic>
     </p:spTree>
     <p:extLst>
       <p:ext uri="{BB962C8B-B14F-4D97-AF65-F5344CB8AC3E}">
@@ -21154,7 +21286,7 @@
           <a:lstStyle/>
           <a:p>
             <a:r>
-              <a:rPr lang="pt-PT" b="0" kern="1200" cap="all">
+              <a:rPr lang="pt-PT" b="0" kern="1200" cap="all" dirty="0">
                 <a:ln w="3175" cmpd="sng">
                   <a:noFill/>
                 </a:ln>
@@ -21166,7 +21298,7 @@
               <a:t>Explicação geral da base de dados</a:t>
             </a:r>
             <a:br>
-              <a:rPr lang="pt-PT" b="0" kern="1200" cap="all">
+              <a:rPr lang="pt-PT" b="0" kern="1200" cap="all" dirty="0">
                 <a:ln w="3175" cmpd="sng">
                   <a:noFill/>
                 </a:ln>
@@ -21177,7 +21309,7 @@
               </a:rPr>
             </a:br>
             <a:r>
-              <a:rPr lang="pt-PT" b="0" kern="1200" cap="all">
+              <a:rPr lang="pt-PT" b="0" kern="1200" cap="all" dirty="0">
                 <a:ln w="3175" cmpd="sng">
                   <a:noFill/>
                 </a:ln>
@@ -21252,6 +21384,36 @@
           </a:p>
         </p:txBody>
       </p:sp>
+      <p:pic>
+        <p:nvPicPr>
+          <p:cNvPr id="5" name="Imagem 4">
+            <a:extLst>
+              <a:ext uri="{FF2B5EF4-FFF2-40B4-BE49-F238E27FC236}">
+                <a16:creationId xmlns:a16="http://schemas.microsoft.com/office/drawing/2014/main" id="{96B5B781-6919-45DA-B0AF-CE32D0DF455F}"/>
+              </a:ext>
+            </a:extLst>
+          </p:cNvPr>
+          <p:cNvPicPr>
+            <a:picLocks noChangeAspect="1"/>
+          </p:cNvPicPr>
+          <p:nvPr/>
+        </p:nvPicPr>
+        <p:blipFill>
+          <a:blip r:embed="rId2"/>
+          <a:stretch>
+            <a:fillRect/>
+          </a:stretch>
+        </p:blipFill>
+        <p:spPr>
+          <a:xfrm>
+            <a:off x="5994498" y="2466186"/>
+            <a:ext cx="5925377" cy="2495898"/>
+          </a:xfrm>
+          <a:prstGeom prst="rect">
+            <a:avLst/>
+          </a:prstGeom>
+        </p:spPr>
+      </p:pic>
     </p:spTree>
     <p:extLst>
       <p:ext uri="{BB962C8B-B14F-4D97-AF65-F5344CB8AC3E}">
@@ -21370,10 +21532,10 @@
       </p:sp>
       <p:pic>
         <p:nvPicPr>
-          <p:cNvPr id="10" name="Imagem 9">
+          <p:cNvPr id="13" name="Imagem 12">
             <a:extLst>
               <a:ext uri="{FF2B5EF4-FFF2-40B4-BE49-F238E27FC236}">
-                <a16:creationId xmlns:a16="http://schemas.microsoft.com/office/drawing/2014/main" id="{240A5A9C-2BCA-4590-86F3-C60D813FD261}"/>
+                <a16:creationId xmlns:a16="http://schemas.microsoft.com/office/drawing/2014/main" id="{8FE64A28-4ECA-4C2E-8612-89EAF063A02B}"/>
               </a:ext>
             </a:extLst>
           </p:cNvPr>
@@ -21390,8 +21552,8 @@
         </p:blipFill>
         <p:spPr>
           <a:xfrm>
-            <a:off x="0" y="1363792"/>
-            <a:ext cx="12192000" cy="4975989"/>
+            <a:off x="190163" y="1159983"/>
+            <a:ext cx="11811674" cy="5558435"/>
           </a:xfrm>
           <a:prstGeom prst="rect">
             <a:avLst/>
@@ -22251,15 +22413,6 @@
 </file>
 
 <file path=customXml/item1.xml><?xml version="1.0" encoding="utf-8"?>
-<?mso-contentType ?>
-<FormTemplates xmlns="http://schemas.microsoft.com/sharepoint/v3/contenttype/forms">
-  <Display>DocumentLibraryForm</Display>
-  <Edit>DocumentLibraryForm</Edit>
-  <New>DocumentLibraryForm</New>
-</FormTemplates>
-</file>
-
-<file path=customXml/item2.xml><?xml version="1.0" encoding="utf-8"?>
 <ct:contentTypeSchema xmlns:ct="http://schemas.microsoft.com/office/2006/metadata/contentType" xmlns:ma="http://schemas.microsoft.com/office/2006/metadata/properties/metaAttributes" ct:_="" ma:_="" ma:contentTypeName="Documento" ma:contentTypeID="0x0101006E0DC1A12F3C8C4193A9BC58026E2129" ma:contentTypeVersion="11" ma:contentTypeDescription="Criar um novo documento." ma:contentTypeScope="" ma:versionID="ccd5ed97977f99c7ab1643cfa5a9b0a8">
   <xsd:schema xmlns:xsd="http://www.w3.org/2001/XMLSchema" xmlns:xs="http://www.w3.org/2001/XMLSchema" xmlns:p="http://schemas.microsoft.com/office/2006/metadata/properties" xmlns:ns3="eadd18a0-b79f-4092-be33-0b324616ec8b" targetNamespace="http://schemas.microsoft.com/office/2006/metadata/properties" ma:root="true" ma:fieldsID="f882415be22080bf720e4084a7789ecc" ns3:_="">
     <xsd:import namespace="eadd18a0-b79f-4092-be33-0b324616ec8b"/>
@@ -22449,6 +22602,15 @@
 </ct:contentTypeSchema>
 </file>
 
+<file path=customXml/item2.xml><?xml version="1.0" encoding="utf-8"?>
+<?mso-contentType ?>
+<FormTemplates xmlns="http://schemas.microsoft.com/sharepoint/v3/contenttype/forms">
+  <Display>DocumentLibraryForm</Display>
+  <Edit>DocumentLibraryForm</Edit>
+  <New>DocumentLibraryForm</New>
+</FormTemplates>
+</file>
+
 <file path=customXml/item3.xml><?xml version="1.0" encoding="utf-8"?>
 <p:properties xmlns:p="http://schemas.microsoft.com/office/2006/metadata/properties" xmlns:xsi="http://www.w3.org/2001/XMLSchema-instance" xmlns:pc="http://schemas.microsoft.com/office/infopath/2007/PartnerControls">
   <documentManagement>
@@ -22458,14 +22620,6 @@
 </file>
 
 <file path=customXml/itemProps1.xml><?xml version="1.0" encoding="utf-8"?>
-<ds:datastoreItem xmlns:ds="http://schemas.openxmlformats.org/officeDocument/2006/customXml" ds:itemID="{A0D51BCB-0419-432E-B7F1-25548446A625}">
-  <ds:schemaRefs>
-    <ds:schemaRef ds:uri="http://schemas.microsoft.com/sharepoint/v3/contenttype/forms"/>
-  </ds:schemaRefs>
-</ds:datastoreItem>
-</file>
-
-<file path=customXml/itemProps2.xml><?xml version="1.0" encoding="utf-8"?>
 <ds:datastoreItem xmlns:ds="http://schemas.openxmlformats.org/officeDocument/2006/customXml" ds:itemID="{AE0632C2-06E4-4B3C-B1DE-703B77CC218D}">
   <ds:schemaRefs>
     <ds:schemaRef ds:uri="eadd18a0-b79f-4092-be33-0b324616ec8b"/>
@@ -22479,6 +22633,14 @@
     <ds:schemaRef ds:uri="http://schemas.microsoft.com/office/infopath/2007/PartnerControls"/>
     <ds:schemaRef ds:uri="http://schemas.openxmlformats.org/package/2006/metadata/core-properties"/>
     <ds:schemaRef ds:uri="http://www.w3.org/2001/XMLSchema"/>
+  </ds:schemaRefs>
+</ds:datastoreItem>
+</file>
+
+<file path=customXml/itemProps2.xml><?xml version="1.0" encoding="utf-8"?>
+<ds:datastoreItem xmlns:ds="http://schemas.openxmlformats.org/officeDocument/2006/customXml" ds:itemID="{A0D51BCB-0419-432E-B7F1-25548446A625}">
+  <ds:schemaRefs>
+    <ds:schemaRef ds:uri="http://schemas.microsoft.com/sharepoint/v3/contenttype/forms"/>
   </ds:schemaRefs>
 </ds:datastoreItem>
 </file>

--- a/Trabalho prático.pptx
+++ b/Trabalho prático.pptx
@@ -3297,7 +3297,7 @@
             <a:pPr rtl="0"/>
             <a:fld id="{4F0CA431-7F0F-451E-87BF-573BA966B2C1}" type="datetime1">
               <a:rPr lang="pt-PT" smtClean="0"/>
-              <a:t>25/03/2022</a:t>
+              <a:t>26/03/2022</a:t>
             </a:fld>
             <a:endParaRPr lang="pt-PT"/>
           </a:p>
@@ -3479,7 +3479,7 @@
             <a:fld id="{DD843740-0000-40E5-8C98-29C8101FFDB8}" type="datetime1">
               <a:rPr lang="pt-PT" smtClean="0"/>
               <a:pPr/>
-              <a:t>25/03/2022</a:t>
+              <a:t>26/03/2022</a:t>
             </a:fld>
             <a:endParaRPr lang="pt-PT"/>
           </a:p>
@@ -4238,7 +4238,7 @@
             <a:pPr rtl="0"/>
             <a:fld id="{629A61C5-9472-4BE4-BF9D-AAD79B0164EF}" type="datetime1">
               <a:rPr lang="pt-PT" noProof="0" smtClean="0"/>
-              <a:t>25/03/2022</a:t>
+              <a:t>26/03/2022</a:t>
             </a:fld>
             <a:endParaRPr lang="pt-PT" noProof="0"/>
           </a:p>
@@ -4576,7 +4576,7 @@
             <a:pPr rtl="0"/>
             <a:fld id="{11ED9F09-46FA-44E8-B897-84EA63CBD209}" type="datetime1">
               <a:rPr lang="pt-PT" noProof="0" smtClean="0"/>
-              <a:t>25/03/2022</a:t>
+              <a:t>26/03/2022</a:t>
             </a:fld>
             <a:endParaRPr lang="pt-PT" noProof="0"/>
           </a:p>
@@ -4858,7 +4858,7 @@
             <a:pPr rtl="0"/>
             <a:fld id="{B30FD4AA-7DE7-4151-8F4D-91AF9EF87CA6}" type="datetime1">
               <a:rPr lang="pt-PT" noProof="0" smtClean="0"/>
-              <a:t>25/03/2022</a:t>
+              <a:t>26/03/2022</a:t>
             </a:fld>
             <a:endParaRPr lang="pt-PT" noProof="0"/>
           </a:p>
@@ -5430,7 +5430,7 @@
             <a:pPr rtl="0"/>
             <a:fld id="{73C912A5-E42D-4FA6-8374-37272029EF41}" type="datetime1">
               <a:rPr lang="pt-PT" noProof="0" smtClean="0"/>
-              <a:t>25/03/2022</a:t>
+              <a:t>26/03/2022</a:t>
             </a:fld>
             <a:endParaRPr lang="pt-PT" noProof="0"/>
           </a:p>
@@ -5712,7 +5712,7 @@
             <a:pPr rtl="0"/>
             <a:fld id="{E0EF203A-6E22-485D-AA90-7BDFC2DD93F6}" type="datetime1">
               <a:rPr lang="pt-PT" noProof="0" smtClean="0"/>
-              <a:t>25/03/2022</a:t>
+              <a:t>26/03/2022</a:t>
             </a:fld>
             <a:endParaRPr lang="pt-PT" noProof="0"/>
           </a:p>
@@ -6278,7 +6278,7 @@
             <a:pPr rtl="0"/>
             <a:fld id="{318D837C-E9F2-4574-8202-B239DC4D3ADB}" type="datetime1">
               <a:rPr lang="pt-PT" noProof="0" smtClean="0"/>
-              <a:t>25/03/2022</a:t>
+              <a:t>26/03/2022</a:t>
             </a:fld>
             <a:endParaRPr lang="pt-PT" noProof="0"/>
           </a:p>
@@ -6608,7 +6608,7 @@
             <a:pPr rtl="0"/>
             <a:fld id="{88B3D4A5-BBB7-4963-A327-84B3D0C26BA9}" type="datetime1">
               <a:rPr lang="pt-PT" noProof="0" smtClean="0"/>
-              <a:t>25/03/2022</a:t>
+              <a:t>26/03/2022</a:t>
             </a:fld>
             <a:endParaRPr lang="pt-PT" noProof="0"/>
           </a:p>
@@ -6816,7 +6816,7 @@
             <a:pPr rtl="0"/>
             <a:fld id="{ED4FF7F9-1D88-4D9C-8A1B-0C70CFA11635}" type="datetime1">
               <a:rPr lang="pt-PT" noProof="0" smtClean="0"/>
-              <a:t>25/03/2022</a:t>
+              <a:t>26/03/2022</a:t>
             </a:fld>
             <a:endParaRPr lang="pt-PT" noProof="0"/>
           </a:p>
@@ -7028,7 +7028,7 @@
             <a:pPr rtl="0"/>
             <a:fld id="{C1824A14-7316-4607-93C8-7624B6795711}" type="datetime1">
               <a:rPr lang="pt-PT" noProof="0" smtClean="0"/>
-              <a:t>25/03/2022</a:t>
+              <a:t>26/03/2022</a:t>
             </a:fld>
             <a:endParaRPr lang="pt-PT" noProof="0"/>
           </a:p>
@@ -7230,7 +7230,7 @@
             <a:pPr rtl="0"/>
             <a:fld id="{36142FC6-D8E8-4706-AF05-EF6079BBA0F4}" type="datetime1">
               <a:rPr lang="pt-PT" noProof="0" smtClean="0"/>
-              <a:t>25/03/2022</a:t>
+              <a:t>26/03/2022</a:t>
             </a:fld>
             <a:endParaRPr lang="pt-PT" noProof="0"/>
           </a:p>
@@ -7509,7 +7509,7 @@
             <a:pPr rtl="0"/>
             <a:fld id="{CC8DEDDD-06E2-46A0-B2C3-B5671A13AA3E}" type="datetime1">
               <a:rPr lang="pt-PT" noProof="0" smtClean="0"/>
-              <a:t>25/03/2022</a:t>
+              <a:t>26/03/2022</a:t>
             </a:fld>
             <a:endParaRPr lang="pt-PT" noProof="0"/>
           </a:p>
@@ -7777,7 +7777,7 @@
             <a:pPr rtl="0"/>
             <a:fld id="{FB0DCCDA-DBFB-4682-9796-AA2FEB075073}" type="datetime1">
               <a:rPr lang="pt-PT" noProof="0" smtClean="0"/>
-              <a:t>25/03/2022</a:t>
+              <a:t>26/03/2022</a:t>
             </a:fld>
             <a:endParaRPr lang="pt-PT" noProof="0"/>
           </a:p>
@@ -8152,7 +8152,7 @@
             <a:pPr rtl="0"/>
             <a:fld id="{C14C8A9B-DB4A-423D-8951-131D49731D01}" type="datetime1">
               <a:rPr lang="pt-PT" noProof="0" smtClean="0"/>
-              <a:t>25/03/2022</a:t>
+              <a:t>26/03/2022</a:t>
             </a:fld>
             <a:endParaRPr lang="pt-PT" noProof="0"/>
           </a:p>
@@ -8303,7 +8303,7 @@
             <a:pPr rtl="0"/>
             <a:fld id="{87389B67-3430-4A0A-A0B8-5B15F1047E1F}" type="datetime1">
               <a:rPr lang="pt-PT" noProof="0" smtClean="0"/>
-              <a:t>25/03/2022</a:t>
+              <a:t>26/03/2022</a:t>
             </a:fld>
             <a:endParaRPr lang="pt-PT" noProof="0"/>
           </a:p>
@@ -8431,7 +8431,7 @@
             <a:pPr rtl="0"/>
             <a:fld id="{E5C803D9-758B-4736-8B16-02F78FEDE812}" type="datetime1">
               <a:rPr lang="pt-PT" noProof="0" smtClean="0"/>
-              <a:t>25/03/2022</a:t>
+              <a:t>26/03/2022</a:t>
             </a:fld>
             <a:endParaRPr lang="pt-PT" noProof="0"/>
           </a:p>
@@ -8718,7 +8718,7 @@
             <a:pPr rtl="0"/>
             <a:fld id="{B2C05C71-5A01-4F58-A5E6-03FF61EF34BC}" type="datetime1">
               <a:rPr lang="pt-PT" noProof="0" smtClean="0"/>
-              <a:t>25/03/2022</a:t>
+              <a:t>26/03/2022</a:t>
             </a:fld>
             <a:endParaRPr lang="pt-PT" noProof="0"/>
           </a:p>
@@ -9046,7 +9046,7 @@
             <a:pPr rtl="0"/>
             <a:fld id="{65CA4D21-4D48-4BAD-8558-79A5A4794CEA}" type="datetime1">
               <a:rPr lang="pt-PT" noProof="0" smtClean="0"/>
-              <a:t>25/03/2022</a:t>
+              <a:t>26/03/2022</a:t>
             </a:fld>
             <a:endParaRPr lang="pt-PT" noProof="0"/>
           </a:p>
@@ -9263,7 +9263,7 @@
             <a:pPr rtl="0"/>
             <a:fld id="{8D66683A-CCB2-465E-B82E-D9D6CB145A16}" type="datetime1">
               <a:rPr lang="pt-PT" noProof="0" smtClean="0"/>
-              <a:t>25/03/2022</a:t>
+              <a:t>26/03/2022</a:t>
             </a:fld>
             <a:endParaRPr lang="pt-PT" noProof="0"/>
           </a:p>
@@ -10056,36 +10056,6 @@
           </a:p>
         </p:txBody>
       </p:sp>
-      <p:pic>
-        <p:nvPicPr>
-          <p:cNvPr id="12" name="Imagem 11">
-            <a:extLst>
-              <a:ext uri="{FF2B5EF4-FFF2-40B4-BE49-F238E27FC236}">
-                <a16:creationId xmlns:a16="http://schemas.microsoft.com/office/drawing/2014/main" id="{8B50C26C-01F6-4BAD-B92D-F273DF9F2721}"/>
-              </a:ext>
-            </a:extLst>
-          </p:cNvPr>
-          <p:cNvPicPr>
-            <a:picLocks noChangeAspect="1"/>
-          </p:cNvPicPr>
-          <p:nvPr/>
-        </p:nvPicPr>
-        <p:blipFill>
-          <a:blip r:embed="rId2"/>
-          <a:stretch>
-            <a:fillRect/>
-          </a:stretch>
-        </p:blipFill>
-        <p:spPr>
-          <a:xfrm>
-            <a:off x="0" y="1066799"/>
-            <a:ext cx="12192000" cy="5310150"/>
-          </a:xfrm>
-          <a:prstGeom prst="rect">
-            <a:avLst/>
-          </a:prstGeom>
-        </p:spPr>
-      </p:pic>
     </p:spTree>
     <p:extLst>
       <p:ext uri="{BB962C8B-B14F-4D97-AF65-F5344CB8AC3E}">
@@ -20499,36 +20469,6 @@
           </a:p>
         </p:txBody>
       </p:sp>
-      <p:pic>
-        <p:nvPicPr>
-          <p:cNvPr id="7" name="Imagem 6">
-            <a:extLst>
-              <a:ext uri="{FF2B5EF4-FFF2-40B4-BE49-F238E27FC236}">
-                <a16:creationId xmlns:a16="http://schemas.microsoft.com/office/drawing/2014/main" id="{07F01C6F-1CDE-44E6-A275-7E412DF53F0C}"/>
-              </a:ext>
-            </a:extLst>
-          </p:cNvPr>
-          <p:cNvPicPr>
-            <a:picLocks noChangeAspect="1"/>
-          </p:cNvPicPr>
-          <p:nvPr/>
-        </p:nvPicPr>
-        <p:blipFill>
-          <a:blip r:embed="rId2"/>
-          <a:stretch>
-            <a:fillRect/>
-          </a:stretch>
-        </p:blipFill>
-        <p:spPr>
-          <a:xfrm>
-            <a:off x="5751513" y="1787180"/>
-            <a:ext cx="6243842" cy="3197775"/>
-          </a:xfrm>
-          <a:prstGeom prst="rect">
-            <a:avLst/>
-          </a:prstGeom>
-        </p:spPr>
-      </p:pic>
     </p:spTree>
     <p:extLst>
       <p:ext uri="{BB962C8B-B14F-4D97-AF65-F5344CB8AC3E}">
@@ -21368,36 +21308,6 @@
           </a:p>
         </p:txBody>
       </p:sp>
-      <p:pic>
-        <p:nvPicPr>
-          <p:cNvPr id="10" name="Imagem 9">
-            <a:extLst>
-              <a:ext uri="{FF2B5EF4-FFF2-40B4-BE49-F238E27FC236}">
-                <a16:creationId xmlns:a16="http://schemas.microsoft.com/office/drawing/2014/main" id="{240A5A9C-2BCA-4590-86F3-C60D813FD261}"/>
-              </a:ext>
-            </a:extLst>
-          </p:cNvPr>
-          <p:cNvPicPr>
-            <a:picLocks noChangeAspect="1"/>
-          </p:cNvPicPr>
-          <p:nvPr/>
-        </p:nvPicPr>
-        <p:blipFill>
-          <a:blip r:embed="rId2"/>
-          <a:stretch>
-            <a:fillRect/>
-          </a:stretch>
-        </p:blipFill>
-        <p:spPr>
-          <a:xfrm>
-            <a:off x="0" y="1363792"/>
-            <a:ext cx="12192000" cy="4975989"/>
-          </a:xfrm>
-          <a:prstGeom prst="rect">
-            <a:avLst/>
-          </a:prstGeom>
-        </p:spPr>
-      </p:pic>
     </p:spTree>
     <p:extLst>
       <p:ext uri="{BB962C8B-B14F-4D97-AF65-F5344CB8AC3E}">
@@ -22251,15 +22161,6 @@
 </file>
 
 <file path=customXml/item1.xml><?xml version="1.0" encoding="utf-8"?>
-<?mso-contentType ?>
-<FormTemplates xmlns="http://schemas.microsoft.com/sharepoint/v3/contenttype/forms">
-  <Display>DocumentLibraryForm</Display>
-  <Edit>DocumentLibraryForm</Edit>
-  <New>DocumentLibraryForm</New>
-</FormTemplates>
-</file>
-
-<file path=customXml/item2.xml><?xml version="1.0" encoding="utf-8"?>
 <ct:contentTypeSchema xmlns:ct="http://schemas.microsoft.com/office/2006/metadata/contentType" xmlns:ma="http://schemas.microsoft.com/office/2006/metadata/properties/metaAttributes" ct:_="" ma:_="" ma:contentTypeName="Documento" ma:contentTypeID="0x0101006E0DC1A12F3C8C4193A9BC58026E2129" ma:contentTypeVersion="11" ma:contentTypeDescription="Criar um novo documento." ma:contentTypeScope="" ma:versionID="ccd5ed97977f99c7ab1643cfa5a9b0a8">
   <xsd:schema xmlns:xsd="http://www.w3.org/2001/XMLSchema" xmlns:xs="http://www.w3.org/2001/XMLSchema" xmlns:p="http://schemas.microsoft.com/office/2006/metadata/properties" xmlns:ns3="eadd18a0-b79f-4092-be33-0b324616ec8b" targetNamespace="http://schemas.microsoft.com/office/2006/metadata/properties" ma:root="true" ma:fieldsID="f882415be22080bf720e4084a7789ecc" ns3:_="">
     <xsd:import namespace="eadd18a0-b79f-4092-be33-0b324616ec8b"/>
@@ -22449,6 +22350,15 @@
 </ct:contentTypeSchema>
 </file>
 
+<file path=customXml/item2.xml><?xml version="1.0" encoding="utf-8"?>
+<?mso-contentType ?>
+<FormTemplates xmlns="http://schemas.microsoft.com/sharepoint/v3/contenttype/forms">
+  <Display>DocumentLibraryForm</Display>
+  <Edit>DocumentLibraryForm</Edit>
+  <New>DocumentLibraryForm</New>
+</FormTemplates>
+</file>
+
 <file path=customXml/item3.xml><?xml version="1.0" encoding="utf-8"?>
 <p:properties xmlns:p="http://schemas.microsoft.com/office/2006/metadata/properties" xmlns:xsi="http://www.w3.org/2001/XMLSchema-instance" xmlns:pc="http://schemas.microsoft.com/office/infopath/2007/PartnerControls">
   <documentManagement>
@@ -22458,14 +22368,6 @@
 </file>
 
 <file path=customXml/itemProps1.xml><?xml version="1.0" encoding="utf-8"?>
-<ds:datastoreItem xmlns:ds="http://schemas.openxmlformats.org/officeDocument/2006/customXml" ds:itemID="{A0D51BCB-0419-432E-B7F1-25548446A625}">
-  <ds:schemaRefs>
-    <ds:schemaRef ds:uri="http://schemas.microsoft.com/sharepoint/v3/contenttype/forms"/>
-  </ds:schemaRefs>
-</ds:datastoreItem>
-</file>
-
-<file path=customXml/itemProps2.xml><?xml version="1.0" encoding="utf-8"?>
 <ds:datastoreItem xmlns:ds="http://schemas.openxmlformats.org/officeDocument/2006/customXml" ds:itemID="{AE0632C2-06E4-4B3C-B1DE-703B77CC218D}">
   <ds:schemaRefs>
     <ds:schemaRef ds:uri="eadd18a0-b79f-4092-be33-0b324616ec8b"/>
@@ -22479,6 +22381,14 @@
     <ds:schemaRef ds:uri="http://schemas.microsoft.com/office/infopath/2007/PartnerControls"/>
     <ds:schemaRef ds:uri="http://schemas.openxmlformats.org/package/2006/metadata/core-properties"/>
     <ds:schemaRef ds:uri="http://www.w3.org/2001/XMLSchema"/>
+  </ds:schemaRefs>
+</ds:datastoreItem>
+</file>
+
+<file path=customXml/itemProps2.xml><?xml version="1.0" encoding="utf-8"?>
+<ds:datastoreItem xmlns:ds="http://schemas.openxmlformats.org/officeDocument/2006/customXml" ds:itemID="{A0D51BCB-0419-432E-B7F1-25548446A625}">
+  <ds:schemaRefs>
+    <ds:schemaRef ds:uri="http://schemas.microsoft.com/sharepoint/v3/contenttype/forms"/>
   </ds:schemaRefs>
 </ds:datastoreItem>
 </file>

--- a/Trabalho prático.pptx
+++ b/Trabalho prático.pptx
@@ -5,10 +5,10 @@
     <p:sldMasterId id="2147483744" r:id="rId4"/>
   </p:sldMasterIdLst>
   <p:notesMasterIdLst>
-    <p:notesMasterId r:id="rId20"/>
+    <p:notesMasterId r:id="rId23"/>
   </p:notesMasterIdLst>
   <p:handoutMasterIdLst>
-    <p:handoutMasterId r:id="rId21"/>
+    <p:handoutMasterId r:id="rId24"/>
   </p:handoutMasterIdLst>
   <p:sldIdLst>
     <p:sldId id="256" r:id="rId5"/>
@@ -18,14 +18,17 @@
     <p:sldId id="280" r:id="rId9"/>
     <p:sldId id="282" r:id="rId10"/>
     <p:sldId id="286" r:id="rId11"/>
-    <p:sldId id="285" r:id="rId12"/>
-    <p:sldId id="287" r:id="rId13"/>
-    <p:sldId id="288" r:id="rId14"/>
-    <p:sldId id="289" r:id="rId15"/>
-    <p:sldId id="290" r:id="rId16"/>
-    <p:sldId id="258" r:id="rId17"/>
-    <p:sldId id="278" r:id="rId18"/>
-    <p:sldId id="274" r:id="rId19"/>
+    <p:sldId id="291" r:id="rId12"/>
+    <p:sldId id="285" r:id="rId13"/>
+    <p:sldId id="287" r:id="rId14"/>
+    <p:sldId id="288" r:id="rId15"/>
+    <p:sldId id="292" r:id="rId16"/>
+    <p:sldId id="289" r:id="rId17"/>
+    <p:sldId id="290" r:id="rId18"/>
+    <p:sldId id="293" r:id="rId19"/>
+    <p:sldId id="258" r:id="rId20"/>
+    <p:sldId id="278" r:id="rId21"/>
+    <p:sldId id="274" r:id="rId22"/>
   </p:sldIdLst>
   <p:sldSz cx="12192000" cy="6858000"/>
   <p:notesSz cx="6858000" cy="9144000"/>
@@ -3297,7 +3300,7 @@
             <a:pPr rtl="0"/>
             <a:fld id="{4F0CA431-7F0F-451E-87BF-573BA966B2C1}" type="datetime1">
               <a:rPr lang="pt-PT" smtClean="0"/>
-              <a:t>25/03/2022</a:t>
+              <a:t>27/03/2022</a:t>
             </a:fld>
             <a:endParaRPr lang="pt-PT"/>
           </a:p>
@@ -3479,7 +3482,7 @@
             <a:fld id="{DD843740-0000-40E5-8C98-29C8101FFDB8}" type="datetime1">
               <a:rPr lang="pt-PT" smtClean="0"/>
               <a:pPr/>
-              <a:t>25/03/2022</a:t>
+              <a:t>27/03/2022</a:t>
             </a:fld>
             <a:endParaRPr lang="pt-PT"/>
           </a:p>
@@ -3903,7 +3906,7 @@
             <a:pPr rtl="0"/>
             <a:fld id="{F3544625-0ADF-4414-89A2-9E135F0C849F}" type="slidenum">
               <a:rPr lang="pt-PT" smtClean="0"/>
-              <a:t>13</a:t>
+              <a:t>16</a:t>
             </a:fld>
             <a:endParaRPr lang="pt-PT"/>
           </a:p>
@@ -3989,7 +3992,7 @@
             <a:pPr rtl="0"/>
             <a:fld id="{F3544625-0ADF-4414-89A2-9E135F0C849F}" type="slidenum">
               <a:rPr lang="pt-PT" smtClean="0"/>
-              <a:t>15</a:t>
+              <a:t>18</a:t>
             </a:fld>
             <a:endParaRPr lang="pt-PT"/>
           </a:p>
@@ -4238,7 +4241,7 @@
             <a:pPr rtl="0"/>
             <a:fld id="{629A61C5-9472-4BE4-BF9D-AAD79B0164EF}" type="datetime1">
               <a:rPr lang="pt-PT" noProof="0" smtClean="0"/>
-              <a:t>25/03/2022</a:t>
+              <a:t>27/03/2022</a:t>
             </a:fld>
             <a:endParaRPr lang="pt-PT" noProof="0"/>
           </a:p>
@@ -4576,7 +4579,7 @@
             <a:pPr rtl="0"/>
             <a:fld id="{11ED9F09-46FA-44E8-B897-84EA63CBD209}" type="datetime1">
               <a:rPr lang="pt-PT" noProof="0" smtClean="0"/>
-              <a:t>25/03/2022</a:t>
+              <a:t>27/03/2022</a:t>
             </a:fld>
             <a:endParaRPr lang="pt-PT" noProof="0"/>
           </a:p>
@@ -4858,7 +4861,7 @@
             <a:pPr rtl="0"/>
             <a:fld id="{B30FD4AA-7DE7-4151-8F4D-91AF9EF87CA6}" type="datetime1">
               <a:rPr lang="pt-PT" noProof="0" smtClean="0"/>
-              <a:t>25/03/2022</a:t>
+              <a:t>27/03/2022</a:t>
             </a:fld>
             <a:endParaRPr lang="pt-PT" noProof="0"/>
           </a:p>
@@ -5430,7 +5433,7 @@
             <a:pPr rtl="0"/>
             <a:fld id="{73C912A5-E42D-4FA6-8374-37272029EF41}" type="datetime1">
               <a:rPr lang="pt-PT" noProof="0" smtClean="0"/>
-              <a:t>25/03/2022</a:t>
+              <a:t>27/03/2022</a:t>
             </a:fld>
             <a:endParaRPr lang="pt-PT" noProof="0"/>
           </a:p>
@@ -5712,7 +5715,7 @@
             <a:pPr rtl="0"/>
             <a:fld id="{E0EF203A-6E22-485D-AA90-7BDFC2DD93F6}" type="datetime1">
               <a:rPr lang="pt-PT" noProof="0" smtClean="0"/>
-              <a:t>25/03/2022</a:t>
+              <a:t>27/03/2022</a:t>
             </a:fld>
             <a:endParaRPr lang="pt-PT" noProof="0"/>
           </a:p>
@@ -6278,7 +6281,7 @@
             <a:pPr rtl="0"/>
             <a:fld id="{318D837C-E9F2-4574-8202-B239DC4D3ADB}" type="datetime1">
               <a:rPr lang="pt-PT" noProof="0" smtClean="0"/>
-              <a:t>25/03/2022</a:t>
+              <a:t>27/03/2022</a:t>
             </a:fld>
             <a:endParaRPr lang="pt-PT" noProof="0"/>
           </a:p>
@@ -6608,7 +6611,7 @@
             <a:pPr rtl="0"/>
             <a:fld id="{88B3D4A5-BBB7-4963-A327-84B3D0C26BA9}" type="datetime1">
               <a:rPr lang="pt-PT" noProof="0" smtClean="0"/>
-              <a:t>25/03/2022</a:t>
+              <a:t>27/03/2022</a:t>
             </a:fld>
             <a:endParaRPr lang="pt-PT" noProof="0"/>
           </a:p>
@@ -6816,7 +6819,7 @@
             <a:pPr rtl="0"/>
             <a:fld id="{ED4FF7F9-1D88-4D9C-8A1B-0C70CFA11635}" type="datetime1">
               <a:rPr lang="pt-PT" noProof="0" smtClean="0"/>
-              <a:t>25/03/2022</a:t>
+              <a:t>27/03/2022</a:t>
             </a:fld>
             <a:endParaRPr lang="pt-PT" noProof="0"/>
           </a:p>
@@ -7028,7 +7031,7 @@
             <a:pPr rtl="0"/>
             <a:fld id="{C1824A14-7316-4607-93C8-7624B6795711}" type="datetime1">
               <a:rPr lang="pt-PT" noProof="0" smtClean="0"/>
-              <a:t>25/03/2022</a:t>
+              <a:t>27/03/2022</a:t>
             </a:fld>
             <a:endParaRPr lang="pt-PT" noProof="0"/>
           </a:p>
@@ -7230,7 +7233,7 @@
             <a:pPr rtl="0"/>
             <a:fld id="{36142FC6-D8E8-4706-AF05-EF6079BBA0F4}" type="datetime1">
               <a:rPr lang="pt-PT" noProof="0" smtClean="0"/>
-              <a:t>25/03/2022</a:t>
+              <a:t>27/03/2022</a:t>
             </a:fld>
             <a:endParaRPr lang="pt-PT" noProof="0"/>
           </a:p>
@@ -7509,7 +7512,7 @@
             <a:pPr rtl="0"/>
             <a:fld id="{CC8DEDDD-06E2-46A0-B2C3-B5671A13AA3E}" type="datetime1">
               <a:rPr lang="pt-PT" noProof="0" smtClean="0"/>
-              <a:t>25/03/2022</a:t>
+              <a:t>27/03/2022</a:t>
             </a:fld>
             <a:endParaRPr lang="pt-PT" noProof="0"/>
           </a:p>
@@ -7777,7 +7780,7 @@
             <a:pPr rtl="0"/>
             <a:fld id="{FB0DCCDA-DBFB-4682-9796-AA2FEB075073}" type="datetime1">
               <a:rPr lang="pt-PT" noProof="0" smtClean="0"/>
-              <a:t>25/03/2022</a:t>
+              <a:t>27/03/2022</a:t>
             </a:fld>
             <a:endParaRPr lang="pt-PT" noProof="0"/>
           </a:p>
@@ -8152,7 +8155,7 @@
             <a:pPr rtl="0"/>
             <a:fld id="{C14C8A9B-DB4A-423D-8951-131D49731D01}" type="datetime1">
               <a:rPr lang="pt-PT" noProof="0" smtClean="0"/>
-              <a:t>25/03/2022</a:t>
+              <a:t>27/03/2022</a:t>
             </a:fld>
             <a:endParaRPr lang="pt-PT" noProof="0"/>
           </a:p>
@@ -8303,7 +8306,7 @@
             <a:pPr rtl="0"/>
             <a:fld id="{87389B67-3430-4A0A-A0B8-5B15F1047E1F}" type="datetime1">
               <a:rPr lang="pt-PT" noProof="0" smtClean="0"/>
-              <a:t>25/03/2022</a:t>
+              <a:t>27/03/2022</a:t>
             </a:fld>
             <a:endParaRPr lang="pt-PT" noProof="0"/>
           </a:p>
@@ -8431,7 +8434,7 @@
             <a:pPr rtl="0"/>
             <a:fld id="{E5C803D9-758B-4736-8B16-02F78FEDE812}" type="datetime1">
               <a:rPr lang="pt-PT" noProof="0" smtClean="0"/>
-              <a:t>25/03/2022</a:t>
+              <a:t>27/03/2022</a:t>
             </a:fld>
             <a:endParaRPr lang="pt-PT" noProof="0"/>
           </a:p>
@@ -8718,7 +8721,7 @@
             <a:pPr rtl="0"/>
             <a:fld id="{B2C05C71-5A01-4F58-A5E6-03FF61EF34BC}" type="datetime1">
               <a:rPr lang="pt-PT" noProof="0" smtClean="0"/>
-              <a:t>25/03/2022</a:t>
+              <a:t>27/03/2022</a:t>
             </a:fld>
             <a:endParaRPr lang="pt-PT" noProof="0"/>
           </a:p>
@@ -9046,7 +9049,7 @@
             <a:pPr rtl="0"/>
             <a:fld id="{65CA4D21-4D48-4BAD-8558-79A5A4794CEA}" type="datetime1">
               <a:rPr lang="pt-PT" noProof="0" smtClean="0"/>
-              <a:t>25/03/2022</a:t>
+              <a:t>27/03/2022</a:t>
             </a:fld>
             <a:endParaRPr lang="pt-PT" noProof="0"/>
           </a:p>
@@ -9263,7 +9266,7 @@
             <a:pPr rtl="0"/>
             <a:fld id="{8D66683A-CCB2-465E-B82E-D9D6CB145A16}" type="datetime1">
               <a:rPr lang="pt-PT" noProof="0" smtClean="0"/>
-              <a:t>25/03/2022</a:t>
+              <a:t>27/03/2022</a:t>
             </a:fld>
             <a:endParaRPr lang="pt-PT" noProof="0"/>
           </a:p>
@@ -9978,6 +9981,101 @@
           <p:cNvPr id="2" name="Título 1">
             <a:extLst>
               <a:ext uri="{FF2B5EF4-FFF2-40B4-BE49-F238E27FC236}">
+                <a16:creationId xmlns:a16="http://schemas.microsoft.com/office/drawing/2014/main" id="{E3FA9041-FFBD-4AEB-8BB2-193758754592}"/>
+              </a:ext>
+            </a:extLst>
+          </p:cNvPr>
+          <p:cNvSpPr>
+            <a:spLocks noGrp="1"/>
+          </p:cNvSpPr>
+          <p:nvPr>
+            <p:ph type="title"/>
+          </p:nvPr>
+        </p:nvSpPr>
+        <p:spPr>
+          <a:xfrm>
+            <a:off x="704462" y="124409"/>
+            <a:ext cx="10131425" cy="1456267"/>
+          </a:xfrm>
+        </p:spPr>
+        <p:txBody>
+          <a:bodyPr anchor="ctr">
+            <a:normAutofit/>
+          </a:bodyPr>
+          <a:lstStyle/>
+          <a:p>
+            <a:r>
+              <a:rPr lang="pt-PT" dirty="0"/>
+              <a:t>Juntos formam O MODELO ER</a:t>
+            </a:r>
+          </a:p>
+        </p:txBody>
+      </p:sp>
+      <p:pic>
+        <p:nvPicPr>
+          <p:cNvPr id="10" name="Imagem 9">
+            <a:extLst>
+              <a:ext uri="{FF2B5EF4-FFF2-40B4-BE49-F238E27FC236}">
+                <a16:creationId xmlns:a16="http://schemas.microsoft.com/office/drawing/2014/main" id="{0A29946D-2269-4CB7-B774-1A92BF6AFFF6}"/>
+              </a:ext>
+            </a:extLst>
+          </p:cNvPr>
+          <p:cNvPicPr>
+            <a:picLocks noChangeAspect="1"/>
+          </p:cNvPicPr>
+          <p:nvPr/>
+        </p:nvPicPr>
+        <p:blipFill>
+          <a:blip r:embed="rId2"/>
+          <a:stretch>
+            <a:fillRect/>
+          </a:stretch>
+        </p:blipFill>
+        <p:spPr>
+          <a:xfrm>
+            <a:off x="102146" y="1735494"/>
+            <a:ext cx="11987707" cy="4455495"/>
+          </a:xfrm>
+          <a:prstGeom prst="rect">
+            <a:avLst/>
+          </a:prstGeom>
+        </p:spPr>
+      </p:pic>
+    </p:spTree>
+    <p:extLst>
+      <p:ext uri="{BB962C8B-B14F-4D97-AF65-F5344CB8AC3E}">
+        <p14:creationId xmlns:p14="http://schemas.microsoft.com/office/powerpoint/2010/main" val="139275596"/>
+      </p:ext>
+    </p:extLst>
+  </p:cSld>
+  <p:clrMapOvr>
+    <a:masterClrMapping/>
+  </p:clrMapOvr>
+</p:sld>
+</file>
+
+<file path=ppt/slides/slide11.xml><?xml version="1.0" encoding="utf-8"?>
+<p:sld xmlns:a="http://schemas.openxmlformats.org/drawingml/2006/main" xmlns:r="http://schemas.openxmlformats.org/officeDocument/2006/relationships" xmlns:p="http://schemas.openxmlformats.org/presentationml/2006/main">
+  <p:cSld>
+    <p:spTree>
+      <p:nvGrpSpPr>
+        <p:cNvPr id="1" name=""/>
+        <p:cNvGrpSpPr/>
+        <p:nvPr/>
+      </p:nvGrpSpPr>
+      <p:grpSpPr>
+        <a:xfrm>
+          <a:off x="0" y="0"/>
+          <a:ext cx="0" cy="0"/>
+          <a:chOff x="0" y="0"/>
+          <a:chExt cx="0" cy="0"/>
+        </a:xfrm>
+      </p:grpSpPr>
+      <p:sp>
+        <p:nvSpPr>
+          <p:cNvPr id="2" name="Título 1">
+            <a:extLst>
+              <a:ext uri="{FF2B5EF4-FFF2-40B4-BE49-F238E27FC236}">
                 <a16:creationId xmlns:a16="http://schemas.microsoft.com/office/drawing/2014/main" id="{88F3CDA5-E4FE-4006-AC6E-7DA2998890DF}"/>
               </a:ext>
             </a:extLst>
@@ -9991,7 +10089,7 @@
         </p:nvSpPr>
         <p:spPr>
           <a:xfrm>
-            <a:off x="685802" y="137310"/>
+            <a:off x="685802" y="116000"/>
             <a:ext cx="10131425" cy="929489"/>
           </a:xfrm>
         </p:spPr>
@@ -10061,7 +10159,7 @@
           <p:cNvPr id="8" name="Imagem 7">
             <a:extLst>
               <a:ext uri="{FF2B5EF4-FFF2-40B4-BE49-F238E27FC236}">
-                <a16:creationId xmlns:a16="http://schemas.microsoft.com/office/drawing/2014/main" id="{14FC9A6D-C0CD-4089-B74D-EE9E3D2A597B}"/>
+                <a16:creationId xmlns:a16="http://schemas.microsoft.com/office/drawing/2014/main" id="{DB7E769E-2A45-4661-BDC0-FC55D1776735}"/>
               </a:ext>
             </a:extLst>
           </p:cNvPr>
@@ -10078,8 +10176,8 @@
         </p:blipFill>
         <p:spPr>
           <a:xfrm>
-            <a:off x="298656" y="1179990"/>
-            <a:ext cx="11594688" cy="5540700"/>
+            <a:off x="214604" y="835322"/>
+            <a:ext cx="11627047" cy="5906678"/>
           </a:xfrm>
           <a:prstGeom prst="rect">
             <a:avLst/>
@@ -10099,7 +10197,307 @@
 </p:sld>
 </file>
 
-<file path=ppt/slides/slide11.xml><?xml version="1.0" encoding="utf-8"?>
+<file path=ppt/slides/slide12.xml><?xml version="1.0" encoding="utf-8"?>
+<p:sld xmlns:a="http://schemas.openxmlformats.org/drawingml/2006/main" xmlns:r="http://schemas.openxmlformats.org/officeDocument/2006/relationships" xmlns:p="http://schemas.openxmlformats.org/presentationml/2006/main">
+  <p:cSld>
+    <p:spTree>
+      <p:nvGrpSpPr>
+        <p:cNvPr id="1" name=""/>
+        <p:cNvGrpSpPr/>
+        <p:nvPr/>
+      </p:nvGrpSpPr>
+      <p:grpSpPr>
+        <a:xfrm>
+          <a:off x="0" y="0"/>
+          <a:ext cx="0" cy="0"/>
+          <a:chOff x="0" y="0"/>
+          <a:chExt cx="0" cy="0"/>
+        </a:xfrm>
+      </p:grpSpPr>
+      <p:sp>
+        <p:nvSpPr>
+          <p:cNvPr id="2" name="Título 1">
+            <a:extLst>
+              <a:ext uri="{FF2B5EF4-FFF2-40B4-BE49-F238E27FC236}">
+                <a16:creationId xmlns:a16="http://schemas.microsoft.com/office/drawing/2014/main" id="{41F59F5F-3C56-4022-AB01-2E0406CAFFE0}"/>
+              </a:ext>
+            </a:extLst>
+          </p:cNvPr>
+          <p:cNvSpPr>
+            <a:spLocks noGrp="1"/>
+          </p:cNvSpPr>
+          <p:nvPr>
+            <p:ph type="title"/>
+          </p:nvPr>
+        </p:nvSpPr>
+        <p:spPr>
+          <a:xfrm>
+            <a:off x="685802" y="0"/>
+            <a:ext cx="10131425" cy="1456267"/>
+          </a:xfrm>
+        </p:spPr>
+        <p:txBody>
+          <a:bodyPr/>
+          <a:lstStyle/>
+          <a:p>
+            <a:r>
+              <a:rPr lang="pt-PT" dirty="0"/>
+              <a:t>Notas</a:t>
+            </a:r>
+          </a:p>
+        </p:txBody>
+      </p:sp>
+      <p:sp>
+        <p:nvSpPr>
+          <p:cNvPr id="3" name="Marcador de Posição de Conteúdo 2">
+            <a:extLst>
+              <a:ext uri="{FF2B5EF4-FFF2-40B4-BE49-F238E27FC236}">
+                <a16:creationId xmlns:a16="http://schemas.microsoft.com/office/drawing/2014/main" id="{C00D50B7-D3A8-4F4C-BE7B-C2246FD9120C}"/>
+              </a:ext>
+            </a:extLst>
+          </p:cNvPr>
+          <p:cNvSpPr>
+            <a:spLocks noGrp="1"/>
+          </p:cNvSpPr>
+          <p:nvPr>
+            <p:ph sz="half" idx="1"/>
+          </p:nvPr>
+        </p:nvSpPr>
+        <p:spPr>
+          <a:xfrm>
+            <a:off x="685802" y="728133"/>
+            <a:ext cx="11201398" cy="1147666"/>
+          </a:xfrm>
+        </p:spPr>
+        <p:txBody>
+          <a:bodyPr>
+            <a:normAutofit/>
+          </a:bodyPr>
+          <a:lstStyle/>
+          <a:p>
+            <a:pPr marL="0" indent="0">
+              <a:buNone/>
+            </a:pPr>
+            <a:r>
+              <a:rPr lang="pt-PT" sz="1600" dirty="0"/>
+              <a:t>Antes de prosseguirmos para as operações e transações da base de dados gostaríamos de referir duas pequenas indicações do porquê desta estrutura:</a:t>
+            </a:r>
+          </a:p>
+        </p:txBody>
+      </p:sp>
+      <p:sp>
+        <p:nvSpPr>
+          <p:cNvPr id="5" name="CaixaDeTexto 4">
+            <a:extLst>
+              <a:ext uri="{FF2B5EF4-FFF2-40B4-BE49-F238E27FC236}">
+                <a16:creationId xmlns:a16="http://schemas.microsoft.com/office/drawing/2014/main" id="{3061464A-6DC9-4E9A-876F-1F90CA3E6FF3}"/>
+              </a:ext>
+            </a:extLst>
+          </p:cNvPr>
+          <p:cNvSpPr txBox="1"/>
+          <p:nvPr/>
+        </p:nvSpPr>
+        <p:spPr>
+          <a:xfrm>
+            <a:off x="237933" y="1875799"/>
+            <a:ext cx="6273180" cy="3970318"/>
+          </a:xfrm>
+          <a:prstGeom prst="rect">
+            <a:avLst/>
+          </a:prstGeom>
+          <a:noFill/>
+        </p:spPr>
+        <p:txBody>
+          <a:bodyPr wrap="square" rtlCol="0">
+            <a:spAutoFit/>
+          </a:bodyPr>
+          <a:lstStyle/>
+          <a:p>
+            <a:r>
+              <a:rPr lang="pt-PT" b="1" dirty="0"/>
+              <a:t>Empresas – Stock – Produtos</a:t>
+            </a:r>
+            <a:r>
+              <a:rPr lang="pt-PT" dirty="0"/>
+              <a:t>: Apesar de reconhecermos que, ao contrário de lojas tradicionais, um produto é vendido por somente uma empresa especifica, a tabela dedicada a </a:t>
+            </a:r>
+            <a:r>
+              <a:rPr lang="pt-PT" b="1" dirty="0">
+                <a:solidFill>
+                  <a:schemeClr val="accent4"/>
+                </a:solidFill>
+                <a:effectLst>
+                  <a:outerShdw blurRad="38100" dist="38100" dir="2700000" algn="tl">
+                    <a:srgbClr val="000000">
+                      <a:alpha val="43137"/>
+                    </a:srgbClr>
+                  </a:outerShdw>
+                </a:effectLst>
+              </a:rPr>
+              <a:t>“Stocks” deixa de fazer muito sentido</a:t>
+            </a:r>
+            <a:r>
+              <a:rPr lang="pt-PT" dirty="0"/>
+              <a:t>, visto que, uma solução que envolvesse menos tabelas caberia no facto de o </a:t>
+            </a:r>
+            <a:r>
+              <a:rPr lang="pt-PT" b="1" dirty="0"/>
+              <a:t>Produto</a:t>
+            </a:r>
+            <a:r>
+              <a:rPr lang="pt-PT" dirty="0"/>
+              <a:t> ter um atributo </a:t>
+            </a:r>
+            <a:r>
+              <a:rPr lang="pt-PT" b="1" dirty="0"/>
+              <a:t>stock </a:t>
+            </a:r>
+            <a:r>
+              <a:rPr lang="pt-PT" dirty="0"/>
+              <a:t>porque, como este é só vendido num único lugar o stock conseguiria ser atributo do mesmo (não existe dois produtos iguais na mesma empresa). No entanto, </a:t>
+            </a:r>
+            <a:r>
+              <a:rPr lang="pt-PT" dirty="0">
+                <a:solidFill>
+                  <a:schemeClr val="accent4"/>
+                </a:solidFill>
+              </a:rPr>
+              <a:t>quer para aumentar a </a:t>
+            </a:r>
+            <a:r>
+              <a:rPr lang="pt-PT" dirty="0" err="1">
+                <a:solidFill>
+                  <a:schemeClr val="accent4"/>
+                </a:solidFill>
+              </a:rPr>
+              <a:t>escabilidade</a:t>
+            </a:r>
+            <a:r>
+              <a:rPr lang="pt-PT" dirty="0">
+                <a:solidFill>
+                  <a:schemeClr val="accent4"/>
+                </a:solidFill>
+              </a:rPr>
+              <a:t> para o futuro da loja online</a:t>
+            </a:r>
+            <a:r>
+              <a:rPr lang="pt-PT" dirty="0"/>
+              <a:t>, </a:t>
+            </a:r>
+            <a:r>
+              <a:rPr lang="pt-PT" dirty="0">
+                <a:solidFill>
+                  <a:schemeClr val="accent4"/>
+                </a:solidFill>
+              </a:rPr>
+              <a:t>quer para a performance da base de dados</a:t>
+            </a:r>
+            <a:r>
+              <a:rPr lang="pt-PT" dirty="0"/>
+              <a:t>: um stock é mudado centenas de vezes ao dia, não valia a pena estar sempre a mudar no objeto produto que, por sua vez, raramente eram lhe mudadas outros atributos por questão de logística (nome, preço, descrição) </a:t>
+            </a:r>
+            <a:r>
+              <a:rPr lang="pt-PT" dirty="0">
+                <a:solidFill>
+                  <a:schemeClr val="accent4"/>
+                </a:solidFill>
+              </a:rPr>
+              <a:t>decidimos prosseguir com esta forma de alterar e guardar </a:t>
+            </a:r>
+            <a:r>
+              <a:rPr lang="pt-PT" b="1" dirty="0">
+                <a:solidFill>
+                  <a:schemeClr val="accent4"/>
+                </a:solidFill>
+              </a:rPr>
+              <a:t>Stocks</a:t>
+            </a:r>
+            <a:r>
+              <a:rPr lang="pt-PT" b="1" dirty="0"/>
+              <a:t>.</a:t>
+            </a:r>
+          </a:p>
+        </p:txBody>
+      </p:sp>
+      <p:pic>
+        <p:nvPicPr>
+          <p:cNvPr id="7" name="Imagem 6">
+            <a:extLst>
+              <a:ext uri="{FF2B5EF4-FFF2-40B4-BE49-F238E27FC236}">
+                <a16:creationId xmlns:a16="http://schemas.microsoft.com/office/drawing/2014/main" id="{8B9D1B5F-2B09-4547-8839-9B815AD1E945}"/>
+              </a:ext>
+            </a:extLst>
+          </p:cNvPr>
+          <p:cNvPicPr>
+            <a:picLocks noChangeAspect="1"/>
+          </p:cNvPicPr>
+          <p:nvPr/>
+        </p:nvPicPr>
+        <p:blipFill>
+          <a:blip r:embed="rId2"/>
+          <a:stretch>
+            <a:fillRect/>
+          </a:stretch>
+        </p:blipFill>
+        <p:spPr>
+          <a:xfrm>
+            <a:off x="6511113" y="2295331"/>
+            <a:ext cx="5587581" cy="2938106"/>
+          </a:xfrm>
+          <a:prstGeom prst="rect">
+            <a:avLst/>
+          </a:prstGeom>
+        </p:spPr>
+      </p:pic>
+      <p:sp>
+        <p:nvSpPr>
+          <p:cNvPr id="9" name="CaixaDeTexto 8">
+            <a:extLst>
+              <a:ext uri="{FF2B5EF4-FFF2-40B4-BE49-F238E27FC236}">
+                <a16:creationId xmlns:a16="http://schemas.microsoft.com/office/drawing/2014/main" id="{353A0A00-54DB-4D2C-B567-7D5AF1720040}"/>
+              </a:ext>
+            </a:extLst>
+          </p:cNvPr>
+          <p:cNvSpPr txBox="1"/>
+          <p:nvPr/>
+        </p:nvSpPr>
+        <p:spPr>
+          <a:xfrm>
+            <a:off x="3204927" y="6410513"/>
+            <a:ext cx="12385141" cy="307777"/>
+          </a:xfrm>
+          <a:prstGeom prst="rect">
+            <a:avLst/>
+          </a:prstGeom>
+          <a:noFill/>
+        </p:spPr>
+        <p:txBody>
+          <a:bodyPr wrap="square" rtlCol="0">
+            <a:spAutoFit/>
+          </a:bodyPr>
+          <a:lstStyle/>
+          <a:p>
+            <a:r>
+              <a:rPr lang="pt-PT" sz="1400" i="1" dirty="0"/>
+              <a:t>No caso de mais questões relacionadas com a estrutura da base de dados, por favor, contactem-nos através do nosso email</a:t>
+            </a:r>
+          </a:p>
+        </p:txBody>
+      </p:sp>
+    </p:spTree>
+    <p:extLst>
+      <p:ext uri="{BB962C8B-B14F-4D97-AF65-F5344CB8AC3E}">
+        <p14:creationId xmlns:p14="http://schemas.microsoft.com/office/powerpoint/2010/main" val="119107325"/>
+      </p:ext>
+    </p:extLst>
+  </p:cSld>
+  <p:clrMapOvr>
+    <a:masterClrMapping/>
+  </p:clrMapOvr>
+</p:sld>
+</file>
+
+<file path=ppt/slides/slide13.xml><?xml version="1.0" encoding="utf-8"?>
 <p:sld xmlns:a="http://schemas.openxmlformats.org/drawingml/2006/main" xmlns:r="http://schemas.openxmlformats.org/officeDocument/2006/relationships" xmlns:p="http://schemas.openxmlformats.org/presentationml/2006/main">
   <p:cSld>
     <p:spTree>
@@ -10167,15 +10565,149 @@
         </p:nvSpPr>
         <p:spPr>
           <a:xfrm>
-            <a:off x="685801" y="1066799"/>
-            <a:ext cx="11152237" cy="4724402"/>
+            <a:off x="685801" y="1066798"/>
+            <a:ext cx="11152237" cy="5551405"/>
           </a:xfrm>
         </p:spPr>
         <p:txBody>
           <a:bodyPr/>
           <a:lstStyle/>
           <a:p>
+            <a:r>
+              <a:rPr lang="pt-PT" dirty="0"/>
+              <a:t>Criar Produto: Inserir novos objetos </a:t>
+            </a:r>
+            <a:r>
+              <a:rPr lang="pt-PT" b="1" dirty="0"/>
+              <a:t>Produtos </a:t>
+            </a:r>
+            <a:r>
+              <a:rPr lang="pt-PT" dirty="0"/>
+              <a:t>na tabela, juntamente com as suas especificações.</a:t>
+            </a:r>
+          </a:p>
+          <a:p>
+            <a:r>
+              <a:rPr lang="pt-PT" dirty="0"/>
+              <a:t>Ver os Produtos de um utilizador: Fazer um </a:t>
+            </a:r>
+            <a:r>
+              <a:rPr lang="pt-PT" dirty="0" err="1"/>
+              <a:t>Query</a:t>
+            </a:r>
+            <a:r>
+              <a:rPr lang="pt-PT" dirty="0"/>
+              <a:t> dos </a:t>
+            </a:r>
+            <a:r>
+              <a:rPr lang="pt-PT" b="1" dirty="0"/>
+              <a:t>Produtos</a:t>
+            </a:r>
+            <a:r>
+              <a:rPr lang="pt-PT" dirty="0"/>
+              <a:t> de um utilizador através das suas </a:t>
+            </a:r>
+            <a:r>
+              <a:rPr lang="pt-PT" i="1" dirty="0" err="1"/>
+              <a:t>Orders</a:t>
+            </a:r>
+            <a:r>
+              <a:rPr lang="pt-PT" dirty="0"/>
+              <a:t>.</a:t>
+            </a:r>
+          </a:p>
+          <a:p>
+            <a:r>
+              <a:rPr lang="pt-PT" dirty="0"/>
+              <a:t>Obter estatísticas de vendas nos últimos 12 meses através da data das </a:t>
+            </a:r>
+            <a:r>
+              <a:rPr lang="pt-PT" i="1" dirty="0" err="1"/>
+              <a:t>Orders</a:t>
+            </a:r>
+            <a:r>
+              <a:rPr lang="pt-PT" dirty="0"/>
+              <a:t> feitas.</a:t>
+            </a:r>
+          </a:p>
+          <a:p>
+            <a:r>
+              <a:rPr lang="pt-PT" dirty="0"/>
+              <a:t>Consultar Notificações de utilizadores.</a:t>
+            </a:r>
+          </a:p>
+          <a:p>
+            <a:r>
+              <a:rPr lang="pt-PT" dirty="0"/>
+              <a:t>Registar um utilizador</a:t>
+            </a:r>
+          </a:p>
+          <a:p>
+            <a:r>
+              <a:rPr lang="pt-PT" dirty="0"/>
+              <a:t>Registar empresas que queiram aceder à loja e vender os seus produtos através do cargo Vendedor</a:t>
+            </a:r>
+          </a:p>
+          <a:p>
+            <a:r>
+              <a:rPr lang="pt-PT" dirty="0"/>
+              <a:t>Criar </a:t>
+            </a:r>
+            <a:r>
+              <a:rPr lang="pt-PT" b="1" dirty="0" err="1"/>
+              <a:t>Threads</a:t>
+            </a:r>
+            <a:r>
+              <a:rPr lang="pt-PT" b="1" dirty="0"/>
+              <a:t> </a:t>
+            </a:r>
+            <a:r>
+              <a:rPr lang="pt-PT" dirty="0"/>
+              <a:t>sobre Produtos, criar </a:t>
+            </a:r>
+            <a:r>
+              <a:rPr lang="pt-PT" b="1" dirty="0" err="1"/>
+              <a:t>Replies</a:t>
+            </a:r>
+            <a:r>
+              <a:rPr lang="pt-PT" b="1" dirty="0"/>
+              <a:t> </a:t>
+            </a:r>
+            <a:r>
+              <a:rPr lang="pt-PT" dirty="0"/>
+              <a:t>de </a:t>
+            </a:r>
+            <a:r>
+              <a:rPr lang="pt-PT" dirty="0" err="1"/>
+              <a:t>Replies</a:t>
+            </a:r>
+            <a:r>
+              <a:rPr lang="pt-PT" dirty="0"/>
+              <a:t> e de </a:t>
+            </a:r>
+            <a:r>
+              <a:rPr lang="pt-PT" dirty="0" err="1"/>
+              <a:t>Threads</a:t>
+            </a:r>
+            <a:r>
+              <a:rPr lang="pt-PT" dirty="0"/>
+              <a:t>.</a:t>
+            </a:r>
+          </a:p>
+          <a:p>
+            <a:pPr marL="0" indent="0">
+              <a:buNone/>
+            </a:pPr>
             <a:endParaRPr lang="pt-PT" dirty="0"/>
+          </a:p>
+          <a:p>
+            <a:pPr marL="0" indent="0" algn="ctr">
+              <a:buNone/>
+            </a:pPr>
+            <a:r>
+              <a:rPr lang="pt-PT" dirty="0"/>
+              <a:t>(entre outras operações)</a:t>
+            </a:r>
           </a:p>
         </p:txBody>
       </p:sp>
@@ -10192,7 +10724,7 @@
 </p:sld>
 </file>
 
-<file path=ppt/slides/slide12.xml><?xml version="1.0" encoding="utf-8"?>
+<file path=ppt/slides/slide14.xml><?xml version="1.0" encoding="utf-8"?>
 <p:sld xmlns:a="http://schemas.openxmlformats.org/drawingml/2006/main" xmlns:r="http://schemas.openxmlformats.org/officeDocument/2006/relationships" xmlns:p="http://schemas.openxmlformats.org/presentationml/2006/main">
   <p:cSld>
     <p:spTree>
@@ -10279,14 +10811,45 @@
           <a:p>
             <a:r>
               <a:rPr lang="pt-PT" dirty="0"/>
-              <a:t>Compra e venda de produtos (retirar o produto do stock e dar a um utilizador)</a:t>
-            </a:r>
-          </a:p>
-          <a:p>
+              <a:t>Compra e venda de produtos (retirar o produto do stock e criar uma </a:t>
+            </a:r>
+            <a:r>
+              <a:rPr lang="pt-PT" dirty="0" err="1"/>
+              <a:t>Order</a:t>
+            </a:r>
             <a:r>
               <a:rPr lang="pt-PT" dirty="0"/>
-              <a:t>Efetuar</a:t>
-            </a:r>
+              <a:t> com a sua Notificação)</a:t>
+            </a:r>
+          </a:p>
+          <a:p>
+            <a:r>
+              <a:rPr lang="pt-PT" dirty="0"/>
+              <a:t>Consultar todos os produtos disponíveis para venda juntamente com as suas especificações. (Transação só de leitura)</a:t>
+            </a:r>
+          </a:p>
+          <a:p>
+            <a:r>
+              <a:rPr lang="pt-PT" dirty="0"/>
+              <a:t>Consultar mais informações de um produto como Ratings, Stock, histórico de nomes, preços, Especificações… (Transação só de leitura)</a:t>
+            </a:r>
+          </a:p>
+          <a:p>
+            <a:r>
+              <a:rPr lang="pt-PT" dirty="0"/>
+              <a:t>Atualizar Produto: Atualizar detalhes de um objeto </a:t>
+            </a:r>
+            <a:r>
+              <a:rPr lang="pt-PT" b="1" dirty="0"/>
+              <a:t>Produto </a:t>
+            </a:r>
+            <a:r>
+              <a:rPr lang="pt-PT" dirty="0"/>
+              <a:t>na tabela produtos mantendo as diferentes versões (para o histórico corresponder sempre acertadamente com o Produto atual)</a:t>
+            </a:r>
+          </a:p>
+          <a:p>
+            <a:endParaRPr lang="pt-PT" dirty="0"/>
           </a:p>
         </p:txBody>
       </p:sp>
@@ -10303,7 +10866,158 @@
 </p:sld>
 </file>
 
-<file path=ppt/slides/slide13.xml><?xml version="1.0" encoding="utf-8"?>
+<file path=ppt/slides/slide15.xml><?xml version="1.0" encoding="utf-8"?>
+<p:sld xmlns:a="http://schemas.openxmlformats.org/drawingml/2006/main" xmlns:r="http://schemas.openxmlformats.org/officeDocument/2006/relationships" xmlns:p="http://schemas.openxmlformats.org/presentationml/2006/main">
+  <p:cSld>
+    <p:spTree>
+      <p:nvGrpSpPr>
+        <p:cNvPr id="1" name=""/>
+        <p:cNvGrpSpPr/>
+        <p:nvPr/>
+      </p:nvGrpSpPr>
+      <p:grpSpPr>
+        <a:xfrm>
+          <a:off x="0" y="0"/>
+          <a:ext cx="0" cy="0"/>
+          <a:chOff x="0" y="0"/>
+          <a:chExt cx="0" cy="0"/>
+        </a:xfrm>
+      </p:grpSpPr>
+      <p:sp>
+        <p:nvSpPr>
+          <p:cNvPr id="2" name="Título 1">
+            <a:extLst>
+              <a:ext uri="{FF2B5EF4-FFF2-40B4-BE49-F238E27FC236}">
+                <a16:creationId xmlns:a16="http://schemas.microsoft.com/office/drawing/2014/main" id="{C978FD8E-3C81-47EC-89D1-EC8B640E7145}"/>
+              </a:ext>
+            </a:extLst>
+          </p:cNvPr>
+          <p:cNvSpPr>
+            <a:spLocks noGrp="1"/>
+          </p:cNvSpPr>
+          <p:nvPr>
+            <p:ph type="title"/>
+          </p:nvPr>
+        </p:nvSpPr>
+        <p:spPr>
+          <a:xfrm>
+            <a:off x="685801" y="0"/>
+            <a:ext cx="10131425" cy="1456267"/>
+          </a:xfrm>
+        </p:spPr>
+        <p:txBody>
+          <a:bodyPr/>
+          <a:lstStyle/>
+          <a:p>
+            <a:r>
+              <a:rPr lang="pt-PT" dirty="0"/>
+              <a:t>Concorrências mais importantes</a:t>
+            </a:r>
+            <a:br>
+              <a:rPr lang="pt-PT" dirty="0"/>
+            </a:br>
+            <a:r>
+              <a:rPr lang="pt-PT" sz="1600" dirty="0"/>
+              <a:t>Que pensamos RESOLVER ATRAVÉS DE TRANSAÇÕES, BLOQUEIOS e </a:t>
+            </a:r>
+            <a:r>
+              <a:rPr lang="pt-PT" sz="1600" dirty="0" err="1"/>
+              <a:t>Rollbacks</a:t>
+            </a:r>
+            <a:r>
+              <a:rPr lang="pt-PT" sz="1600" dirty="0"/>
+              <a:t>.</a:t>
+            </a:r>
+            <a:endParaRPr lang="pt-PT" dirty="0"/>
+          </a:p>
+        </p:txBody>
+      </p:sp>
+      <p:sp>
+        <p:nvSpPr>
+          <p:cNvPr id="3" name="Marcador de Posição de Conteúdo 2">
+            <a:extLst>
+              <a:ext uri="{FF2B5EF4-FFF2-40B4-BE49-F238E27FC236}">
+                <a16:creationId xmlns:a16="http://schemas.microsoft.com/office/drawing/2014/main" id="{5B3B17BF-497A-49A0-B386-9770B0D533A8}"/>
+              </a:ext>
+            </a:extLst>
+          </p:cNvPr>
+          <p:cNvSpPr>
+            <a:spLocks noGrp="1"/>
+          </p:cNvSpPr>
+          <p:nvPr>
+            <p:ph sz="half" idx="1"/>
+          </p:nvPr>
+        </p:nvSpPr>
+        <p:spPr>
+          <a:xfrm>
+            <a:off x="685801" y="1249378"/>
+            <a:ext cx="9734737" cy="4499571"/>
+          </a:xfrm>
+        </p:spPr>
+        <p:txBody>
+          <a:bodyPr/>
+          <a:lstStyle/>
+          <a:p>
+            <a:pPr marL="0" indent="0">
+              <a:buNone/>
+            </a:pPr>
+            <a:r>
+              <a:rPr lang="pt-PT" dirty="0"/>
+              <a:t>As principais concorrências </a:t>
+            </a:r>
+            <a:r>
+              <a:rPr lang="pt-PT" sz="1600" i="1" dirty="0"/>
+              <a:t>(aquelas que podem por mesmo em causa o funcionamento do </a:t>
+            </a:r>
+            <a:r>
+              <a:rPr lang="pt-PT" sz="1600" i="1" dirty="0" err="1"/>
+              <a:t>back-end</a:t>
+            </a:r>
+            <a:r>
+              <a:rPr lang="pt-PT" sz="1600" i="1" dirty="0"/>
+              <a:t> da loja online</a:t>
+            </a:r>
+            <a:r>
+              <a:rPr lang="pt-PT" dirty="0"/>
+              <a:t>) que nos podemos deparar estão relacionadas com:</a:t>
+            </a:r>
+          </a:p>
+          <a:p>
+            <a:r>
+              <a:rPr lang="pt-PT" dirty="0"/>
+              <a:t>o stock de Produtos através das compras feitas.</a:t>
+            </a:r>
+          </a:p>
+          <a:p>
+            <a:r>
+              <a:rPr lang="pt-PT" dirty="0"/>
+              <a:t>o atualizar do Produto: ao atualizar detalhes de um objeto </a:t>
+            </a:r>
+            <a:r>
+              <a:rPr lang="pt-PT" b="1" dirty="0"/>
+              <a:t>Produto</a:t>
+            </a:r>
+            <a:r>
+              <a:rPr lang="pt-PT" dirty="0"/>
+              <a:t>, este pode não corresponder com o preço a qual outro utilizador está a comprá-lo</a:t>
+            </a:r>
+          </a:p>
+        </p:txBody>
+      </p:sp>
+    </p:spTree>
+    <p:extLst>
+      <p:ext uri="{BB962C8B-B14F-4D97-AF65-F5344CB8AC3E}">
+        <p14:creationId xmlns:p14="http://schemas.microsoft.com/office/powerpoint/2010/main" val="3953717696"/>
+      </p:ext>
+    </p:extLst>
+  </p:cSld>
+  <p:clrMapOvr>
+    <a:masterClrMapping/>
+  </p:clrMapOvr>
+</p:sld>
+</file>
+
+<file path=ppt/slides/slide16.xml><?xml version="1.0" encoding="utf-8"?>
 <p:sld xmlns:a="http://schemas.openxmlformats.org/drawingml/2006/main" xmlns:r="http://schemas.openxmlformats.org/officeDocument/2006/relationships" xmlns:p="http://schemas.openxmlformats.org/presentationml/2006/main">
   <p:cSld>
     <p:bg>
@@ -10359,7 +11073,7 @@
           <a:p>
             <a:pPr rtl="0"/>
             <a:r>
-              <a:rPr lang="pt-PT"/>
+              <a:rPr lang="pt-PT" dirty="0"/>
               <a:t>Tecnologias usadas</a:t>
             </a:r>
           </a:p>
@@ -19295,7 +20009,7 @@
         <p:spPr>
           <a:xfrm>
             <a:off x="704913" y="1579771"/>
-            <a:ext cx="6382910" cy="369332"/>
+            <a:ext cx="6382910" cy="923330"/>
           </a:xfrm>
           <a:prstGeom prst="rect">
             <a:avLst/>
@@ -19309,14 +20023,53 @@
           <a:lstStyle/>
           <a:p>
             <a:r>
-              <a:rPr lang="pt-PT"/>
+              <a:rPr lang="pt-PT" dirty="0"/>
               <a:t>Linguagem usada: </a:t>
             </a:r>
-            <a:r>
-              <a:rPr lang="pt-PT" err="1"/>
-              <a:t>Javascript</a:t>
-            </a:r>
-            <a:endParaRPr lang="pt-PT"/>
+          </a:p>
+          <a:p>
+            <a:pPr marL="742950" lvl="1" indent="-285750">
+              <a:buFont typeface="Arial" panose="020B0604020202020204" pitchFamily="34" charset="0"/>
+              <a:buChar char="•"/>
+            </a:pPr>
+            <a:r>
+              <a:rPr lang="pt-PT" dirty="0" err="1"/>
+              <a:t>Back-end</a:t>
+            </a:r>
+            <a:r>
+              <a:rPr lang="pt-PT" dirty="0"/>
+              <a:t>: JavaScript</a:t>
+            </a:r>
+          </a:p>
+          <a:p>
+            <a:pPr marL="742950" lvl="1" indent="-285750">
+              <a:buFont typeface="Arial" panose="020B0604020202020204" pitchFamily="34" charset="0"/>
+              <a:buChar char="•"/>
+            </a:pPr>
+            <a:r>
+              <a:rPr lang="pt-PT" sz="1600" i="1" dirty="0" err="1"/>
+              <a:t>Front-end</a:t>
+            </a:r>
+            <a:r>
+              <a:rPr lang="pt-PT" sz="1600" i="1" dirty="0"/>
+              <a:t> </a:t>
+            </a:r>
+            <a:r>
+              <a:rPr lang="pt-PT" sz="1100" i="1" dirty="0"/>
+              <a:t>(se for feito)</a:t>
+            </a:r>
+            <a:r>
+              <a:rPr lang="pt-PT" sz="1600" i="1" dirty="0"/>
+              <a:t>: </a:t>
+            </a:r>
+            <a:r>
+              <a:rPr lang="pt-PT" sz="1600" i="1" dirty="0" err="1"/>
+              <a:t>Typescript</a:t>
+            </a:r>
+            <a:r>
+              <a:rPr lang="pt-PT" sz="1600" i="1" dirty="0"/>
+              <a:t>/JavaScript</a:t>
+            </a:r>
           </a:p>
         </p:txBody>
       </p:sp>
@@ -19333,7 +20086,7 @@
 </p:sld>
 </file>
 
-<file path=ppt/slides/slide14.xml><?xml version="1.0" encoding="utf-8"?>
+<file path=ppt/slides/slide17.xml><?xml version="1.0" encoding="utf-8"?>
 <p:sld xmlns:a="http://schemas.openxmlformats.org/drawingml/2006/main" xmlns:r="http://schemas.openxmlformats.org/officeDocument/2006/relationships" xmlns:p="http://schemas.openxmlformats.org/presentationml/2006/main">
   <p:cSld>
     <p:spTree>
@@ -19424,11 +20177,11 @@
               <a:buNone/>
             </a:pPr>
             <a:r>
-              <a:rPr lang="pt-PT" sz="2200"/>
+              <a:rPr lang="pt-PT" sz="2200" dirty="0"/>
               <a:t>Os nossos objetivos consistem em</a:t>
             </a:r>
             <a:r>
-              <a:rPr lang="pt-PT"/>
+              <a:rPr lang="pt-PT" dirty="0"/>
               <a:t>:</a:t>
             </a:r>
           </a:p>
@@ -19438,31 +20191,31 @@
               <a:buAutoNum type="arabicPeriod"/>
             </a:pPr>
             <a:r>
-              <a:rPr lang="pt-PT"/>
+              <a:rPr lang="pt-PT" dirty="0"/>
               <a:t>Implementar a base de dados (de modo a conseguirmos fazer </a:t>
             </a:r>
             <a:r>
-              <a:rPr lang="pt-PT" i="1" err="1"/>
+              <a:rPr lang="pt-PT" i="1" dirty="0" err="1"/>
               <a:t>queries</a:t>
             </a:r>
             <a:r>
-              <a:rPr lang="pt-PT" i="1"/>
+              <a:rPr lang="pt-PT" i="1" dirty="0"/>
               <a:t> </a:t>
             </a:r>
             <a:r>
-              <a:rPr lang="pt-PT"/>
+              <a:rPr lang="pt-PT" dirty="0"/>
               <a:t>em </a:t>
             </a:r>
             <a:r>
-              <a:rPr lang="pt-PT" i="1" err="1"/>
+              <a:rPr lang="pt-PT" i="1" dirty="0" err="1"/>
               <a:t>Postgresql</a:t>
             </a:r>
             <a:r>
-              <a:rPr lang="pt-PT"/>
+              <a:rPr lang="pt-PT" dirty="0"/>
               <a:t>) </a:t>
             </a:r>
             <a:r>
-              <a:rPr lang="pt-PT">
+              <a:rPr lang="pt-PT" dirty="0">
                 <a:effectLst>
                   <a:outerShdw blurRad="38100" dist="38100" dir="2700000" algn="tl">
                     <a:srgbClr val="000000">
@@ -19480,7 +20233,7 @@
               <a:buAutoNum type="arabicPeriod"/>
             </a:pPr>
             <a:r>
-              <a:rPr lang="pt-PT"/>
+              <a:rPr lang="pt-PT" dirty="0"/>
               <a:t>Criar a API com as rotas necessárias, de modo a possibilitar a conexão entre o servidor e a base de dados:</a:t>
             </a:r>
           </a:p>
@@ -19490,11 +20243,11 @@
               <a:buAutoNum type="arabicPeriod"/>
             </a:pPr>
             <a:r>
-              <a:rPr lang="pt-PT" sz="1200"/>
+              <a:rPr lang="pt-PT" sz="1200" dirty="0"/>
               <a:t>Autenticação </a:t>
             </a:r>
             <a:r>
-              <a:rPr lang="pt-PT" sz="1200">
+              <a:rPr lang="pt-PT" sz="1200" dirty="0">
                 <a:effectLst>
                   <a:outerShdw blurRad="38100" dist="38100" dir="2700000" algn="tl">
                     <a:srgbClr val="000000">
@@ -19512,11 +20265,11 @@
               <a:buAutoNum type="arabicPeriod"/>
             </a:pPr>
             <a:r>
-              <a:rPr lang="pt-PT" sz="1200"/>
+              <a:rPr lang="pt-PT" sz="1200" dirty="0"/>
               <a:t>Registo de produtos e utilizadores </a:t>
             </a:r>
             <a:r>
-              <a:rPr lang="pt-PT" sz="1200">
+              <a:rPr lang="pt-PT" sz="1200" dirty="0">
                 <a:effectLst>
                   <a:outerShdw blurRad="38100" dist="38100" dir="2700000" algn="tl">
                     <a:srgbClr val="000000">
@@ -19534,11 +20287,11 @@
               <a:buAutoNum type="arabicPeriod"/>
             </a:pPr>
             <a:r>
-              <a:rPr lang="pt-PT" sz="1200"/>
+              <a:rPr lang="pt-PT" sz="1200" dirty="0"/>
               <a:t>Atualizar produtos </a:t>
             </a:r>
             <a:r>
-              <a:rPr lang="pt-PT" sz="1200">
+              <a:rPr lang="pt-PT" sz="1200" dirty="0">
                 <a:effectLst>
                   <a:outerShdw blurRad="38100" dist="38100" dir="2700000" algn="tl">
                     <a:srgbClr val="000000">
@@ -19549,7 +20302,7 @@
               </a:rPr>
               <a:t>- Rosendo</a:t>
             </a:r>
-            <a:endParaRPr lang="pt-PT" sz="1200"/>
+            <a:endParaRPr lang="pt-PT" sz="1200" dirty="0"/>
           </a:p>
           <a:p>
             <a:pPr marL="1257300" lvl="2" indent="-342900">
@@ -19557,11 +20310,11 @@
               <a:buAutoNum type="arabicPeriod"/>
             </a:pPr>
             <a:r>
-              <a:rPr lang="pt-PT" sz="1200"/>
+              <a:rPr lang="pt-PT" sz="1200" dirty="0"/>
               <a:t>Efetuar Compras </a:t>
             </a:r>
             <a:r>
-              <a:rPr lang="pt-PT" sz="1200">
+              <a:rPr lang="pt-PT" sz="1200" dirty="0">
                 <a:effectLst>
                   <a:outerShdw blurRad="38100" dist="38100" dir="2700000" algn="tl">
                     <a:srgbClr val="000000">
@@ -19572,7 +20325,7 @@
               </a:rPr>
               <a:t>- Rosendo</a:t>
             </a:r>
-            <a:endParaRPr lang="pt-PT" sz="1200"/>
+            <a:endParaRPr lang="pt-PT" sz="1200" dirty="0"/>
           </a:p>
           <a:p>
             <a:pPr marL="1257300" lvl="2" indent="-342900">
@@ -19580,15 +20333,15 @@
               <a:buAutoNum type="arabicPeriod"/>
             </a:pPr>
             <a:r>
-              <a:rPr lang="pt-PT" sz="1200"/>
+              <a:rPr lang="pt-PT" sz="1200" dirty="0"/>
               <a:t>Deixar perguntas e </a:t>
             </a:r>
             <a:r>
-              <a:rPr lang="pt-PT" sz="1200" i="1"/>
+              <a:rPr lang="pt-PT" sz="1200" i="1" dirty="0"/>
               <a:t>ratings </a:t>
             </a:r>
             <a:r>
-              <a:rPr lang="pt-PT" sz="1200">
+              <a:rPr lang="pt-PT" sz="1200" dirty="0">
                 <a:effectLst>
                   <a:outerShdw blurRad="38100" dist="38100" dir="2700000" algn="tl">
                     <a:srgbClr val="000000">
@@ -19599,7 +20352,7 @@
               </a:rPr>
               <a:t>- Eduardo</a:t>
             </a:r>
-            <a:endParaRPr lang="pt-PT" sz="1200" i="1"/>
+            <a:endParaRPr lang="pt-PT" sz="1200" i="1" dirty="0"/>
           </a:p>
           <a:p>
             <a:pPr marL="1257300" lvl="2" indent="-342900">
@@ -19607,11 +20360,11 @@
               <a:buAutoNum type="arabicPeriod"/>
             </a:pPr>
             <a:r>
-              <a:rPr lang="pt-PT" sz="1200"/>
+              <a:rPr lang="pt-PT" sz="1200" dirty="0"/>
               <a:t>Consultar informações dos produtos </a:t>
             </a:r>
             <a:r>
-              <a:rPr lang="pt-PT" sz="1200">
+              <a:rPr lang="pt-PT" sz="1200" dirty="0">
                 <a:effectLst>
                   <a:outerShdw blurRad="38100" dist="38100" dir="2700000" algn="tl">
                     <a:srgbClr val="000000">
@@ -19622,7 +20375,7 @@
               </a:rPr>
               <a:t>- Eduardo</a:t>
             </a:r>
-            <a:endParaRPr lang="pt-PT" sz="1200"/>
+            <a:endParaRPr lang="pt-PT" sz="1200" dirty="0"/>
           </a:p>
           <a:p>
             <a:pPr marL="1257300" lvl="2" indent="-342900">
@@ -19630,11 +20383,11 @@
               <a:buAutoNum type="arabicPeriod"/>
             </a:pPr>
             <a:r>
-              <a:rPr lang="pt-PT" sz="1200"/>
+              <a:rPr lang="pt-PT" sz="1200" dirty="0"/>
               <a:t>Obter estatísticas </a:t>
             </a:r>
             <a:r>
-              <a:rPr lang="pt-PT" sz="1200">
+              <a:rPr lang="pt-PT" sz="1200" dirty="0">
                 <a:effectLst>
                   <a:outerShdw blurRad="38100" dist="38100" dir="2700000" algn="tl">
                     <a:srgbClr val="000000">
@@ -19645,7 +20398,7 @@
               </a:rPr>
               <a:t>- Eduardo</a:t>
             </a:r>
-            <a:endParaRPr lang="pt-PT" sz="1200"/>
+            <a:endParaRPr lang="pt-PT" sz="1200" dirty="0"/>
           </a:p>
           <a:p>
             <a:pPr marL="800100" lvl="1" indent="-342900">
@@ -19653,27 +20406,27 @@
               <a:buAutoNum type="arabicPeriod"/>
             </a:pPr>
             <a:r>
-              <a:rPr lang="pt-PT"/>
+              <a:rPr lang="pt-PT" dirty="0"/>
               <a:t>Depois disto, pensamos implementar um pequeno website (</a:t>
             </a:r>
             <a:r>
-              <a:rPr lang="pt-PT" err="1"/>
+              <a:rPr lang="pt-PT" dirty="0" err="1"/>
               <a:t>front-end</a:t>
             </a:r>
             <a:r>
-              <a:rPr lang="pt-PT"/>
+              <a:rPr lang="pt-PT" dirty="0"/>
               <a:t>), muito simbólico, em </a:t>
             </a:r>
             <a:r>
-              <a:rPr lang="pt-PT" i="1" err="1"/>
+              <a:rPr lang="pt-PT" i="1" dirty="0" err="1"/>
               <a:t>React</a:t>
             </a:r>
             <a:r>
-              <a:rPr lang="pt-PT"/>
+              <a:rPr lang="pt-PT" dirty="0"/>
               <a:t> para simular uma app real </a:t>
             </a:r>
             <a:r>
-              <a:rPr lang="pt-PT">
+              <a:rPr lang="pt-PT" dirty="0">
                 <a:effectLst>
                   <a:outerShdw blurRad="38100" dist="38100" dir="2700000" algn="tl">
                     <a:srgbClr val="000000">
@@ -19691,35 +20444,43 @@
               <a:buAutoNum type="arabicPeriod"/>
             </a:pPr>
             <a:r>
-              <a:rPr lang="pt-PT" i="1"/>
+              <a:rPr lang="pt-PT" u="sng" dirty="0"/>
               <a:t>Tentar adquirir um </a:t>
             </a:r>
             <a:r>
-              <a:rPr lang="pt-PT" i="1" err="1"/>
+              <a:rPr lang="pt-PT" u="sng" dirty="0" err="1"/>
               <a:t>host</a:t>
             </a:r>
             <a:r>
-              <a:rPr lang="pt-PT" i="1"/>
+              <a:rPr lang="pt-PT" u="sng" dirty="0"/>
               <a:t> temporário para simular uma aplicação real </a:t>
             </a:r>
             <a:r>
-              <a:rPr lang="pt-PT"/>
-              <a:t>– Estamos a pensar levar este projeto para outro nível e, se o tempo permitir (ou seja, se chover muito na queima), adquirir servidores (para a </a:t>
-            </a:r>
-            <a:r>
-              <a:rPr lang="pt-PT" i="1" err="1"/>
+              <a:rPr lang="pt-PT" dirty="0"/>
+              <a:t>– Estamos a pensar levar este projeto para outro nível e, se o tempo permitir </a:t>
+            </a:r>
+            <a:r>
+              <a:rPr lang="pt-PT" i="1" dirty="0"/>
+              <a:t>(ou seja, se chover muito na queima)</a:t>
+            </a:r>
+            <a:r>
+              <a:rPr lang="pt-PT" dirty="0"/>
+              <a:t>, adquirir servidores (para o </a:t>
+            </a:r>
+            <a:r>
+              <a:rPr lang="pt-PT" i="1" dirty="0" err="1"/>
               <a:t>back-end</a:t>
             </a:r>
             <a:r>
-              <a:rPr lang="pt-PT" i="1"/>
+              <a:rPr lang="pt-PT" i="1" dirty="0"/>
               <a:t> </a:t>
             </a:r>
             <a:r>
-              <a:rPr lang="pt-PT"/>
-              <a:t>e base de dados) juntamente com um domínio e lançar esta aplicação para produção </a:t>
-            </a:r>
-            <a:r>
-              <a:rPr lang="pt-PT">
+              <a:rPr lang="pt-PT" dirty="0"/>
+              <a:t>e a base de dados) juntamente com um domínio e lançar esta aplicação para produção </a:t>
+            </a:r>
+            <a:r>
+              <a:rPr lang="pt-PT" dirty="0">
                 <a:effectLst>
                   <a:outerShdw blurRad="38100" dist="38100" dir="2700000" algn="tl">
                     <a:srgbClr val="000000">
@@ -19728,7 +20489,7 @@
                   </a:outerShdw>
                 </a:effectLst>
               </a:rPr>
-              <a:t>- Eduardo</a:t>
+              <a:t>– Eduardo e Rosendo</a:t>
             </a:r>
           </a:p>
         </p:txBody>
@@ -19784,7 +20545,7 @@
 </p:sld>
 </file>
 
-<file path=ppt/slides/slide15.xml><?xml version="1.0" encoding="utf-8"?>
+<file path=ppt/slides/slide18.xml><?xml version="1.0" encoding="utf-8"?>
 <p:sld xmlns:a="http://schemas.openxmlformats.org/drawingml/2006/main" xmlns:r="http://schemas.openxmlformats.org/officeDocument/2006/relationships" xmlns:p="http://schemas.openxmlformats.org/presentationml/2006/main">
   <p:cSld>
     <p:spTree>
@@ -20418,7 +21179,7 @@
           <a:lstStyle/>
           <a:p>
             <a:r>
-              <a:rPr lang="pt-PT"/>
+              <a:rPr lang="pt-PT" dirty="0"/>
               <a:t>Base de dados usada</a:t>
             </a:r>
           </a:p>
@@ -20442,8 +21203,8 @@
         </p:nvSpPr>
         <p:spPr>
           <a:xfrm>
-            <a:off x="685802" y="2142067"/>
-            <a:ext cx="4995334" cy="3649134"/>
+            <a:off x="685802" y="1996751"/>
+            <a:ext cx="4995334" cy="3971732"/>
           </a:xfrm>
         </p:spPr>
         <p:txBody>
@@ -20456,55 +21217,97 @@
               <a:buNone/>
             </a:pPr>
             <a:r>
-              <a:rPr lang="pt-PT"/>
+              <a:rPr lang="pt-PT" dirty="0"/>
               <a:t>Deste modo, apercebemo-nos que, de acordo com os requisitos, era pertinente dividir a estrutura de dados em cinco pilares principais que acabam por se interligar, formando a “estrutura geral” (base de dados):</a:t>
             </a:r>
           </a:p>
           <a:p>
             <a:pPr lvl="1"/>
             <a:r>
-              <a:rPr lang="pt-PT" sz="1800"/>
-              <a:t>Utilizadores (permissões)</a:t>
+              <a:rPr lang="pt-PT" sz="1800" dirty="0"/>
+              <a:t>Utilizadores (e os seus tipos)</a:t>
             </a:r>
           </a:p>
           <a:p>
             <a:pPr lvl="1"/>
             <a:r>
-              <a:rPr lang="pt-PT" sz="1800"/>
+              <a:rPr lang="pt-PT" sz="1800" dirty="0"/>
               <a:t>Produtos e o seu Rating (especificações, empresas e o seu histórico)</a:t>
             </a:r>
           </a:p>
           <a:p>
             <a:pPr lvl="1"/>
             <a:r>
-              <a:rPr lang="pt-PT" sz="1800"/>
+              <a:rPr lang="pt-PT" sz="1800" dirty="0"/>
               <a:t>Pedidos de Produtos (feito por utilizadores)</a:t>
             </a:r>
           </a:p>
           <a:p>
             <a:pPr lvl="1"/>
             <a:r>
-              <a:rPr lang="pt-PT" sz="1800"/>
+              <a:rPr lang="pt-PT" sz="1800" dirty="0"/>
               <a:t>Perguntas e respostas</a:t>
             </a:r>
           </a:p>
           <a:p>
-            <a:pPr marL="457200" lvl="1" indent="0">
-              <a:buNone/>
-            </a:pPr>
-            <a:endParaRPr lang="pt-PT" sz="1800"/>
-          </a:p>
-          <a:p>
-            <a:endParaRPr lang="pt-PT"/>
+            <a:pPr lvl="1"/>
+            <a:r>
+              <a:rPr lang="pt-PT" sz="1800" dirty="0"/>
+              <a:t>Notificações</a:t>
+            </a:r>
+          </a:p>
+          <a:p>
+            <a:endParaRPr lang="pt-PT" dirty="0"/>
+          </a:p>
+        </p:txBody>
+      </p:sp>
+      <p:sp>
+        <p:nvSpPr>
+          <p:cNvPr id="10" name="CaixaDeTexto 9">
+            <a:extLst>
+              <a:ext uri="{FF2B5EF4-FFF2-40B4-BE49-F238E27FC236}">
+                <a16:creationId xmlns:a16="http://schemas.microsoft.com/office/drawing/2014/main" id="{25C5C0BF-BC31-4AA5-AB77-E1FC792A0144}"/>
+              </a:ext>
+            </a:extLst>
+          </p:cNvPr>
+          <p:cNvSpPr txBox="1"/>
+          <p:nvPr/>
+        </p:nvSpPr>
+        <p:spPr>
+          <a:xfrm>
+            <a:off x="5751513" y="4851129"/>
+            <a:ext cx="6103427" cy="923330"/>
+          </a:xfrm>
+          <a:prstGeom prst="rect">
+            <a:avLst/>
+          </a:prstGeom>
+          <a:noFill/>
+        </p:spPr>
+        <p:txBody>
+          <a:bodyPr wrap="square" rtlCol="0">
+            <a:spAutoFit/>
+          </a:bodyPr>
+          <a:lstStyle/>
+          <a:p>
+            <a:r>
+              <a:rPr lang="pt-PT" dirty="0"/>
+              <a:t>Figura 1 – Base de dados divida por tipo de tabela. </a:t>
+            </a:r>
+          </a:p>
+          <a:p>
+            <a:r>
+              <a:rPr lang="pt-PT" dirty="0"/>
+              <a:t>E.g.: Tabelas relacionadas com Utilizadores estão delimitadas por vermelho</a:t>
+            </a:r>
           </a:p>
         </p:txBody>
       </p:sp>
       <p:pic>
         <p:nvPicPr>
-          <p:cNvPr id="18" name="Imagem 17">
+          <p:cNvPr id="12" name="Imagem 11">
             <a:extLst>
               <a:ext uri="{FF2B5EF4-FFF2-40B4-BE49-F238E27FC236}">
-                <a16:creationId xmlns:a16="http://schemas.microsoft.com/office/drawing/2014/main" id="{19575DBF-3D6C-4B71-8426-A5197EAE97CF}"/>
+                <a16:creationId xmlns:a16="http://schemas.microsoft.com/office/drawing/2014/main" id="{2F4ED777-8547-4606-AF29-F9F620E95F02}"/>
               </a:ext>
             </a:extLst>
           </p:cNvPr>
@@ -20521,8 +21324,8 @@
         </p:blipFill>
         <p:spPr>
           <a:xfrm>
-            <a:off x="5549564" y="1720645"/>
-            <a:ext cx="6642436" cy="3555728"/>
+            <a:off x="5681134" y="1687388"/>
+            <a:ext cx="6396120" cy="2974216"/>
           </a:xfrm>
           <a:prstGeom prst="rect">
             <a:avLst/>
@@ -20693,15 +21496,7 @@
             </a:r>
             <a:r>
               <a:rPr lang="pt-PT" dirty="0"/>
-              <a:t> (da tabela </a:t>
-            </a:r>
-            <a:r>
-              <a:rPr lang="pt-PT" b="1" i="1" dirty="0"/>
-              <a:t>Transacionistas</a:t>
-            </a:r>
-            <a:r>
-              <a:rPr lang="pt-PT" dirty="0"/>
-              <a:t>) e </a:t>
+              <a:t> e </a:t>
             </a:r>
             <a:r>
               <a:rPr lang="pt-PT" b="1" i="1" dirty="0"/>
@@ -20719,7 +21514,7 @@
           <p:cNvPr id="5" name="Imagem 4">
             <a:extLst>
               <a:ext uri="{FF2B5EF4-FFF2-40B4-BE49-F238E27FC236}">
-                <a16:creationId xmlns:a16="http://schemas.microsoft.com/office/drawing/2014/main" id="{9A4A5A4E-1B34-45B2-80D1-67009C6B6EF6}"/>
+                <a16:creationId xmlns:a16="http://schemas.microsoft.com/office/drawing/2014/main" id="{3192067C-00DC-4B9B-BFA6-143A325ED8A9}"/>
               </a:ext>
             </a:extLst>
           </p:cNvPr>
@@ -20736,8 +21531,8 @@
         </p:blipFill>
         <p:spPr>
           <a:xfrm>
-            <a:off x="6918816" y="1337733"/>
-            <a:ext cx="4706007" cy="5239481"/>
+            <a:off x="6803635" y="1292112"/>
+            <a:ext cx="4642549" cy="5152232"/>
           </a:xfrm>
           <a:prstGeom prst="rect">
             <a:avLst/>
@@ -20854,8 +21649,8 @@
         </p:nvSpPr>
         <p:spPr>
           <a:xfrm>
-            <a:off x="685802" y="2142067"/>
-            <a:ext cx="4995334" cy="3649134"/>
+            <a:off x="685802" y="2142066"/>
+            <a:ext cx="5410198" cy="4014289"/>
           </a:xfrm>
           <a:prstGeom prst="rect">
             <a:avLst/>
@@ -20887,7 +21682,7 @@
             </a:pPr>
             <a:r>
               <a:rPr lang="pt-PT" dirty="0"/>
-              <a:t>Esta secção é composta por 5 tabelas principais: a </a:t>
+              <a:t>Esta secção é composta por as tabelas: </a:t>
             </a:r>
             <a:r>
               <a:rPr lang="pt-PT" b="1" i="1" dirty="0" err="1"/>
@@ -20907,7 +21702,15 @@
             </a:r>
             <a:r>
               <a:rPr lang="pt-PT" dirty="0"/>
-              <a:t> onde é feita outra tabela que contem informação mais específica sobre a empresa em causa (nome, endereço, telefone …); a </a:t>
+              <a:t> onde é feita outra tabela que contem informação mais específica sobre a empresa em causa (nome, endereço, telefone …) ligada uma tabela dedicada a </a:t>
+            </a:r>
+            <a:r>
+              <a:rPr lang="pt-PT" b="1" i="1" dirty="0"/>
+              <a:t>Stocks</a:t>
+            </a:r>
+            <a:r>
+              <a:rPr lang="pt-PT" dirty="0"/>
+              <a:t> de produtos; a </a:t>
             </a:r>
             <a:r>
               <a:rPr lang="pt-PT" b="1" i="1" dirty="0"/>
@@ -20939,7 +21742,15 @@
             </a:r>
             <a:r>
               <a:rPr lang="pt-PT" dirty="0"/>
-              <a:t>(que também tenha a data que foi modificado) e, por fim, os </a:t>
+              <a:t>(que também tenha a data que foi modificado) juntamente com o </a:t>
+            </a:r>
+            <a:r>
+              <a:rPr lang="pt-PT" b="1" i="1" dirty="0"/>
+              <a:t>histórico das Especificações </a:t>
+            </a:r>
+            <a:r>
+              <a:rPr lang="pt-PT" dirty="0"/>
+              <a:t>e, por fim, os </a:t>
             </a:r>
             <a:r>
               <a:rPr lang="pt-PT" b="1" i="1" dirty="0"/>
@@ -20947,17 +21758,25 @@
             </a:r>
             <a:r>
               <a:rPr lang="pt-PT" dirty="0"/>
-              <a:t> associados aos produtos.</a:t>
+              <a:t> associados aos produtos (um </a:t>
+            </a:r>
+            <a:r>
+              <a:rPr lang="pt-PT" dirty="0" err="1"/>
+              <a:t>User</a:t>
+            </a:r>
+            <a:r>
+              <a:rPr lang="pt-PT" dirty="0"/>
+              <a:t> e um produto formam um Rating).</a:t>
             </a:r>
           </a:p>
         </p:txBody>
       </p:sp>
       <p:pic>
         <p:nvPicPr>
-          <p:cNvPr id="5" name="Imagem 4">
+          <p:cNvPr id="7" name="Imagem 6">
             <a:extLst>
               <a:ext uri="{FF2B5EF4-FFF2-40B4-BE49-F238E27FC236}">
-                <a16:creationId xmlns:a16="http://schemas.microsoft.com/office/drawing/2014/main" id="{FDCDA547-2409-44DD-93B2-D243F706AB07}"/>
+                <a16:creationId xmlns:a16="http://schemas.microsoft.com/office/drawing/2014/main" id="{24E495CE-AF8D-40BD-9AB1-045917582E56}"/>
               </a:ext>
             </a:extLst>
           </p:cNvPr>
@@ -20974,8 +21793,8 @@
         </p:blipFill>
         <p:spPr>
           <a:xfrm>
-            <a:off x="6643036" y="1449257"/>
-            <a:ext cx="4995334" cy="1328973"/>
+            <a:off x="6697479" y="2794672"/>
+            <a:ext cx="4461934" cy="3709318"/>
           </a:xfrm>
           <a:prstGeom prst="rect">
             <a:avLst/>
@@ -20984,10 +21803,10 @@
       </p:pic>
       <p:pic>
         <p:nvPicPr>
-          <p:cNvPr id="7" name="Imagem 6">
+          <p:cNvPr id="9" name="Imagem 8">
             <a:extLst>
               <a:ext uri="{FF2B5EF4-FFF2-40B4-BE49-F238E27FC236}">
-                <a16:creationId xmlns:a16="http://schemas.microsoft.com/office/drawing/2014/main" id="{5B5C6259-EA54-4E6B-886A-D7FAFB766D4E}"/>
+                <a16:creationId xmlns:a16="http://schemas.microsoft.com/office/drawing/2014/main" id="{9691BC17-F3D8-455C-A7BC-383864AC0CAC}"/>
               </a:ext>
             </a:extLst>
           </p:cNvPr>
@@ -21004,8 +21823,8 @@
         </p:blipFill>
         <p:spPr>
           <a:xfrm>
-            <a:off x="7167714" y="2941669"/>
-            <a:ext cx="4139381" cy="3760779"/>
+            <a:off x="8592316" y="242597"/>
+            <a:ext cx="3416877" cy="2471540"/>
           </a:xfrm>
           <a:prstGeom prst="rect">
             <a:avLst/>
@@ -21151,48 +21970,32 @@
               <a:buSzPct val="100000"/>
             </a:pPr>
             <a:r>
-              <a:rPr lang="pt-PT"/>
+              <a:rPr lang="pt-PT" dirty="0"/>
               <a:t>A secção de</a:t>
             </a:r>
             <a:r>
-              <a:rPr lang="pt-PT" b="1" i="1"/>
+              <a:rPr lang="pt-PT" b="1" i="1" dirty="0"/>
               <a:t> </a:t>
             </a:r>
             <a:r>
-              <a:rPr lang="pt-PT"/>
+              <a:rPr lang="pt-PT" dirty="0"/>
               <a:t>Perguntas e respostas é composta por </a:t>
             </a:r>
             <a:r>
-              <a:rPr lang="pt-PT" b="1" i="1" err="1"/>
+              <a:rPr lang="pt-PT" b="1" i="1" dirty="0" err="1"/>
               <a:t>Threads</a:t>
             </a:r>
             <a:r>
-              <a:rPr lang="pt-PT"/>
+              <a:rPr lang="pt-PT" dirty="0"/>
               <a:t>, ou seja, uma área de discussão para </a:t>
             </a:r>
             <a:r>
-              <a:rPr lang="pt-PT" b="1" i="1"/>
+              <a:rPr lang="pt-PT" b="1" i="1" dirty="0"/>
               <a:t>Responder</a:t>
             </a:r>
             <a:r>
-              <a:rPr lang="pt-PT"/>
-              <a:t> a uma pergunta principal (ou a outras respostas) juntamente com </a:t>
-            </a:r>
-            <a:r>
-              <a:rPr lang="pt-PT" b="1" i="1"/>
-              <a:t>Notificações</a:t>
-            </a:r>
-            <a:r>
-              <a:rPr lang="pt-PT"/>
-              <a:t> da mesma, que são guardadas para serem abertas por um </a:t>
-            </a:r>
-            <a:r>
-              <a:rPr lang="pt-PT" err="1"/>
-              <a:t>user</a:t>
-            </a:r>
-            <a:r>
-              <a:rPr lang="pt-PT"/>
-              <a:t>.</a:t>
+              <a:rPr lang="pt-PT" dirty="0"/>
+              <a:t> a uma pergunta principal (ou a outras respostas).</a:t>
             </a:r>
           </a:p>
         </p:txBody>
@@ -21202,7 +22005,7 @@
           <p:cNvPr id="5" name="Imagem 4">
             <a:extLst>
               <a:ext uri="{FF2B5EF4-FFF2-40B4-BE49-F238E27FC236}">
-                <a16:creationId xmlns:a16="http://schemas.microsoft.com/office/drawing/2014/main" id="{54AE2200-8ECB-4C96-89AB-D1C8839C2092}"/>
+                <a16:creationId xmlns:a16="http://schemas.microsoft.com/office/drawing/2014/main" id="{47AB37AA-3D2F-4894-A219-BEE3683F1115}"/>
               </a:ext>
             </a:extLst>
           </p:cNvPr>
@@ -21219,8 +22022,8 @@
         </p:blipFill>
         <p:spPr>
           <a:xfrm>
-            <a:off x="5961636" y="2309438"/>
-            <a:ext cx="5715798" cy="3143689"/>
+            <a:off x="5895046" y="2532397"/>
+            <a:ext cx="6134956" cy="2362530"/>
           </a:xfrm>
           <a:prstGeom prst="rect">
             <a:avLst/>
@@ -21241,6 +22044,233 @@
 </file>
 
 <file path=ppt/slides/slide8.xml><?xml version="1.0" encoding="utf-8"?>
+<p:sld xmlns:a="http://schemas.openxmlformats.org/drawingml/2006/main" xmlns:r="http://schemas.openxmlformats.org/officeDocument/2006/relationships" xmlns:p="http://schemas.openxmlformats.org/presentationml/2006/main">
+  <p:cSld>
+    <p:spTree>
+      <p:nvGrpSpPr>
+        <p:cNvPr id="1" name=""/>
+        <p:cNvGrpSpPr/>
+        <p:nvPr/>
+      </p:nvGrpSpPr>
+      <p:grpSpPr>
+        <a:xfrm>
+          <a:off x="0" y="0"/>
+          <a:ext cx="0" cy="0"/>
+          <a:chOff x="0" y="0"/>
+          <a:chExt cx="0" cy="0"/>
+        </a:xfrm>
+      </p:grpSpPr>
+      <p:sp>
+        <p:nvSpPr>
+          <p:cNvPr id="2" name="Título 1">
+            <a:extLst>
+              <a:ext uri="{FF2B5EF4-FFF2-40B4-BE49-F238E27FC236}">
+                <a16:creationId xmlns:a16="http://schemas.microsoft.com/office/drawing/2014/main" id="{F63F75DE-A1DA-469C-8EF7-5F8FC145CF9F}"/>
+              </a:ext>
+            </a:extLst>
+          </p:cNvPr>
+          <p:cNvSpPr>
+            <a:spLocks noGrp="1"/>
+          </p:cNvSpPr>
+          <p:nvPr>
+            <p:ph type="title"/>
+          </p:nvPr>
+        </p:nvSpPr>
+        <p:spPr/>
+        <p:txBody>
+          <a:bodyPr/>
+          <a:lstStyle/>
+          <a:p>
+            <a:r>
+              <a:rPr lang="pt-PT" b="0" kern="1200" cap="all" dirty="0">
+                <a:ln w="3175" cmpd="sng">
+                  <a:noFill/>
+                </a:ln>
+                <a:effectLst/>
+                <a:latin typeface="+mj-lt"/>
+                <a:ea typeface="+mj-ea"/>
+                <a:cs typeface="+mj-cs"/>
+              </a:rPr>
+              <a:t>Explicação geral da base de dados</a:t>
+            </a:r>
+            <a:br>
+              <a:rPr lang="pt-PT" b="0" kern="1200" cap="all" dirty="0">
+                <a:ln w="3175" cmpd="sng">
+                  <a:noFill/>
+                </a:ln>
+                <a:effectLst/>
+                <a:latin typeface="+mj-lt"/>
+                <a:ea typeface="+mj-ea"/>
+                <a:cs typeface="+mj-cs"/>
+              </a:rPr>
+            </a:br>
+            <a:r>
+              <a:rPr lang="pt-PT" b="0" kern="1200" cap="all" dirty="0">
+                <a:ln w="3175" cmpd="sng">
+                  <a:noFill/>
+                </a:ln>
+                <a:effectLst/>
+                <a:latin typeface="+mj-lt"/>
+                <a:ea typeface="+mj-ea"/>
+                <a:cs typeface="+mj-cs"/>
+              </a:rPr>
+              <a:t>Notificações</a:t>
+            </a:r>
+            <a:endParaRPr lang="pt-PT" dirty="0"/>
+          </a:p>
+        </p:txBody>
+      </p:sp>
+      <p:sp>
+        <p:nvSpPr>
+          <p:cNvPr id="4" name="Marcador de Posição de Conteúdo 3">
+            <a:extLst>
+              <a:ext uri="{FF2B5EF4-FFF2-40B4-BE49-F238E27FC236}">
+                <a16:creationId xmlns:a16="http://schemas.microsoft.com/office/drawing/2014/main" id="{88B11CB0-E113-489B-8721-2000D941F744}"/>
+              </a:ext>
+            </a:extLst>
+          </p:cNvPr>
+          <p:cNvSpPr>
+            <a:spLocks noGrp="1"/>
+          </p:cNvSpPr>
+          <p:nvPr>
+            <p:ph sz="half" idx="2"/>
+          </p:nvPr>
+        </p:nvSpPr>
+        <p:spPr/>
+        <p:txBody>
+          <a:bodyPr/>
+          <a:lstStyle/>
+          <a:p>
+            <a:endParaRPr lang="pt-PT"/>
+          </a:p>
+        </p:txBody>
+      </p:sp>
+      <p:pic>
+        <p:nvPicPr>
+          <p:cNvPr id="6" name="Imagem 5">
+            <a:extLst>
+              <a:ext uri="{FF2B5EF4-FFF2-40B4-BE49-F238E27FC236}">
+                <a16:creationId xmlns:a16="http://schemas.microsoft.com/office/drawing/2014/main" id="{3A925054-13A7-4A9B-A98F-EED3C4215882}"/>
+              </a:ext>
+            </a:extLst>
+          </p:cNvPr>
+          <p:cNvPicPr>
+            <a:picLocks noChangeAspect="1"/>
+          </p:cNvPicPr>
+          <p:nvPr/>
+        </p:nvPicPr>
+        <p:blipFill>
+          <a:blip r:embed="rId2"/>
+          <a:stretch>
+            <a:fillRect/>
+          </a:stretch>
+        </p:blipFill>
+        <p:spPr>
+          <a:xfrm>
+            <a:off x="5751513" y="2142068"/>
+            <a:ext cx="6242277" cy="3747214"/>
+          </a:xfrm>
+          <a:prstGeom prst="rect">
+            <a:avLst/>
+          </a:prstGeom>
+        </p:spPr>
+      </p:pic>
+      <p:sp>
+        <p:nvSpPr>
+          <p:cNvPr id="7" name="CaixaDeTexto 6">
+            <a:extLst>
+              <a:ext uri="{FF2B5EF4-FFF2-40B4-BE49-F238E27FC236}">
+                <a16:creationId xmlns:a16="http://schemas.microsoft.com/office/drawing/2014/main" id="{064A1AEE-5E9F-48FB-9947-A0770CBF436F}"/>
+              </a:ext>
+            </a:extLst>
+          </p:cNvPr>
+          <p:cNvSpPr txBox="1"/>
+          <p:nvPr/>
+        </p:nvSpPr>
+        <p:spPr>
+          <a:xfrm>
+            <a:off x="557544" y="2240147"/>
+            <a:ext cx="4995334" cy="3649134"/>
+          </a:xfrm>
+          <a:prstGeom prst="rect">
+            <a:avLst/>
+          </a:prstGeom>
+          <a:ln w="57150">
+            <a:solidFill>
+              <a:schemeClr val="accent3">
+                <a:lumMod val="75000"/>
+              </a:schemeClr>
+            </a:solidFill>
+            <a:prstDash val="sysDash"/>
+          </a:ln>
+        </p:spPr>
+        <p:txBody>
+          <a:bodyPr vert="horz" lIns="91440" tIns="45720" rIns="91440" bIns="45720" rtlCol="0" anchor="ctr">
+            <a:normAutofit/>
+          </a:bodyPr>
+          <a:lstStyle/>
+          <a:p>
+            <a:r>
+              <a:rPr lang="pt-PT" dirty="0"/>
+              <a:t>Esta parte apenas contem as </a:t>
+            </a:r>
+            <a:r>
+              <a:rPr lang="pt-PT" b="1" i="1" dirty="0"/>
+              <a:t>Notificações</a:t>
+            </a:r>
+            <a:r>
+              <a:rPr lang="pt-PT" dirty="0"/>
+              <a:t> das </a:t>
+            </a:r>
+            <a:r>
+              <a:rPr lang="pt-PT" dirty="0" err="1"/>
+              <a:t>Orders</a:t>
+            </a:r>
+            <a:r>
+              <a:rPr lang="pt-PT" dirty="0"/>
+              <a:t>, </a:t>
+            </a:r>
+            <a:r>
+              <a:rPr lang="pt-PT" dirty="0" err="1"/>
+              <a:t>Threads</a:t>
+            </a:r>
+            <a:r>
+              <a:rPr lang="pt-PT" dirty="0"/>
+              <a:t> e </a:t>
+            </a:r>
+            <a:r>
+              <a:rPr lang="pt-PT" i="1" dirty="0" err="1"/>
+              <a:t>Replies</a:t>
+            </a:r>
+            <a:r>
+              <a:rPr lang="pt-PT" dirty="0"/>
+              <a:t>, que são guardadas para serem abertas por um </a:t>
+            </a:r>
+            <a:r>
+              <a:rPr lang="pt-PT" dirty="0" err="1"/>
+              <a:t>User</a:t>
+            </a:r>
+            <a:r>
+              <a:rPr lang="pt-PT" dirty="0"/>
+              <a:t>.</a:t>
+            </a:r>
+          </a:p>
+        </p:txBody>
+      </p:sp>
+    </p:spTree>
+    <p:extLst>
+      <p:ext uri="{BB962C8B-B14F-4D97-AF65-F5344CB8AC3E}">
+        <p14:creationId xmlns:p14="http://schemas.microsoft.com/office/powerpoint/2010/main" val="1368213954"/>
+      </p:ext>
+    </p:extLst>
+  </p:cSld>
+  <p:clrMapOvr>
+    <a:masterClrMapping/>
+  </p:clrMapOvr>
+</p:sld>
+</file>
+
+<file path=ppt/slides/slide9.xml><?xml version="1.0" encoding="utf-8"?>
 <p:sld xmlns:a="http://schemas.openxmlformats.org/drawingml/2006/main" xmlns:r="http://schemas.openxmlformats.org/officeDocument/2006/relationships" xmlns:p="http://schemas.openxmlformats.org/presentationml/2006/main">
   <p:cSld>
     <p:spTree>
@@ -21386,10 +22416,10 @@
       </p:sp>
       <p:pic>
         <p:nvPicPr>
-          <p:cNvPr id="5" name="Imagem 4">
+          <p:cNvPr id="7" name="Imagem 6">
             <a:extLst>
               <a:ext uri="{FF2B5EF4-FFF2-40B4-BE49-F238E27FC236}">
-                <a16:creationId xmlns:a16="http://schemas.microsoft.com/office/drawing/2014/main" id="{96B5B781-6919-45DA-B0AF-CE32D0DF455F}"/>
+                <a16:creationId xmlns:a16="http://schemas.microsoft.com/office/drawing/2014/main" id="{289D4D56-4A4E-4EFD-A554-C959BA6930C2}"/>
               </a:ext>
             </a:extLst>
           </p:cNvPr>
@@ -21406,8 +22436,8 @@
         </p:blipFill>
         <p:spPr>
           <a:xfrm>
-            <a:off x="5994498" y="2466186"/>
-            <a:ext cx="5925377" cy="2495898"/>
+            <a:off x="6096000" y="2894932"/>
+            <a:ext cx="5807825" cy="1761735"/>
           </a:xfrm>
           <a:prstGeom prst="rect">
             <a:avLst/>
@@ -21418,152 +22448,6 @@
     <p:extLst>
       <p:ext uri="{BB962C8B-B14F-4D97-AF65-F5344CB8AC3E}">
         <p14:creationId xmlns:p14="http://schemas.microsoft.com/office/powerpoint/2010/main" val="3780531611"/>
-      </p:ext>
-    </p:extLst>
-  </p:cSld>
-  <p:clrMapOvr>
-    <a:masterClrMapping/>
-  </p:clrMapOvr>
-</p:sld>
-</file>
-
-<file path=ppt/slides/slide9.xml><?xml version="1.0" encoding="utf-8"?>
-<p:sld xmlns:a="http://schemas.openxmlformats.org/drawingml/2006/main" xmlns:r="http://schemas.openxmlformats.org/officeDocument/2006/relationships" xmlns:p="http://schemas.openxmlformats.org/presentationml/2006/main">
-  <p:cSld>
-    <p:spTree>
-      <p:nvGrpSpPr>
-        <p:cNvPr id="1" name=""/>
-        <p:cNvGrpSpPr/>
-        <p:nvPr/>
-      </p:nvGrpSpPr>
-      <p:grpSpPr>
-        <a:xfrm>
-          <a:off x="0" y="0"/>
-          <a:ext cx="0" cy="0"/>
-          <a:chOff x="0" y="0"/>
-          <a:chExt cx="0" cy="0"/>
-        </a:xfrm>
-      </p:grpSpPr>
-      <p:sp>
-        <p:nvSpPr>
-          <p:cNvPr id="2" name="Título 1">
-            <a:extLst>
-              <a:ext uri="{FF2B5EF4-FFF2-40B4-BE49-F238E27FC236}">
-                <a16:creationId xmlns:a16="http://schemas.microsoft.com/office/drawing/2014/main" id="{E3FA9041-FFBD-4AEB-8BB2-193758754592}"/>
-              </a:ext>
-            </a:extLst>
-          </p:cNvPr>
-          <p:cNvSpPr>
-            <a:spLocks noGrp="1"/>
-          </p:cNvSpPr>
-          <p:nvPr>
-            <p:ph type="title"/>
-          </p:nvPr>
-        </p:nvSpPr>
-        <p:spPr>
-          <a:xfrm>
-            <a:off x="685801" y="139582"/>
-            <a:ext cx="10131425" cy="1456267"/>
-          </a:xfrm>
-        </p:spPr>
-        <p:txBody>
-          <a:bodyPr/>
-          <a:lstStyle/>
-          <a:p>
-            <a:r>
-              <a:rPr lang="pt-PT"/>
-              <a:t>Juntos formam O MODELO ER</a:t>
-            </a:r>
-          </a:p>
-        </p:txBody>
-      </p:sp>
-      <p:sp>
-        <p:nvSpPr>
-          <p:cNvPr id="3" name="Marcador de Posição de Conteúdo 2">
-            <a:extLst>
-              <a:ext uri="{FF2B5EF4-FFF2-40B4-BE49-F238E27FC236}">
-                <a16:creationId xmlns:a16="http://schemas.microsoft.com/office/drawing/2014/main" id="{ED276C41-BCBE-4755-ABC7-54FF27194ABD}"/>
-              </a:ext>
-            </a:extLst>
-          </p:cNvPr>
-          <p:cNvSpPr>
-            <a:spLocks noGrp="1"/>
-          </p:cNvSpPr>
-          <p:nvPr>
-            <p:ph sz="half" idx="1"/>
-          </p:nvPr>
-        </p:nvSpPr>
-        <p:spPr/>
-        <p:txBody>
-          <a:bodyPr/>
-          <a:lstStyle/>
-          <a:p>
-            <a:r>
-              <a:rPr lang="pt-PT"/>
-              <a:t>*imagem do modelo completo*</a:t>
-            </a:r>
-          </a:p>
-        </p:txBody>
-      </p:sp>
-      <p:sp>
-        <p:nvSpPr>
-          <p:cNvPr id="5" name="Marcador de Posição de Conteúdo 4">
-            <a:extLst>
-              <a:ext uri="{FF2B5EF4-FFF2-40B4-BE49-F238E27FC236}">
-                <a16:creationId xmlns:a16="http://schemas.microsoft.com/office/drawing/2014/main" id="{CE0CF759-D61B-4EC5-A11F-662D85D03D1A}"/>
-              </a:ext>
-            </a:extLst>
-          </p:cNvPr>
-          <p:cNvSpPr>
-            <a:spLocks noGrp="1"/>
-          </p:cNvSpPr>
-          <p:nvPr>
-            <p:ph sz="half" idx="2"/>
-          </p:nvPr>
-        </p:nvSpPr>
-        <p:spPr/>
-        <p:txBody>
-          <a:bodyPr/>
-          <a:lstStyle/>
-          <a:p>
-            <a:endParaRPr lang="pt-PT"/>
-          </a:p>
-        </p:txBody>
-      </p:sp>
-      <p:pic>
-        <p:nvPicPr>
-          <p:cNvPr id="13" name="Imagem 12">
-            <a:extLst>
-              <a:ext uri="{FF2B5EF4-FFF2-40B4-BE49-F238E27FC236}">
-                <a16:creationId xmlns:a16="http://schemas.microsoft.com/office/drawing/2014/main" id="{8FE64A28-4ECA-4C2E-8612-89EAF063A02B}"/>
-              </a:ext>
-            </a:extLst>
-          </p:cNvPr>
-          <p:cNvPicPr>
-            <a:picLocks noChangeAspect="1"/>
-          </p:cNvPicPr>
-          <p:nvPr/>
-        </p:nvPicPr>
-        <p:blipFill>
-          <a:blip r:embed="rId2"/>
-          <a:stretch>
-            <a:fillRect/>
-          </a:stretch>
-        </p:blipFill>
-        <p:spPr>
-          <a:xfrm>
-            <a:off x="190163" y="1159983"/>
-            <a:ext cx="11811674" cy="5558435"/>
-          </a:xfrm>
-          <a:prstGeom prst="rect">
-            <a:avLst/>
-          </a:prstGeom>
-        </p:spPr>
-      </p:pic>
-    </p:spTree>
-    <p:extLst>
-      <p:ext uri="{BB962C8B-B14F-4D97-AF65-F5344CB8AC3E}">
-        <p14:creationId xmlns:p14="http://schemas.microsoft.com/office/powerpoint/2010/main" val="139275596"/>
       </p:ext>
     </p:extLst>
   </p:cSld>
